--- a/PYTHON/02. Funciones - Estructuras condicionales - Bucles/02. FUNCIONES - METODOS EN PYTHON.pptx
+++ b/PYTHON/02. Funciones - Estructuras condicionales - Bucles/02. FUNCIONES - METODOS EN PYTHON.pptx
@@ -5,19 +5,21 @@
     <p:sldMasterId id="2147483648" r:id="rId1"/>
   </p:sldMasterIdLst>
   <p:notesMasterIdLst>
-    <p:notesMasterId r:id="rId12"/>
+    <p:notesMasterId r:id="rId14"/>
   </p:notesMasterIdLst>
   <p:sldIdLst>
     <p:sldId id="264" r:id="rId2"/>
-    <p:sldId id="281" r:id="rId3"/>
-    <p:sldId id="301" r:id="rId4"/>
-    <p:sldId id="302" r:id="rId5"/>
-    <p:sldId id="288" r:id="rId6"/>
-    <p:sldId id="298" r:id="rId7"/>
-    <p:sldId id="300" r:id="rId8"/>
-    <p:sldId id="299" r:id="rId9"/>
-    <p:sldId id="296" r:id="rId10"/>
-    <p:sldId id="303" r:id="rId11"/>
+    <p:sldId id="304" r:id="rId3"/>
+    <p:sldId id="305" r:id="rId4"/>
+    <p:sldId id="281" r:id="rId5"/>
+    <p:sldId id="301" r:id="rId6"/>
+    <p:sldId id="302" r:id="rId7"/>
+    <p:sldId id="288" r:id="rId8"/>
+    <p:sldId id="298" r:id="rId9"/>
+    <p:sldId id="300" r:id="rId10"/>
+    <p:sldId id="299" r:id="rId11"/>
+    <p:sldId id="296" r:id="rId12"/>
+    <p:sldId id="303" r:id="rId13"/>
   </p:sldIdLst>
   <p:sldSz cx="12192000" cy="6858000"/>
   <p:notesSz cx="6858000" cy="9144000"/>
@@ -21290,7 +21292,7 @@
           <a:p>
             <a:fld id="{B6E6CCBB-7448-4D8B-97E4-07C3B3EA5E29}" type="datetimeFigureOut">
               <a:rPr lang="es-CO" smtClean="0"/>
-              <a:t>27/05/2022</a:t>
+              <a:t>11/09/2022</a:t>
             </a:fld>
             <a:endParaRPr lang="es-CO"/>
           </a:p>
@@ -21580,7 +21582,7 @@
           <p:cNvPr id="2" name="Título 1">
             <a:extLst>
               <a:ext uri="{FF2B5EF4-FFF2-40B4-BE49-F238E27FC236}">
-                <a16:creationId xmlns:a16="http://schemas.microsoft.com/office/drawing/2014/main" xmlns="" id="{393DCA57-3396-437C-A001-485CE0774BCB}"/>
+                <a16:creationId xmlns="" xmlns:a16="http://schemas.microsoft.com/office/drawing/2014/main" id="{393DCA57-3396-437C-A001-485CE0774BCB}"/>
               </a:ext>
             </a:extLst>
           </p:cNvPr>
@@ -21618,7 +21620,7 @@
           <p:cNvPr id="3" name="Subtítulo 2">
             <a:extLst>
               <a:ext uri="{FF2B5EF4-FFF2-40B4-BE49-F238E27FC236}">
-                <a16:creationId xmlns:a16="http://schemas.microsoft.com/office/drawing/2014/main" xmlns="" id="{E7C27F3B-2C4D-4B52-B702-B3BCC746E04D}"/>
+                <a16:creationId xmlns="" xmlns:a16="http://schemas.microsoft.com/office/drawing/2014/main" id="{E7C27F3B-2C4D-4B52-B702-B3BCC746E04D}"/>
               </a:ext>
             </a:extLst>
           </p:cNvPr>
@@ -21689,7 +21691,7 @@
           <p:cNvPr id="4" name="Marcador de fecha 3">
             <a:extLst>
               <a:ext uri="{FF2B5EF4-FFF2-40B4-BE49-F238E27FC236}">
-                <a16:creationId xmlns:a16="http://schemas.microsoft.com/office/drawing/2014/main" xmlns="" id="{2BC638D5-718C-4E49-9D1E-190F3C8E07C2}"/>
+                <a16:creationId xmlns="" xmlns:a16="http://schemas.microsoft.com/office/drawing/2014/main" id="{2BC638D5-718C-4E49-9D1E-190F3C8E07C2}"/>
               </a:ext>
             </a:extLst>
           </p:cNvPr>
@@ -21707,7 +21709,7 @@
           <a:p>
             <a:fld id="{20D1709E-3946-46D0-AB21-FE17C010AAA6}" type="datetimeFigureOut">
               <a:rPr lang="es-CO" smtClean="0"/>
-              <a:t>27/05/2022</a:t>
+              <a:t>11/09/2022</a:t>
             </a:fld>
             <a:endParaRPr lang="es-CO"/>
           </a:p>
@@ -21718,7 +21720,7 @@
           <p:cNvPr id="5" name="Marcador de pie de página 4">
             <a:extLst>
               <a:ext uri="{FF2B5EF4-FFF2-40B4-BE49-F238E27FC236}">
-                <a16:creationId xmlns:a16="http://schemas.microsoft.com/office/drawing/2014/main" xmlns="" id="{3276707C-FB46-45F5-818B-36FAEB8F340A}"/>
+                <a16:creationId xmlns="" xmlns:a16="http://schemas.microsoft.com/office/drawing/2014/main" id="{3276707C-FB46-45F5-818B-36FAEB8F340A}"/>
               </a:ext>
             </a:extLst>
           </p:cNvPr>
@@ -21743,7 +21745,7 @@
           <p:cNvPr id="6" name="Marcador de número de diapositiva 5">
             <a:extLst>
               <a:ext uri="{FF2B5EF4-FFF2-40B4-BE49-F238E27FC236}">
-                <a16:creationId xmlns:a16="http://schemas.microsoft.com/office/drawing/2014/main" xmlns="" id="{8FD16FDC-7D3B-42F9-BEDD-65133C487E69}"/>
+                <a16:creationId xmlns="" xmlns:a16="http://schemas.microsoft.com/office/drawing/2014/main" id="{8FD16FDC-7D3B-42F9-BEDD-65133C487E69}"/>
               </a:ext>
             </a:extLst>
           </p:cNvPr>
@@ -21772,7 +21774,7 @@
           <p:cNvPr id="12" name="Imagen 11">
             <a:extLst>
               <a:ext uri="{FF2B5EF4-FFF2-40B4-BE49-F238E27FC236}">
-                <a16:creationId xmlns:a16="http://schemas.microsoft.com/office/drawing/2014/main" xmlns="" id="{6ECC74C6-FB85-4281-8B0D-0712678A8553}"/>
+                <a16:creationId xmlns="" xmlns:a16="http://schemas.microsoft.com/office/drawing/2014/main" id="{6ECC74C6-FB85-4281-8B0D-0712678A8553}"/>
               </a:ext>
             </a:extLst>
           </p:cNvPr>
@@ -21838,7 +21840,7 @@
           <p:cNvPr id="2" name="Título 1">
             <a:extLst>
               <a:ext uri="{FF2B5EF4-FFF2-40B4-BE49-F238E27FC236}">
-                <a16:creationId xmlns:a16="http://schemas.microsoft.com/office/drawing/2014/main" xmlns="" id="{456072B7-7FDF-43D2-AF95-1C5D0BE8C2EB}"/>
+                <a16:creationId xmlns="" xmlns:a16="http://schemas.microsoft.com/office/drawing/2014/main" id="{456072B7-7FDF-43D2-AF95-1C5D0BE8C2EB}"/>
               </a:ext>
             </a:extLst>
           </p:cNvPr>
@@ -21867,7 +21869,7 @@
           <p:cNvPr id="3" name="Marcador de contenido 2">
             <a:extLst>
               <a:ext uri="{FF2B5EF4-FFF2-40B4-BE49-F238E27FC236}">
-                <a16:creationId xmlns:a16="http://schemas.microsoft.com/office/drawing/2014/main" xmlns="" id="{AC392882-4362-4C14-A359-0E232BB2FCB4}"/>
+                <a16:creationId xmlns="" xmlns:a16="http://schemas.microsoft.com/office/drawing/2014/main" id="{AC392882-4362-4C14-A359-0E232BB2FCB4}"/>
               </a:ext>
             </a:extLst>
           </p:cNvPr>
@@ -21925,7 +21927,7 @@
           <p:cNvPr id="4" name="Marcador de fecha 3">
             <a:extLst>
               <a:ext uri="{FF2B5EF4-FFF2-40B4-BE49-F238E27FC236}">
-                <a16:creationId xmlns:a16="http://schemas.microsoft.com/office/drawing/2014/main" xmlns="" id="{A7DAF922-BFAF-44E6-8AFB-FBEF3F4E2A8D}"/>
+                <a16:creationId xmlns="" xmlns:a16="http://schemas.microsoft.com/office/drawing/2014/main" id="{A7DAF922-BFAF-44E6-8AFB-FBEF3F4E2A8D}"/>
               </a:ext>
             </a:extLst>
           </p:cNvPr>
@@ -21943,7 +21945,7 @@
           <a:p>
             <a:fld id="{20D1709E-3946-46D0-AB21-FE17C010AAA6}" type="datetimeFigureOut">
               <a:rPr lang="es-CO" smtClean="0"/>
-              <a:t>27/05/2022</a:t>
+              <a:t>11/09/2022</a:t>
             </a:fld>
             <a:endParaRPr lang="es-CO"/>
           </a:p>
@@ -21954,7 +21956,7 @@
           <p:cNvPr id="5" name="Marcador de pie de página 4">
             <a:extLst>
               <a:ext uri="{FF2B5EF4-FFF2-40B4-BE49-F238E27FC236}">
-                <a16:creationId xmlns:a16="http://schemas.microsoft.com/office/drawing/2014/main" xmlns="" id="{10488B6D-8DCB-4622-84C4-C2692790C63D}"/>
+                <a16:creationId xmlns="" xmlns:a16="http://schemas.microsoft.com/office/drawing/2014/main" id="{10488B6D-8DCB-4622-84C4-C2692790C63D}"/>
               </a:ext>
             </a:extLst>
           </p:cNvPr>
@@ -21979,7 +21981,7 @@
           <p:cNvPr id="6" name="Marcador de número de diapositiva 5">
             <a:extLst>
               <a:ext uri="{FF2B5EF4-FFF2-40B4-BE49-F238E27FC236}">
-                <a16:creationId xmlns:a16="http://schemas.microsoft.com/office/drawing/2014/main" xmlns="" id="{3F24E3C1-CA2F-480F-B317-8880F18A5351}"/>
+                <a16:creationId xmlns="" xmlns:a16="http://schemas.microsoft.com/office/drawing/2014/main" id="{3F24E3C1-CA2F-480F-B317-8880F18A5351}"/>
               </a:ext>
             </a:extLst>
           </p:cNvPr>
@@ -22008,7 +22010,7 @@
           <p:cNvPr id="11" name="Imagen 10">
             <a:extLst>
               <a:ext uri="{FF2B5EF4-FFF2-40B4-BE49-F238E27FC236}">
-                <a16:creationId xmlns:a16="http://schemas.microsoft.com/office/drawing/2014/main" xmlns="" id="{5386D8B5-7850-4D65-9275-CE9653EB313D}"/>
+                <a16:creationId xmlns="" xmlns:a16="http://schemas.microsoft.com/office/drawing/2014/main" id="{5386D8B5-7850-4D65-9275-CE9653EB313D}"/>
               </a:ext>
             </a:extLst>
           </p:cNvPr>
@@ -22074,7 +22076,7 @@
           <p:cNvPr id="2" name="Título 1">
             <a:extLst>
               <a:ext uri="{FF2B5EF4-FFF2-40B4-BE49-F238E27FC236}">
-                <a16:creationId xmlns:a16="http://schemas.microsoft.com/office/drawing/2014/main" xmlns="" id="{87BD01F4-E638-4C40-8A29-56E1E3CB925E}"/>
+                <a16:creationId xmlns="" xmlns:a16="http://schemas.microsoft.com/office/drawing/2014/main" id="{87BD01F4-E638-4C40-8A29-56E1E3CB925E}"/>
               </a:ext>
             </a:extLst>
           </p:cNvPr>
@@ -22108,7 +22110,7 @@
           <p:cNvPr id="3" name="Marcador de texto 2">
             <a:extLst>
               <a:ext uri="{FF2B5EF4-FFF2-40B4-BE49-F238E27FC236}">
-                <a16:creationId xmlns:a16="http://schemas.microsoft.com/office/drawing/2014/main" xmlns="" id="{2843129E-9B5A-41BC-BCDD-ED6766FC1442}"/>
+                <a16:creationId xmlns="" xmlns:a16="http://schemas.microsoft.com/office/drawing/2014/main" id="{2843129E-9B5A-41BC-BCDD-ED6766FC1442}"/>
               </a:ext>
             </a:extLst>
           </p:cNvPr>
@@ -22179,7 +22181,7 @@
           <p:cNvPr id="4" name="Marcador de contenido 3">
             <a:extLst>
               <a:ext uri="{FF2B5EF4-FFF2-40B4-BE49-F238E27FC236}">
-                <a16:creationId xmlns:a16="http://schemas.microsoft.com/office/drawing/2014/main" xmlns="" id="{0F70F18A-9287-45A9-ABCF-96A2EDCA0051}"/>
+                <a16:creationId xmlns="" xmlns:a16="http://schemas.microsoft.com/office/drawing/2014/main" id="{0F70F18A-9287-45A9-ABCF-96A2EDCA0051}"/>
               </a:ext>
             </a:extLst>
           </p:cNvPr>
@@ -22242,7 +22244,7 @@
           <p:cNvPr id="5" name="Marcador de texto 4">
             <a:extLst>
               <a:ext uri="{FF2B5EF4-FFF2-40B4-BE49-F238E27FC236}">
-                <a16:creationId xmlns:a16="http://schemas.microsoft.com/office/drawing/2014/main" xmlns="" id="{5581F368-EF72-43BE-820C-169DE25488BB}"/>
+                <a16:creationId xmlns="" xmlns:a16="http://schemas.microsoft.com/office/drawing/2014/main" id="{5581F368-EF72-43BE-820C-169DE25488BB}"/>
               </a:ext>
             </a:extLst>
           </p:cNvPr>
@@ -22313,7 +22315,7 @@
           <p:cNvPr id="6" name="Marcador de contenido 5">
             <a:extLst>
               <a:ext uri="{FF2B5EF4-FFF2-40B4-BE49-F238E27FC236}">
-                <a16:creationId xmlns:a16="http://schemas.microsoft.com/office/drawing/2014/main" xmlns="" id="{AD16AF1A-3AE2-4D57-8BC6-6D616D949765}"/>
+                <a16:creationId xmlns="" xmlns:a16="http://schemas.microsoft.com/office/drawing/2014/main" id="{AD16AF1A-3AE2-4D57-8BC6-6D616D949765}"/>
               </a:ext>
             </a:extLst>
           </p:cNvPr>
@@ -22376,7 +22378,7 @@
           <p:cNvPr id="7" name="Marcador de fecha 6">
             <a:extLst>
               <a:ext uri="{FF2B5EF4-FFF2-40B4-BE49-F238E27FC236}">
-                <a16:creationId xmlns:a16="http://schemas.microsoft.com/office/drawing/2014/main" xmlns="" id="{EF89162C-18BA-4599-A8AB-FC4ECB05A9EB}"/>
+                <a16:creationId xmlns="" xmlns:a16="http://schemas.microsoft.com/office/drawing/2014/main" id="{EF89162C-18BA-4599-A8AB-FC4ECB05A9EB}"/>
               </a:ext>
             </a:extLst>
           </p:cNvPr>
@@ -22394,7 +22396,7 @@
           <a:p>
             <a:fld id="{20D1709E-3946-46D0-AB21-FE17C010AAA6}" type="datetimeFigureOut">
               <a:rPr lang="es-CO" smtClean="0"/>
-              <a:t>27/05/2022</a:t>
+              <a:t>11/09/2022</a:t>
             </a:fld>
             <a:endParaRPr lang="es-CO"/>
           </a:p>
@@ -22405,7 +22407,7 @@
           <p:cNvPr id="8" name="Marcador de pie de página 7">
             <a:extLst>
               <a:ext uri="{FF2B5EF4-FFF2-40B4-BE49-F238E27FC236}">
-                <a16:creationId xmlns:a16="http://schemas.microsoft.com/office/drawing/2014/main" xmlns="" id="{70D7B2D2-1F66-462C-AD23-8E19AB2DFBBF}"/>
+                <a16:creationId xmlns="" xmlns:a16="http://schemas.microsoft.com/office/drawing/2014/main" id="{70D7B2D2-1F66-462C-AD23-8E19AB2DFBBF}"/>
               </a:ext>
             </a:extLst>
           </p:cNvPr>
@@ -22430,7 +22432,7 @@
           <p:cNvPr id="9" name="Marcador de número de diapositiva 8">
             <a:extLst>
               <a:ext uri="{FF2B5EF4-FFF2-40B4-BE49-F238E27FC236}">
-                <a16:creationId xmlns:a16="http://schemas.microsoft.com/office/drawing/2014/main" xmlns="" id="{1EE87630-B1CC-4ED9-B600-2B166DF97A2E}"/>
+                <a16:creationId xmlns="" xmlns:a16="http://schemas.microsoft.com/office/drawing/2014/main" id="{1EE87630-B1CC-4ED9-B600-2B166DF97A2E}"/>
               </a:ext>
             </a:extLst>
           </p:cNvPr>
@@ -22459,7 +22461,7 @@
           <p:cNvPr id="12" name="Imagen 11">
             <a:extLst>
               <a:ext uri="{FF2B5EF4-FFF2-40B4-BE49-F238E27FC236}">
-                <a16:creationId xmlns:a16="http://schemas.microsoft.com/office/drawing/2014/main" xmlns="" id="{DFE53075-3556-4CE1-B0EB-9D68612443C0}"/>
+                <a16:creationId xmlns="" xmlns:a16="http://schemas.microsoft.com/office/drawing/2014/main" id="{DFE53075-3556-4CE1-B0EB-9D68612443C0}"/>
               </a:ext>
             </a:extLst>
           </p:cNvPr>
@@ -22525,7 +22527,7 @@
           <p:cNvPr id="2" name="Título 1">
             <a:extLst>
               <a:ext uri="{FF2B5EF4-FFF2-40B4-BE49-F238E27FC236}">
-                <a16:creationId xmlns:a16="http://schemas.microsoft.com/office/drawing/2014/main" xmlns="" id="{05448947-C141-41FF-AE16-195BB2A7CBFE}"/>
+                <a16:creationId xmlns="" xmlns:a16="http://schemas.microsoft.com/office/drawing/2014/main" id="{05448947-C141-41FF-AE16-195BB2A7CBFE}"/>
               </a:ext>
             </a:extLst>
           </p:cNvPr>
@@ -22554,7 +22556,7 @@
           <p:cNvPr id="3" name="Marcador de fecha 2">
             <a:extLst>
               <a:ext uri="{FF2B5EF4-FFF2-40B4-BE49-F238E27FC236}">
-                <a16:creationId xmlns:a16="http://schemas.microsoft.com/office/drawing/2014/main" xmlns="" id="{0ED10905-2E74-417D-B07D-7B1A9F8BA4DC}"/>
+                <a16:creationId xmlns="" xmlns:a16="http://schemas.microsoft.com/office/drawing/2014/main" id="{0ED10905-2E74-417D-B07D-7B1A9F8BA4DC}"/>
               </a:ext>
             </a:extLst>
           </p:cNvPr>
@@ -22572,7 +22574,7 @@
           <a:p>
             <a:fld id="{20D1709E-3946-46D0-AB21-FE17C010AAA6}" type="datetimeFigureOut">
               <a:rPr lang="es-CO" smtClean="0"/>
-              <a:t>27/05/2022</a:t>
+              <a:t>11/09/2022</a:t>
             </a:fld>
             <a:endParaRPr lang="es-CO"/>
           </a:p>
@@ -22583,7 +22585,7 @@
           <p:cNvPr id="4" name="Marcador de pie de página 3">
             <a:extLst>
               <a:ext uri="{FF2B5EF4-FFF2-40B4-BE49-F238E27FC236}">
-                <a16:creationId xmlns:a16="http://schemas.microsoft.com/office/drawing/2014/main" xmlns="" id="{CB6C416F-B3BB-4307-8987-A5AA610D406B}"/>
+                <a16:creationId xmlns="" xmlns:a16="http://schemas.microsoft.com/office/drawing/2014/main" id="{CB6C416F-B3BB-4307-8987-A5AA610D406B}"/>
               </a:ext>
             </a:extLst>
           </p:cNvPr>
@@ -22608,7 +22610,7 @@
           <p:cNvPr id="5" name="Marcador de número de diapositiva 4">
             <a:extLst>
               <a:ext uri="{FF2B5EF4-FFF2-40B4-BE49-F238E27FC236}">
-                <a16:creationId xmlns:a16="http://schemas.microsoft.com/office/drawing/2014/main" xmlns="" id="{E8C6C406-C9B3-4E42-BD8D-E43FE8E43BDA}"/>
+                <a16:creationId xmlns="" xmlns:a16="http://schemas.microsoft.com/office/drawing/2014/main" id="{E8C6C406-C9B3-4E42-BD8D-E43FE8E43BDA}"/>
               </a:ext>
             </a:extLst>
           </p:cNvPr>
@@ -22637,7 +22639,7 @@
           <p:cNvPr id="8" name="Imagen 7">
             <a:extLst>
               <a:ext uri="{FF2B5EF4-FFF2-40B4-BE49-F238E27FC236}">
-                <a16:creationId xmlns:a16="http://schemas.microsoft.com/office/drawing/2014/main" xmlns="" id="{5E3C3009-66A0-4C0E-8DD7-1CDE9C96BA2E}"/>
+                <a16:creationId xmlns="" xmlns:a16="http://schemas.microsoft.com/office/drawing/2014/main" id="{5E3C3009-66A0-4C0E-8DD7-1CDE9C96BA2E}"/>
               </a:ext>
             </a:extLst>
           </p:cNvPr>
@@ -22703,7 +22705,7 @@
           <p:cNvPr id="2" name="Título 1">
             <a:extLst>
               <a:ext uri="{FF2B5EF4-FFF2-40B4-BE49-F238E27FC236}">
-                <a16:creationId xmlns:a16="http://schemas.microsoft.com/office/drawing/2014/main" xmlns="" id="{863D4DF8-E9EF-4922-B438-331196DC1E02}"/>
+                <a16:creationId xmlns="" xmlns:a16="http://schemas.microsoft.com/office/drawing/2014/main" id="{863D4DF8-E9EF-4922-B438-331196DC1E02}"/>
               </a:ext>
             </a:extLst>
           </p:cNvPr>
@@ -22741,7 +22743,7 @@
           <p:cNvPr id="3" name="Marcador de contenido 2">
             <a:extLst>
               <a:ext uri="{FF2B5EF4-FFF2-40B4-BE49-F238E27FC236}">
-                <a16:creationId xmlns:a16="http://schemas.microsoft.com/office/drawing/2014/main" xmlns="" id="{5BF20047-CFC6-4FF5-A38F-0EBCC2F6F6D3}"/>
+                <a16:creationId xmlns="" xmlns:a16="http://schemas.microsoft.com/office/drawing/2014/main" id="{5BF20047-CFC6-4FF5-A38F-0EBCC2F6F6D3}"/>
               </a:ext>
             </a:extLst>
           </p:cNvPr>
@@ -22832,7 +22834,7 @@
           <p:cNvPr id="4" name="Marcador de texto 3">
             <a:extLst>
               <a:ext uri="{FF2B5EF4-FFF2-40B4-BE49-F238E27FC236}">
-                <a16:creationId xmlns:a16="http://schemas.microsoft.com/office/drawing/2014/main" xmlns="" id="{C2F085C8-93F1-4BE0-90CB-99FF6BCAA44E}"/>
+                <a16:creationId xmlns="" xmlns:a16="http://schemas.microsoft.com/office/drawing/2014/main" id="{C2F085C8-93F1-4BE0-90CB-99FF6BCAA44E}"/>
               </a:ext>
             </a:extLst>
           </p:cNvPr>
@@ -22903,7 +22905,7 @@
           <p:cNvPr id="5" name="Marcador de fecha 4">
             <a:extLst>
               <a:ext uri="{FF2B5EF4-FFF2-40B4-BE49-F238E27FC236}">
-                <a16:creationId xmlns:a16="http://schemas.microsoft.com/office/drawing/2014/main" xmlns="" id="{177A5E3B-651B-4CA4-B2B7-24787CADE4A2}"/>
+                <a16:creationId xmlns="" xmlns:a16="http://schemas.microsoft.com/office/drawing/2014/main" id="{177A5E3B-651B-4CA4-B2B7-24787CADE4A2}"/>
               </a:ext>
             </a:extLst>
           </p:cNvPr>
@@ -22921,7 +22923,7 @@
           <a:p>
             <a:fld id="{20D1709E-3946-46D0-AB21-FE17C010AAA6}" type="datetimeFigureOut">
               <a:rPr lang="es-CO" smtClean="0"/>
-              <a:t>27/05/2022</a:t>
+              <a:t>11/09/2022</a:t>
             </a:fld>
             <a:endParaRPr lang="es-CO"/>
           </a:p>
@@ -22932,7 +22934,7 @@
           <p:cNvPr id="6" name="Marcador de pie de página 5">
             <a:extLst>
               <a:ext uri="{FF2B5EF4-FFF2-40B4-BE49-F238E27FC236}">
-                <a16:creationId xmlns:a16="http://schemas.microsoft.com/office/drawing/2014/main" xmlns="" id="{9EDB5E4A-F2FF-4F0E-BF61-8464EBD5D35B}"/>
+                <a16:creationId xmlns="" xmlns:a16="http://schemas.microsoft.com/office/drawing/2014/main" id="{9EDB5E4A-F2FF-4F0E-BF61-8464EBD5D35B}"/>
               </a:ext>
             </a:extLst>
           </p:cNvPr>
@@ -22957,7 +22959,7 @@
           <p:cNvPr id="7" name="Marcador de número de diapositiva 6">
             <a:extLst>
               <a:ext uri="{FF2B5EF4-FFF2-40B4-BE49-F238E27FC236}">
-                <a16:creationId xmlns:a16="http://schemas.microsoft.com/office/drawing/2014/main" xmlns="" id="{8BDDFA75-3CCE-4C71-822A-27DAF0E16D56}"/>
+                <a16:creationId xmlns="" xmlns:a16="http://schemas.microsoft.com/office/drawing/2014/main" id="{8BDDFA75-3CCE-4C71-822A-27DAF0E16D56}"/>
               </a:ext>
             </a:extLst>
           </p:cNvPr>
@@ -22986,7 +22988,7 @@
           <p:cNvPr id="11" name="Imagen 10">
             <a:extLst>
               <a:ext uri="{FF2B5EF4-FFF2-40B4-BE49-F238E27FC236}">
-                <a16:creationId xmlns:a16="http://schemas.microsoft.com/office/drawing/2014/main" xmlns="" id="{9B93726F-C1AD-4C18-B397-177B4D15514A}"/>
+                <a16:creationId xmlns="" xmlns:a16="http://schemas.microsoft.com/office/drawing/2014/main" id="{9B93726F-C1AD-4C18-B397-177B4D15514A}"/>
               </a:ext>
             </a:extLst>
           </p:cNvPr>
@@ -23052,7 +23054,7 @@
           <p:cNvPr id="2" name="Título 1">
             <a:extLst>
               <a:ext uri="{FF2B5EF4-FFF2-40B4-BE49-F238E27FC236}">
-                <a16:creationId xmlns:a16="http://schemas.microsoft.com/office/drawing/2014/main" xmlns="" id="{1398CF09-B240-4EC0-A3FA-6FB270B31D45}"/>
+                <a16:creationId xmlns="" xmlns:a16="http://schemas.microsoft.com/office/drawing/2014/main" id="{1398CF09-B240-4EC0-A3FA-6FB270B31D45}"/>
               </a:ext>
             </a:extLst>
           </p:cNvPr>
@@ -23090,7 +23092,7 @@
           <p:cNvPr id="3" name="Marcador de posición de imagen 2">
             <a:extLst>
               <a:ext uri="{FF2B5EF4-FFF2-40B4-BE49-F238E27FC236}">
-                <a16:creationId xmlns:a16="http://schemas.microsoft.com/office/drawing/2014/main" xmlns="" id="{E97EC6F1-A744-41A5-857F-DC45F453EA0B}"/>
+                <a16:creationId xmlns="" xmlns:a16="http://schemas.microsoft.com/office/drawing/2014/main" id="{E97EC6F1-A744-41A5-857F-DC45F453EA0B}"/>
               </a:ext>
             </a:extLst>
           </p:cNvPr>
@@ -23157,7 +23159,7 @@
           <p:cNvPr id="4" name="Marcador de texto 3">
             <a:extLst>
               <a:ext uri="{FF2B5EF4-FFF2-40B4-BE49-F238E27FC236}">
-                <a16:creationId xmlns:a16="http://schemas.microsoft.com/office/drawing/2014/main" xmlns="" id="{84055C9C-807D-4F2B-B335-19FD2C025637}"/>
+                <a16:creationId xmlns="" xmlns:a16="http://schemas.microsoft.com/office/drawing/2014/main" id="{84055C9C-807D-4F2B-B335-19FD2C025637}"/>
               </a:ext>
             </a:extLst>
           </p:cNvPr>
@@ -23228,7 +23230,7 @@
           <p:cNvPr id="5" name="Marcador de fecha 4">
             <a:extLst>
               <a:ext uri="{FF2B5EF4-FFF2-40B4-BE49-F238E27FC236}">
-                <a16:creationId xmlns:a16="http://schemas.microsoft.com/office/drawing/2014/main" xmlns="" id="{304120D9-3139-4247-8249-76C6B65EE3D5}"/>
+                <a16:creationId xmlns="" xmlns:a16="http://schemas.microsoft.com/office/drawing/2014/main" id="{304120D9-3139-4247-8249-76C6B65EE3D5}"/>
               </a:ext>
             </a:extLst>
           </p:cNvPr>
@@ -23246,7 +23248,7 @@
           <a:p>
             <a:fld id="{20D1709E-3946-46D0-AB21-FE17C010AAA6}" type="datetimeFigureOut">
               <a:rPr lang="es-CO" smtClean="0"/>
-              <a:t>27/05/2022</a:t>
+              <a:t>11/09/2022</a:t>
             </a:fld>
             <a:endParaRPr lang="es-CO"/>
           </a:p>
@@ -23257,7 +23259,7 @@
           <p:cNvPr id="6" name="Marcador de pie de página 5">
             <a:extLst>
               <a:ext uri="{FF2B5EF4-FFF2-40B4-BE49-F238E27FC236}">
-                <a16:creationId xmlns:a16="http://schemas.microsoft.com/office/drawing/2014/main" xmlns="" id="{575D8828-E5CD-4AFE-BACF-01C67A985695}"/>
+                <a16:creationId xmlns="" xmlns:a16="http://schemas.microsoft.com/office/drawing/2014/main" id="{575D8828-E5CD-4AFE-BACF-01C67A985695}"/>
               </a:ext>
             </a:extLst>
           </p:cNvPr>
@@ -23282,7 +23284,7 @@
           <p:cNvPr id="7" name="Marcador de número de diapositiva 6">
             <a:extLst>
               <a:ext uri="{FF2B5EF4-FFF2-40B4-BE49-F238E27FC236}">
-                <a16:creationId xmlns:a16="http://schemas.microsoft.com/office/drawing/2014/main" xmlns="" id="{48BBD036-3290-4630-8438-99FA0E26C84F}"/>
+                <a16:creationId xmlns="" xmlns:a16="http://schemas.microsoft.com/office/drawing/2014/main" id="{48BBD036-3290-4630-8438-99FA0E26C84F}"/>
               </a:ext>
             </a:extLst>
           </p:cNvPr>
@@ -23341,7 +23343,7 @@
           <p:cNvPr id="2" name="Título 1">
             <a:extLst>
               <a:ext uri="{FF2B5EF4-FFF2-40B4-BE49-F238E27FC236}">
-                <a16:creationId xmlns:a16="http://schemas.microsoft.com/office/drawing/2014/main" xmlns="" id="{8609E4E6-8C80-4BBE-90B5-E8B5EEE77870}"/>
+                <a16:creationId xmlns="" xmlns:a16="http://schemas.microsoft.com/office/drawing/2014/main" id="{8609E4E6-8C80-4BBE-90B5-E8B5EEE77870}"/>
               </a:ext>
             </a:extLst>
           </p:cNvPr>
@@ -23370,7 +23372,7 @@
           <p:cNvPr id="3" name="Marcador de texto vertical 2">
             <a:extLst>
               <a:ext uri="{FF2B5EF4-FFF2-40B4-BE49-F238E27FC236}">
-                <a16:creationId xmlns:a16="http://schemas.microsoft.com/office/drawing/2014/main" xmlns="" id="{F3D945BE-87B4-4408-8223-C10225FCD11D}"/>
+                <a16:creationId xmlns="" xmlns:a16="http://schemas.microsoft.com/office/drawing/2014/main" id="{F3D945BE-87B4-4408-8223-C10225FCD11D}"/>
               </a:ext>
             </a:extLst>
           </p:cNvPr>
@@ -23428,7 +23430,7 @@
           <p:cNvPr id="4" name="Marcador de fecha 3">
             <a:extLst>
               <a:ext uri="{FF2B5EF4-FFF2-40B4-BE49-F238E27FC236}">
-                <a16:creationId xmlns:a16="http://schemas.microsoft.com/office/drawing/2014/main" xmlns="" id="{CDC3E86A-F4EC-451F-BB90-76AC435D6089}"/>
+                <a16:creationId xmlns="" xmlns:a16="http://schemas.microsoft.com/office/drawing/2014/main" id="{CDC3E86A-F4EC-451F-BB90-76AC435D6089}"/>
               </a:ext>
             </a:extLst>
           </p:cNvPr>
@@ -23446,7 +23448,7 @@
           <a:p>
             <a:fld id="{20D1709E-3946-46D0-AB21-FE17C010AAA6}" type="datetimeFigureOut">
               <a:rPr lang="es-CO" smtClean="0"/>
-              <a:t>27/05/2022</a:t>
+              <a:t>11/09/2022</a:t>
             </a:fld>
             <a:endParaRPr lang="es-CO"/>
           </a:p>
@@ -23457,7 +23459,7 @@
           <p:cNvPr id="5" name="Marcador de pie de página 4">
             <a:extLst>
               <a:ext uri="{FF2B5EF4-FFF2-40B4-BE49-F238E27FC236}">
-                <a16:creationId xmlns:a16="http://schemas.microsoft.com/office/drawing/2014/main" xmlns="" id="{94786CB3-BE03-4373-991A-6677CBEBFF7F}"/>
+                <a16:creationId xmlns="" xmlns:a16="http://schemas.microsoft.com/office/drawing/2014/main" id="{94786CB3-BE03-4373-991A-6677CBEBFF7F}"/>
               </a:ext>
             </a:extLst>
           </p:cNvPr>
@@ -23482,7 +23484,7 @@
           <p:cNvPr id="6" name="Marcador de número de diapositiva 5">
             <a:extLst>
               <a:ext uri="{FF2B5EF4-FFF2-40B4-BE49-F238E27FC236}">
-                <a16:creationId xmlns:a16="http://schemas.microsoft.com/office/drawing/2014/main" xmlns="" id="{D057D65D-096A-4900-B1C4-2505C2DBBCC6}"/>
+                <a16:creationId xmlns="" xmlns:a16="http://schemas.microsoft.com/office/drawing/2014/main" id="{D057D65D-096A-4900-B1C4-2505C2DBBCC6}"/>
               </a:ext>
             </a:extLst>
           </p:cNvPr>
@@ -23541,7 +23543,7 @@
           <p:cNvPr id="2" name="Título vertical 1">
             <a:extLst>
               <a:ext uri="{FF2B5EF4-FFF2-40B4-BE49-F238E27FC236}">
-                <a16:creationId xmlns:a16="http://schemas.microsoft.com/office/drawing/2014/main" xmlns="" id="{49CF5996-F102-4C35-88AC-0BCE5E7C99B9}"/>
+                <a16:creationId xmlns="" xmlns:a16="http://schemas.microsoft.com/office/drawing/2014/main" id="{49CF5996-F102-4C35-88AC-0BCE5E7C99B9}"/>
               </a:ext>
             </a:extLst>
           </p:cNvPr>
@@ -23575,7 +23577,7 @@
           <p:cNvPr id="3" name="Marcador de texto vertical 2">
             <a:extLst>
               <a:ext uri="{FF2B5EF4-FFF2-40B4-BE49-F238E27FC236}">
-                <a16:creationId xmlns:a16="http://schemas.microsoft.com/office/drawing/2014/main" xmlns="" id="{14A6057D-4BD4-4035-BA06-873DD4ACEE6B}"/>
+                <a16:creationId xmlns="" xmlns:a16="http://schemas.microsoft.com/office/drawing/2014/main" id="{14A6057D-4BD4-4035-BA06-873DD4ACEE6B}"/>
               </a:ext>
             </a:extLst>
           </p:cNvPr>
@@ -23638,7 +23640,7 @@
           <p:cNvPr id="4" name="Marcador de fecha 3">
             <a:extLst>
               <a:ext uri="{FF2B5EF4-FFF2-40B4-BE49-F238E27FC236}">
-                <a16:creationId xmlns:a16="http://schemas.microsoft.com/office/drawing/2014/main" xmlns="" id="{A7DC9021-E32F-4B8E-BB06-5A91B194A9C7}"/>
+                <a16:creationId xmlns="" xmlns:a16="http://schemas.microsoft.com/office/drawing/2014/main" id="{A7DC9021-E32F-4B8E-BB06-5A91B194A9C7}"/>
               </a:ext>
             </a:extLst>
           </p:cNvPr>
@@ -23656,7 +23658,7 @@
           <a:p>
             <a:fld id="{20D1709E-3946-46D0-AB21-FE17C010AAA6}" type="datetimeFigureOut">
               <a:rPr lang="es-CO" smtClean="0"/>
-              <a:t>27/05/2022</a:t>
+              <a:t>11/09/2022</a:t>
             </a:fld>
             <a:endParaRPr lang="es-CO"/>
           </a:p>
@@ -23667,7 +23669,7 @@
           <p:cNvPr id="5" name="Marcador de pie de página 4">
             <a:extLst>
               <a:ext uri="{FF2B5EF4-FFF2-40B4-BE49-F238E27FC236}">
-                <a16:creationId xmlns:a16="http://schemas.microsoft.com/office/drawing/2014/main" xmlns="" id="{307F9F3F-1E42-4E06-AC36-8C41E60C5E4C}"/>
+                <a16:creationId xmlns="" xmlns:a16="http://schemas.microsoft.com/office/drawing/2014/main" id="{307F9F3F-1E42-4E06-AC36-8C41E60C5E4C}"/>
               </a:ext>
             </a:extLst>
           </p:cNvPr>
@@ -23692,7 +23694,7 @@
           <p:cNvPr id="6" name="Marcador de número de diapositiva 5">
             <a:extLst>
               <a:ext uri="{FF2B5EF4-FFF2-40B4-BE49-F238E27FC236}">
-                <a16:creationId xmlns:a16="http://schemas.microsoft.com/office/drawing/2014/main" xmlns="" id="{1C483B2D-7AE1-4B39-9D56-05D8599E0622}"/>
+                <a16:creationId xmlns="" xmlns:a16="http://schemas.microsoft.com/office/drawing/2014/main" id="{1C483B2D-7AE1-4B39-9D56-05D8599E0622}"/>
               </a:ext>
             </a:extLst>
           </p:cNvPr>
@@ -23756,7 +23758,7 @@
           <p:cNvPr id="2" name="Marcador de título 1">
             <a:extLst>
               <a:ext uri="{FF2B5EF4-FFF2-40B4-BE49-F238E27FC236}">
-                <a16:creationId xmlns:a16="http://schemas.microsoft.com/office/drawing/2014/main" xmlns="" id="{9D2B8E4D-B0A5-4F6D-B70B-9F893340C85A}"/>
+                <a16:creationId xmlns="" xmlns:a16="http://schemas.microsoft.com/office/drawing/2014/main" id="{9D2B8E4D-B0A5-4F6D-B70B-9F893340C85A}"/>
               </a:ext>
             </a:extLst>
           </p:cNvPr>
@@ -23795,7 +23797,7 @@
           <p:cNvPr id="3" name="Marcador de texto 2">
             <a:extLst>
               <a:ext uri="{FF2B5EF4-FFF2-40B4-BE49-F238E27FC236}">
-                <a16:creationId xmlns:a16="http://schemas.microsoft.com/office/drawing/2014/main" xmlns="" id="{92357C1C-D705-428A-8937-D01499D7293D}"/>
+                <a16:creationId xmlns="" xmlns:a16="http://schemas.microsoft.com/office/drawing/2014/main" id="{92357C1C-D705-428A-8937-D01499D7293D}"/>
               </a:ext>
             </a:extLst>
           </p:cNvPr>
@@ -23863,7 +23865,7 @@
           <p:cNvPr id="4" name="Marcador de fecha 3">
             <a:extLst>
               <a:ext uri="{FF2B5EF4-FFF2-40B4-BE49-F238E27FC236}">
-                <a16:creationId xmlns:a16="http://schemas.microsoft.com/office/drawing/2014/main" xmlns="" id="{BB18BA03-5208-414F-8E95-0899202B3CBF}"/>
+                <a16:creationId xmlns="" xmlns:a16="http://schemas.microsoft.com/office/drawing/2014/main" id="{BB18BA03-5208-414F-8E95-0899202B3CBF}"/>
               </a:ext>
             </a:extLst>
           </p:cNvPr>
@@ -23899,7 +23901,7 @@
           <a:p>
             <a:fld id="{20D1709E-3946-46D0-AB21-FE17C010AAA6}" type="datetimeFigureOut">
               <a:rPr lang="es-CO" smtClean="0"/>
-              <a:t>27/05/2022</a:t>
+              <a:t>11/09/2022</a:t>
             </a:fld>
             <a:endParaRPr lang="es-CO"/>
           </a:p>
@@ -23910,7 +23912,7 @@
           <p:cNvPr id="5" name="Marcador de pie de página 4">
             <a:extLst>
               <a:ext uri="{FF2B5EF4-FFF2-40B4-BE49-F238E27FC236}">
-                <a16:creationId xmlns:a16="http://schemas.microsoft.com/office/drawing/2014/main" xmlns="" id="{1B7E278C-CD3B-4BC7-819E-778C1B9ABDB8}"/>
+                <a16:creationId xmlns="" xmlns:a16="http://schemas.microsoft.com/office/drawing/2014/main" id="{1B7E278C-CD3B-4BC7-819E-778C1B9ABDB8}"/>
               </a:ext>
             </a:extLst>
           </p:cNvPr>
@@ -23953,7 +23955,7 @@
           <p:cNvPr id="6" name="Marcador de número de diapositiva 5">
             <a:extLst>
               <a:ext uri="{FF2B5EF4-FFF2-40B4-BE49-F238E27FC236}">
-                <a16:creationId xmlns:a16="http://schemas.microsoft.com/office/drawing/2014/main" xmlns="" id="{9B600AEB-434C-4C8A-A432-D9D84203E290}"/>
+                <a16:creationId xmlns="" xmlns:a16="http://schemas.microsoft.com/office/drawing/2014/main" id="{9B600AEB-434C-4C8A-A432-D9D84203E290}"/>
               </a:ext>
             </a:extLst>
           </p:cNvPr>
@@ -24318,7 +24320,7 @@
           <p:cNvPr id="4" name="Título 1">
             <a:extLst>
               <a:ext uri="{FF2B5EF4-FFF2-40B4-BE49-F238E27FC236}">
-                <a16:creationId xmlns:a16="http://schemas.microsoft.com/office/drawing/2014/main" xmlns="" id="{1334CBD3-A99C-41E8-9883-E9DA6A3829FF}"/>
+                <a16:creationId xmlns="" xmlns:a16="http://schemas.microsoft.com/office/drawing/2014/main" id="{1334CBD3-A99C-41E8-9883-E9DA6A3829FF}"/>
               </a:ext>
             </a:extLst>
           </p:cNvPr>
@@ -24377,7 +24379,7 @@
           <p:cNvPr id="5" name="Rectángulo 4">
             <a:extLst>
               <a:ext uri="{FF2B5EF4-FFF2-40B4-BE49-F238E27FC236}">
-                <a16:creationId xmlns:a16="http://schemas.microsoft.com/office/drawing/2014/main" xmlns="" id="{0CAE8DAB-AA51-4AAF-B433-545B03406555}"/>
+                <a16:creationId xmlns="" xmlns:a16="http://schemas.microsoft.com/office/drawing/2014/main" id="{0CAE8DAB-AA51-4AAF-B433-545B03406555}"/>
               </a:ext>
             </a:extLst>
           </p:cNvPr>
@@ -24432,7 +24434,7 @@
           <p:cNvPr id="7" name="2 Marcador de texto">
             <a:extLst>
               <a:ext uri="{FF2B5EF4-FFF2-40B4-BE49-F238E27FC236}">
-                <a16:creationId xmlns:a16="http://schemas.microsoft.com/office/drawing/2014/main" xmlns="" id="{4185A630-10D0-4A68-B775-CDEA3FC338CC}"/>
+                <a16:creationId xmlns="" xmlns:a16="http://schemas.microsoft.com/office/drawing/2014/main" id="{4185A630-10D0-4A68-B775-CDEA3FC338CC}"/>
               </a:ext>
             </a:extLst>
           </p:cNvPr>
@@ -24655,7 +24657,7 @@
                 <a:hlinkClick r:id="rId3">
                   <a:extLst>
                     <a:ext uri="{A12FA001-AC4F-418D-AE19-62706E023703}">
-                      <ahyp:hlinkClr xmlns:ahyp="http://schemas.microsoft.com/office/drawing/2018/hyperlinkcolor" xmlns="" val="tx"/>
+                      <ahyp:hlinkClr xmlns="" xmlns:ahyp="http://schemas.microsoft.com/office/drawing/2018/hyperlinkcolor" val="tx"/>
                     </a:ext>
                   </a:extLst>
                 </a:hlinkClick>
@@ -24679,7 +24681,7 @@
           <p:cNvPr id="8" name="Group 3162">
             <a:extLst>
               <a:ext uri="{FF2B5EF4-FFF2-40B4-BE49-F238E27FC236}">
-                <a16:creationId xmlns:a16="http://schemas.microsoft.com/office/drawing/2014/main" xmlns="" id="{F6E59D80-076C-4696-A8CA-B30D77AEDCFC}"/>
+                <a16:creationId xmlns="" xmlns:a16="http://schemas.microsoft.com/office/drawing/2014/main" id="{F6E59D80-076C-4696-A8CA-B30D77AEDCFC}"/>
               </a:ext>
             </a:extLst>
           </p:cNvPr>
@@ -24699,7 +24701,7 @@
             <p:cNvPr id="9" name="Freeform 99">
               <a:extLst>
                 <a:ext uri="{FF2B5EF4-FFF2-40B4-BE49-F238E27FC236}">
-                  <a16:creationId xmlns:a16="http://schemas.microsoft.com/office/drawing/2014/main" xmlns="" id="{AC9D8E6B-9386-4529-8B1A-5F6C4064D693}"/>
+                  <a16:creationId xmlns="" xmlns:a16="http://schemas.microsoft.com/office/drawing/2014/main" id="{AC9D8E6B-9386-4529-8B1A-5F6C4064D693}"/>
                 </a:ext>
               </a:extLst>
             </p:cNvPr>
@@ -24851,7 +24853,7 @@
             <p:cNvPr id="10" name="Freeform 100">
               <a:extLst>
                 <a:ext uri="{FF2B5EF4-FFF2-40B4-BE49-F238E27FC236}">
-                  <a16:creationId xmlns:a16="http://schemas.microsoft.com/office/drawing/2014/main" xmlns="" id="{1BE1621F-DEA9-4744-AF45-C3B17B22D0A5}"/>
+                  <a16:creationId xmlns="" xmlns:a16="http://schemas.microsoft.com/office/drawing/2014/main" id="{1BE1621F-DEA9-4744-AF45-C3B17B22D0A5}"/>
                 </a:ext>
               </a:extLst>
             </p:cNvPr>
@@ -25033,7 +25035,7 @@
             <p:cNvPr id="11" name="Freeform 101">
               <a:extLst>
                 <a:ext uri="{FF2B5EF4-FFF2-40B4-BE49-F238E27FC236}">
-                  <a16:creationId xmlns:a16="http://schemas.microsoft.com/office/drawing/2014/main" xmlns="" id="{B5F1F7B1-8E8D-4FDB-86DB-4B0D68CBD359}"/>
+                  <a16:creationId xmlns="" xmlns:a16="http://schemas.microsoft.com/office/drawing/2014/main" id="{B5F1F7B1-8E8D-4FDB-86DB-4B0D68CBD359}"/>
                 </a:ext>
               </a:extLst>
             </p:cNvPr>
@@ -25225,7 +25227,7 @@
             <p:cNvPr id="12" name="Freeform 102">
               <a:extLst>
                 <a:ext uri="{FF2B5EF4-FFF2-40B4-BE49-F238E27FC236}">
-                  <a16:creationId xmlns:a16="http://schemas.microsoft.com/office/drawing/2014/main" xmlns="" id="{6E88E6C0-7894-41EE-B6E1-E22230BADB87}"/>
+                  <a16:creationId xmlns="" xmlns:a16="http://schemas.microsoft.com/office/drawing/2014/main" id="{6E88E6C0-7894-41EE-B6E1-E22230BADB87}"/>
                 </a:ext>
               </a:extLst>
             </p:cNvPr>
@@ -25407,7 +25409,7 @@
             <p:cNvPr id="13" name="Freeform 103">
               <a:extLst>
                 <a:ext uri="{FF2B5EF4-FFF2-40B4-BE49-F238E27FC236}">
-                  <a16:creationId xmlns:a16="http://schemas.microsoft.com/office/drawing/2014/main" xmlns="" id="{120BF1D0-D66A-4B60-B667-A9CA53321444}"/>
+                  <a16:creationId xmlns="" xmlns:a16="http://schemas.microsoft.com/office/drawing/2014/main" id="{120BF1D0-D66A-4B60-B667-A9CA53321444}"/>
                 </a:ext>
               </a:extLst>
             </p:cNvPr>
@@ -25589,7 +25591,7 @@
             <p:cNvPr id="14" name="Freeform 104">
               <a:extLst>
                 <a:ext uri="{FF2B5EF4-FFF2-40B4-BE49-F238E27FC236}">
-                  <a16:creationId xmlns:a16="http://schemas.microsoft.com/office/drawing/2014/main" xmlns="" id="{CAD4AEF5-B2E4-4DAC-BA85-BD6524903309}"/>
+                  <a16:creationId xmlns="" xmlns:a16="http://schemas.microsoft.com/office/drawing/2014/main" id="{CAD4AEF5-B2E4-4DAC-BA85-BD6524903309}"/>
                 </a:ext>
               </a:extLst>
             </p:cNvPr>
@@ -25811,7 +25813,7 @@
             <p:cNvPr id="15" name="Freeform 105">
               <a:extLst>
                 <a:ext uri="{FF2B5EF4-FFF2-40B4-BE49-F238E27FC236}">
-                  <a16:creationId xmlns:a16="http://schemas.microsoft.com/office/drawing/2014/main" xmlns="" id="{2C5F3221-5660-4FDD-A416-984B16B5ADAE}"/>
+                  <a16:creationId xmlns="" xmlns:a16="http://schemas.microsoft.com/office/drawing/2014/main" id="{2C5F3221-5660-4FDD-A416-984B16B5ADAE}"/>
                 </a:ext>
               </a:extLst>
             </p:cNvPr>
@@ -26053,7 +26055,7 @@
             <p:cNvPr id="16" name="Freeform 106">
               <a:extLst>
                 <a:ext uri="{FF2B5EF4-FFF2-40B4-BE49-F238E27FC236}">
-                  <a16:creationId xmlns:a16="http://schemas.microsoft.com/office/drawing/2014/main" xmlns="" id="{3619E9EE-CA2A-4A7E-9595-15737C18E0BF}"/>
+                  <a16:creationId xmlns="" xmlns:a16="http://schemas.microsoft.com/office/drawing/2014/main" id="{3619E9EE-CA2A-4A7E-9595-15737C18E0BF}"/>
                 </a:ext>
               </a:extLst>
             </p:cNvPr>
@@ -26155,7 +26157,7 @@
             <p:cNvPr id="17" name="Freeform 107">
               <a:extLst>
                 <a:ext uri="{FF2B5EF4-FFF2-40B4-BE49-F238E27FC236}">
-                  <a16:creationId xmlns:a16="http://schemas.microsoft.com/office/drawing/2014/main" xmlns="" id="{2D49FD2E-3838-4146-A460-681CDCDDDF9A}"/>
+                  <a16:creationId xmlns="" xmlns:a16="http://schemas.microsoft.com/office/drawing/2014/main" id="{2D49FD2E-3838-4146-A460-681CDCDDDF9A}"/>
                 </a:ext>
               </a:extLst>
             </p:cNvPr>
@@ -26257,7 +26259,7 @@
             <p:cNvPr id="18" name="Freeform 108">
               <a:extLst>
                 <a:ext uri="{FF2B5EF4-FFF2-40B4-BE49-F238E27FC236}">
-                  <a16:creationId xmlns:a16="http://schemas.microsoft.com/office/drawing/2014/main" xmlns="" id="{BC1FDE14-1AFF-4866-A13A-D78663B3ACF4}"/>
+                  <a16:creationId xmlns="" xmlns:a16="http://schemas.microsoft.com/office/drawing/2014/main" id="{BC1FDE14-1AFF-4866-A13A-D78663B3ACF4}"/>
                 </a:ext>
               </a:extLst>
             </p:cNvPr>
@@ -26359,7 +26361,7 @@
             <p:cNvPr id="19" name="Freeform 109">
               <a:extLst>
                 <a:ext uri="{FF2B5EF4-FFF2-40B4-BE49-F238E27FC236}">
-                  <a16:creationId xmlns:a16="http://schemas.microsoft.com/office/drawing/2014/main" xmlns="" id="{063D068F-339C-47BA-9092-606776DB4837}"/>
+                  <a16:creationId xmlns="" xmlns:a16="http://schemas.microsoft.com/office/drawing/2014/main" id="{063D068F-339C-47BA-9092-606776DB4837}"/>
                 </a:ext>
               </a:extLst>
             </p:cNvPr>
@@ -26511,7 +26513,7 @@
             <p:cNvPr id="20" name="Freeform 110">
               <a:extLst>
                 <a:ext uri="{FF2B5EF4-FFF2-40B4-BE49-F238E27FC236}">
-                  <a16:creationId xmlns:a16="http://schemas.microsoft.com/office/drawing/2014/main" xmlns="" id="{9EF6ADF9-E415-44BA-8A09-ACF76BF6F157}"/>
+                  <a16:creationId xmlns="" xmlns:a16="http://schemas.microsoft.com/office/drawing/2014/main" id="{9EF6ADF9-E415-44BA-8A09-ACF76BF6F157}"/>
                 </a:ext>
               </a:extLst>
             </p:cNvPr>
@@ -26883,7 +26885,7 @@
             <p:cNvPr id="21" name="Freeform 111">
               <a:extLst>
                 <a:ext uri="{FF2B5EF4-FFF2-40B4-BE49-F238E27FC236}">
-                  <a16:creationId xmlns:a16="http://schemas.microsoft.com/office/drawing/2014/main" xmlns="" id="{4AA15E7F-EACA-4AFC-A266-9457685D2FD1}"/>
+                  <a16:creationId xmlns="" xmlns:a16="http://schemas.microsoft.com/office/drawing/2014/main" id="{4AA15E7F-EACA-4AFC-A266-9457685D2FD1}"/>
                 </a:ext>
               </a:extLst>
             </p:cNvPr>
@@ -27055,7 +27057,7 @@
             <p:cNvPr id="22" name="Freeform 112">
               <a:extLst>
                 <a:ext uri="{FF2B5EF4-FFF2-40B4-BE49-F238E27FC236}">
-                  <a16:creationId xmlns:a16="http://schemas.microsoft.com/office/drawing/2014/main" xmlns="" id="{9ABAD878-1B58-4815-BC91-D56C1C154D07}"/>
+                  <a16:creationId xmlns="" xmlns:a16="http://schemas.microsoft.com/office/drawing/2014/main" id="{9ABAD878-1B58-4815-BC91-D56C1C154D07}"/>
                 </a:ext>
               </a:extLst>
             </p:cNvPr>
@@ -27497,7 +27499,7 @@
             <p:cNvPr id="23" name="Freeform 113">
               <a:extLst>
                 <a:ext uri="{FF2B5EF4-FFF2-40B4-BE49-F238E27FC236}">
-                  <a16:creationId xmlns:a16="http://schemas.microsoft.com/office/drawing/2014/main" xmlns="" id="{C8DD0AFC-3A0F-4444-B0BC-D95D547454BB}"/>
+                  <a16:creationId xmlns="" xmlns:a16="http://schemas.microsoft.com/office/drawing/2014/main" id="{C8DD0AFC-3A0F-4444-B0BC-D95D547454BB}"/>
                 </a:ext>
               </a:extLst>
             </p:cNvPr>
@@ -27879,7 +27881,7 @@
             <p:cNvPr id="24" name="Freeform 114">
               <a:extLst>
                 <a:ext uri="{FF2B5EF4-FFF2-40B4-BE49-F238E27FC236}">
-                  <a16:creationId xmlns:a16="http://schemas.microsoft.com/office/drawing/2014/main" xmlns="" id="{F2AE930D-887F-4A52-A067-9C77D031CF63}"/>
+                  <a16:creationId xmlns="" xmlns:a16="http://schemas.microsoft.com/office/drawing/2014/main" id="{F2AE930D-887F-4A52-A067-9C77D031CF63}"/>
                 </a:ext>
               </a:extLst>
             </p:cNvPr>
@@ -28271,7 +28273,7 @@
             <p:cNvPr id="25" name="Freeform 115">
               <a:extLst>
                 <a:ext uri="{FF2B5EF4-FFF2-40B4-BE49-F238E27FC236}">
-                  <a16:creationId xmlns:a16="http://schemas.microsoft.com/office/drawing/2014/main" xmlns="" id="{22C58FBE-8B90-4D60-9771-267B7DF94962}"/>
+                  <a16:creationId xmlns="" xmlns:a16="http://schemas.microsoft.com/office/drawing/2014/main" id="{22C58FBE-8B90-4D60-9771-267B7DF94962}"/>
                 </a:ext>
               </a:extLst>
             </p:cNvPr>
@@ -28543,7 +28545,7 @@
             <p:cNvPr id="26" name="Freeform 116">
               <a:extLst>
                 <a:ext uri="{FF2B5EF4-FFF2-40B4-BE49-F238E27FC236}">
-                  <a16:creationId xmlns:a16="http://schemas.microsoft.com/office/drawing/2014/main" xmlns="" id="{16ACB36B-9D6A-4514-979B-E4B5E882725B}"/>
+                  <a16:creationId xmlns="" xmlns:a16="http://schemas.microsoft.com/office/drawing/2014/main" id="{16ACB36B-9D6A-4514-979B-E4B5E882725B}"/>
                 </a:ext>
               </a:extLst>
             </p:cNvPr>
@@ -28695,7 +28697,7 @@
             <p:cNvPr id="27" name="Freeform 117">
               <a:extLst>
                 <a:ext uri="{FF2B5EF4-FFF2-40B4-BE49-F238E27FC236}">
-                  <a16:creationId xmlns:a16="http://schemas.microsoft.com/office/drawing/2014/main" xmlns="" id="{E56F45A1-3BA2-48D1-B694-90E2D7E5F00F}"/>
+                  <a16:creationId xmlns="" xmlns:a16="http://schemas.microsoft.com/office/drawing/2014/main" id="{E56F45A1-3BA2-48D1-B694-90E2D7E5F00F}"/>
                 </a:ext>
               </a:extLst>
             </p:cNvPr>
@@ -28827,7 +28829,7 @@
             <p:cNvPr id="28" name="Freeform 118">
               <a:extLst>
                 <a:ext uri="{FF2B5EF4-FFF2-40B4-BE49-F238E27FC236}">
-                  <a16:creationId xmlns:a16="http://schemas.microsoft.com/office/drawing/2014/main" xmlns="" id="{538E39C8-6031-47A8-88F1-CF9012F1A85A}"/>
+                  <a16:creationId xmlns="" xmlns:a16="http://schemas.microsoft.com/office/drawing/2014/main" id="{538E39C8-6031-47A8-88F1-CF9012F1A85A}"/>
                 </a:ext>
               </a:extLst>
             </p:cNvPr>
@@ -29049,7 +29051,7 @@
             <p:cNvPr id="29" name="Freeform 119">
               <a:extLst>
                 <a:ext uri="{FF2B5EF4-FFF2-40B4-BE49-F238E27FC236}">
-                  <a16:creationId xmlns:a16="http://schemas.microsoft.com/office/drawing/2014/main" xmlns="" id="{D6D88D87-1A88-4DA3-84EA-348D6C165178}"/>
+                  <a16:creationId xmlns="" xmlns:a16="http://schemas.microsoft.com/office/drawing/2014/main" id="{D6D88D87-1A88-4DA3-84EA-348D6C165178}"/>
                 </a:ext>
               </a:extLst>
             </p:cNvPr>
@@ -29271,7 +29273,7 @@
             <p:cNvPr id="30" name="Freeform 120">
               <a:extLst>
                 <a:ext uri="{FF2B5EF4-FFF2-40B4-BE49-F238E27FC236}">
-                  <a16:creationId xmlns:a16="http://schemas.microsoft.com/office/drawing/2014/main" xmlns="" id="{F0B5ACCA-D6E1-45B2-81B9-6347C94E21DF}"/>
+                  <a16:creationId xmlns="" xmlns:a16="http://schemas.microsoft.com/office/drawing/2014/main" id="{F0B5ACCA-D6E1-45B2-81B9-6347C94E21DF}"/>
                 </a:ext>
               </a:extLst>
             </p:cNvPr>
@@ -29493,7 +29495,7 @@
             <p:cNvPr id="31" name="Freeform 121">
               <a:extLst>
                 <a:ext uri="{FF2B5EF4-FFF2-40B4-BE49-F238E27FC236}">
-                  <a16:creationId xmlns:a16="http://schemas.microsoft.com/office/drawing/2014/main" xmlns="" id="{174726A2-EDA9-46A3-93A1-03BE06A124F2}"/>
+                  <a16:creationId xmlns="" xmlns:a16="http://schemas.microsoft.com/office/drawing/2014/main" id="{174726A2-EDA9-46A3-93A1-03BE06A124F2}"/>
                 </a:ext>
               </a:extLst>
             </p:cNvPr>
@@ -29755,7 +29757,7 @@
             <p:cNvPr id="32" name="Freeform 122">
               <a:extLst>
                 <a:ext uri="{FF2B5EF4-FFF2-40B4-BE49-F238E27FC236}">
-                  <a16:creationId xmlns:a16="http://schemas.microsoft.com/office/drawing/2014/main" xmlns="" id="{5A8E0F72-9753-459A-B28D-417391CFB229}"/>
+                  <a16:creationId xmlns="" xmlns:a16="http://schemas.microsoft.com/office/drawing/2014/main" id="{5A8E0F72-9753-459A-B28D-417391CFB229}"/>
                 </a:ext>
               </a:extLst>
             </p:cNvPr>
@@ -29937,7 +29939,7 @@
             <p:cNvPr id="33" name="Freeform 123">
               <a:extLst>
                 <a:ext uri="{FF2B5EF4-FFF2-40B4-BE49-F238E27FC236}">
-                  <a16:creationId xmlns:a16="http://schemas.microsoft.com/office/drawing/2014/main" xmlns="" id="{3320A7A6-6BBF-4A10-AE74-EF784C22B39A}"/>
+                  <a16:creationId xmlns="" xmlns:a16="http://schemas.microsoft.com/office/drawing/2014/main" id="{3320A7A6-6BBF-4A10-AE74-EF784C22B39A}"/>
                 </a:ext>
               </a:extLst>
             </p:cNvPr>
@@ -30099,7 +30101,7 @@
             <p:cNvPr id="34" name="Freeform 124">
               <a:extLst>
                 <a:ext uri="{FF2B5EF4-FFF2-40B4-BE49-F238E27FC236}">
-                  <a16:creationId xmlns:a16="http://schemas.microsoft.com/office/drawing/2014/main" xmlns="" id="{02807F45-F5C7-4758-8C09-1F9D9FB9ECFC}"/>
+                  <a16:creationId xmlns="" xmlns:a16="http://schemas.microsoft.com/office/drawing/2014/main" id="{02807F45-F5C7-4758-8C09-1F9D9FB9ECFC}"/>
                 </a:ext>
               </a:extLst>
             </p:cNvPr>
@@ -30341,7 +30343,7 @@
             <p:cNvPr id="35" name="Freeform 125">
               <a:extLst>
                 <a:ext uri="{FF2B5EF4-FFF2-40B4-BE49-F238E27FC236}">
-                  <a16:creationId xmlns:a16="http://schemas.microsoft.com/office/drawing/2014/main" xmlns="" id="{A6672E50-E5DE-4643-932F-C7CAC9261D23}"/>
+                  <a16:creationId xmlns="" xmlns:a16="http://schemas.microsoft.com/office/drawing/2014/main" id="{A6672E50-E5DE-4643-932F-C7CAC9261D23}"/>
                 </a:ext>
               </a:extLst>
             </p:cNvPr>
@@ -30603,7 +30605,7 @@
             <p:cNvPr id="36" name="Freeform 126">
               <a:extLst>
                 <a:ext uri="{FF2B5EF4-FFF2-40B4-BE49-F238E27FC236}">
-                  <a16:creationId xmlns:a16="http://schemas.microsoft.com/office/drawing/2014/main" xmlns="" id="{EA089E74-B78F-4ACE-8046-EB079E2FCF56}"/>
+                  <a16:creationId xmlns="" xmlns:a16="http://schemas.microsoft.com/office/drawing/2014/main" id="{EA089E74-B78F-4ACE-8046-EB079E2FCF56}"/>
                 </a:ext>
               </a:extLst>
             </p:cNvPr>
@@ -31175,6 +31177,1484 @@
         </p:nvSpPr>
         <p:spPr>
           <a:xfrm>
+            <a:off x="3453716" y="0"/>
+            <a:ext cx="5462726" cy="674703"/>
+          </a:xfrm>
+          <a:prstGeom prst="rect">
+            <a:avLst/>
+          </a:prstGeom>
+        </p:spPr>
+        <p:txBody>
+          <a:bodyPr vert="horz" lIns="91440" tIns="45720" rIns="91440" bIns="45720" rtlCol="0" anchor="ctr">
+            <a:normAutofit fontScale="60000" lnSpcReduction="20000"/>
+          </a:bodyPr>
+          <a:lstStyle>
+            <a:lvl1pPr algn="l" defTabSz="914400" rtl="0" eaLnBrk="1" latinLnBrk="0" hangingPunct="1">
+              <a:lnSpc>
+                <a:spcPct val="90000"/>
+              </a:lnSpc>
+              <a:spcBef>
+                <a:spcPct val="0"/>
+              </a:spcBef>
+              <a:buNone/>
+              <a:defRPr sz="4400" kern="1200">
+                <a:solidFill>
+                  <a:schemeClr val="tx1"/>
+                </a:solidFill>
+                <a:latin typeface="+mj-lt"/>
+                <a:ea typeface="+mj-ea"/>
+                <a:cs typeface="+mj-cs"/>
+              </a:defRPr>
+            </a:lvl1pPr>
+          </a:lstStyle>
+          <a:p>
+            <a:r>
+              <a:rPr lang="es-CO" b="1" dirty="0" smtClean="0">
+                <a:solidFill>
+                  <a:schemeClr val="bg1"/>
+                </a:solidFill>
+                <a:latin typeface="Calabri"/>
+              </a:rPr>
+              <a:t>VARIABLES – TIPO DATO - DATO</a:t>
+            </a:r>
+            <a:endParaRPr lang="es-CO" b="1" dirty="0">
+              <a:solidFill>
+                <a:schemeClr val="bg1"/>
+              </a:solidFill>
+              <a:latin typeface="Calabri"/>
+            </a:endParaRPr>
+          </a:p>
+        </p:txBody>
+      </p:sp>
+      <p:pic>
+        <p:nvPicPr>
+          <p:cNvPr id="12" name="Imagen 11">
+            <a:extLst>
+              <a:ext uri="{FF2B5EF4-FFF2-40B4-BE49-F238E27FC236}">
+                <a16:creationId xmlns="" xmlns:a16="http://schemas.microsoft.com/office/drawing/2014/main" id="{0633DF26-E03C-49B7-8009-B152436760EA}"/>
+              </a:ext>
+            </a:extLst>
+          </p:cNvPr>
+          <p:cNvPicPr>
+            <a:picLocks noChangeAspect="1"/>
+          </p:cNvPicPr>
+          <p:nvPr/>
+        </p:nvPicPr>
+        <p:blipFill>
+          <a:blip r:embed="rId2">
+            <a:extLst>
+              <a:ext uri="{28A0092B-C50C-407E-A947-70E740481C1C}">
+                <a14:useLocalDpi xmlns:a14="http://schemas.microsoft.com/office/drawing/2010/main" val="0"/>
+              </a:ext>
+            </a:extLst>
+          </a:blip>
+          <a:stretch>
+            <a:fillRect/>
+          </a:stretch>
+        </p:blipFill>
+        <p:spPr>
+          <a:xfrm>
+            <a:off x="8780565" y="5089159"/>
+            <a:ext cx="1226795" cy="807431"/>
+          </a:xfrm>
+          <a:prstGeom prst="rect">
+            <a:avLst/>
+          </a:prstGeom>
+        </p:spPr>
+      </p:pic>
+      <p:sp>
+        <p:nvSpPr>
+          <p:cNvPr id="2" name="CuadroTexto 1"/>
+          <p:cNvSpPr txBox="1"/>
+          <p:nvPr/>
+        </p:nvSpPr>
+        <p:spPr>
+          <a:xfrm>
+            <a:off x="1081826" y="3889420"/>
+            <a:ext cx="171136" cy="523220"/>
+          </a:xfrm>
+          <a:prstGeom prst="rect">
+            <a:avLst/>
+          </a:prstGeom>
+          <a:noFill/>
+        </p:spPr>
+        <p:txBody>
+          <a:bodyPr wrap="square" rtlCol="0">
+            <a:spAutoFit/>
+          </a:bodyPr>
+          <a:lstStyle/>
+          <a:p>
+            <a:endParaRPr lang="es-CO" sz="2800" dirty="0"/>
+          </a:p>
+        </p:txBody>
+      </p:sp>
+      <p:sp>
+        <p:nvSpPr>
+          <p:cNvPr id="4" name="Rectangle 1"/>
+          <p:cNvSpPr>
+            <a:spLocks noChangeArrowheads="1"/>
+          </p:cNvSpPr>
+          <p:nvPr/>
+        </p:nvSpPr>
+        <p:spPr bwMode="auto">
+          <a:xfrm>
+            <a:off x="437881" y="1347093"/>
+            <a:ext cx="11294772" cy="2554545"/>
+          </a:xfrm>
+          <a:prstGeom prst="rect">
+            <a:avLst/>
+          </a:prstGeom>
+          <a:noFill/>
+          <a:ln>
+            <a:noFill/>
+          </a:ln>
+          <a:effectLst/>
+          <a:extLst>
+            <a:ext uri="{909E8E84-426E-40DD-AFC4-6F175D3DCCD1}">
+              <a14:hiddenFill xmlns:a14="http://schemas.microsoft.com/office/drawing/2010/main">
+                <a:solidFill>
+                  <a:schemeClr val="accent1"/>
+                </a:solidFill>
+              </a14:hiddenFill>
+            </a:ext>
+            <a:ext uri="{91240B29-F687-4F45-9708-019B960494DF}">
+              <a14:hiddenLine xmlns:a14="http://schemas.microsoft.com/office/drawing/2010/main" w="9525">
+                <a:solidFill>
+                  <a:schemeClr val="tx1"/>
+                </a:solidFill>
+                <a:miter lim="800000"/>
+                <a:headEnd/>
+                <a:tailEnd/>
+              </a14:hiddenLine>
+            </a:ext>
+            <a:ext uri="{AF507438-7753-43E0-B8FC-AC1667EBCBE1}">
+              <a14:hiddenEffects xmlns:a14="http://schemas.microsoft.com/office/drawing/2010/main">
+                <a:effectLst>
+                  <a:outerShdw dist="35921" dir="2700000" algn="ctr" rotWithShape="0">
+                    <a:schemeClr val="bg2"/>
+                  </a:outerShdw>
+                </a:effectLst>
+              </a14:hiddenEffects>
+            </a:ext>
+          </a:extLst>
+        </p:spPr>
+        <p:txBody>
+          <a:bodyPr vert="horz" wrap="square" lIns="91440" tIns="45720" rIns="91440" bIns="45720" numCol="1" anchor="ctr" anchorCtr="0" compatLnSpc="1">
+            <a:prstTxWarp prst="textNoShape">
+              <a:avLst/>
+            </a:prstTxWarp>
+            <a:spAutoFit/>
+          </a:bodyPr>
+          <a:lstStyle/>
+          <a:p>
+            <a:pPr marL="0" marR="0" lvl="0" indent="0" algn="l" defTabSz="914400" rtl="0" eaLnBrk="0" fontAlgn="base" latinLnBrk="0" hangingPunct="0">
+              <a:lnSpc>
+                <a:spcPct val="100000"/>
+              </a:lnSpc>
+              <a:spcBef>
+                <a:spcPct val="0"/>
+              </a:spcBef>
+              <a:spcAft>
+                <a:spcPct val="0"/>
+              </a:spcAft>
+              <a:buClrTx/>
+              <a:buSzTx/>
+              <a:buFontTx/>
+              <a:buNone/>
+              <a:tabLst/>
+            </a:pPr>
+            <a:endParaRPr kumimoji="0" lang="es-CO" altLang="es-CO" sz="2800" b="0" i="0" u="none" strike="noStrike" cap="none" normalizeH="0" baseline="0" dirty="0" smtClean="0">
+              <a:ln>
+                <a:noFill/>
+              </a:ln>
+              <a:solidFill>
+                <a:schemeClr val="tx1"/>
+              </a:solidFill>
+              <a:effectLst/>
+              <a:latin typeface="Arial" panose="020B0604020202020204" pitchFamily="34" charset="0"/>
+            </a:endParaRPr>
+          </a:p>
+          <a:p>
+            <a:r>
+              <a:rPr lang="es-ES" sz="2800" b="1" dirty="0" err="1">
+                <a:solidFill>
+                  <a:srgbClr val="002060"/>
+                </a:solidFill>
+              </a:rPr>
+              <a:t>def</a:t>
+            </a:r>
+            <a:r>
+              <a:rPr lang="es-ES" sz="2800" dirty="0">
+                <a:solidFill>
+                  <a:srgbClr val="002060"/>
+                </a:solidFill>
+              </a:rPr>
+              <a:t> </a:t>
+            </a:r>
+            <a:r>
+              <a:rPr lang="es-ES" sz="2400" b="1" dirty="0" err="1">
+                <a:solidFill>
+                  <a:srgbClr val="00B050"/>
+                </a:solidFill>
+              </a:rPr>
+              <a:t>setSaludar</a:t>
+            </a:r>
+            <a:r>
+              <a:rPr lang="es-ES" sz="2000" dirty="0"/>
+              <a:t>(nombre, mensaje='su Formador los saluda'): </a:t>
+            </a:r>
+          </a:p>
+          <a:p>
+            <a:r>
+              <a:rPr lang="es-ES" sz="2000" dirty="0" smtClean="0"/>
+              <a:t>          </a:t>
+            </a:r>
+            <a:r>
+              <a:rPr lang="es-ES" sz="2000" dirty="0" err="1" smtClean="0"/>
+              <a:t>print</a:t>
+            </a:r>
+            <a:r>
+              <a:rPr lang="es-ES" sz="2000" dirty="0" smtClean="0"/>
+              <a:t> </a:t>
+            </a:r>
+            <a:r>
+              <a:rPr lang="es-ES" sz="2000" dirty="0"/>
+              <a:t>(nombre, mensaje) </a:t>
+            </a:r>
+          </a:p>
+          <a:p>
+            <a:r>
+              <a:rPr lang="es-ES" sz="2000" dirty="0"/>
+              <a:t/>
+            </a:r>
+            <a:br>
+              <a:rPr lang="es-ES" sz="2000" dirty="0"/>
+            </a:br>
+            <a:r>
+              <a:rPr lang="es-ES" sz="2000" dirty="0"/>
+              <a:t>#llamado </a:t>
+            </a:r>
+            <a:r>
+              <a:rPr lang="es-ES" sz="2000" dirty="0" smtClean="0"/>
+              <a:t> </a:t>
+            </a:r>
+            <a:r>
+              <a:rPr lang="es-CO" sz="2000" b="1" dirty="0" smtClean="0"/>
+              <a:t>como </a:t>
+            </a:r>
+            <a:r>
+              <a:rPr lang="es-CO" sz="2000" b="1" dirty="0"/>
+              <a:t>parámetros</a:t>
+            </a:r>
+          </a:p>
+          <a:p>
+            <a:endParaRPr lang="es-ES" sz="2000" dirty="0"/>
+          </a:p>
+          <a:p>
+            <a:r>
+              <a:rPr lang="es-ES" sz="2400" b="1" dirty="0" err="1">
+                <a:solidFill>
+                  <a:srgbClr val="00B050"/>
+                </a:solidFill>
+              </a:rPr>
+              <a:t>setSaludar</a:t>
+            </a:r>
+            <a:r>
+              <a:rPr lang="es-ES" sz="2000" b="1" dirty="0" smtClean="0">
+                <a:solidFill>
+                  <a:srgbClr val="00B050"/>
+                </a:solidFill>
+              </a:rPr>
+              <a:t> </a:t>
+            </a:r>
+            <a:r>
+              <a:rPr lang="es-ES" sz="2000" dirty="0" smtClean="0"/>
+              <a:t>(</a:t>
+            </a:r>
+            <a:r>
+              <a:rPr lang="es-ES" sz="2000" dirty="0"/>
+              <a:t>'</a:t>
+            </a:r>
+            <a:r>
+              <a:rPr lang="es-ES" sz="2000" dirty="0" err="1"/>
+              <a:t>Jhon</a:t>
+            </a:r>
+            <a:r>
+              <a:rPr lang="es-ES" sz="2000" dirty="0"/>
+              <a:t> Jairo') </a:t>
+            </a:r>
+            <a:r>
+              <a:rPr lang="es-ES" sz="2000" dirty="0" smtClean="0"/>
+              <a:t>       # </a:t>
+            </a:r>
+            <a:r>
+              <a:rPr lang="es-ES" sz="2000" dirty="0"/>
+              <a:t>Imprime: </a:t>
+            </a:r>
+            <a:r>
+              <a:rPr lang="es-ES" sz="2000" dirty="0" err="1"/>
+              <a:t>Jhon</a:t>
+            </a:r>
+            <a:r>
+              <a:rPr lang="es-ES" sz="2000" dirty="0"/>
+              <a:t> Jairo su Formador los saluda</a:t>
+            </a:r>
+          </a:p>
+        </p:txBody>
+      </p:sp>
+      <p:sp>
+        <p:nvSpPr>
+          <p:cNvPr id="5" name="CuadroTexto 4"/>
+          <p:cNvSpPr txBox="1"/>
+          <p:nvPr/>
+        </p:nvSpPr>
+        <p:spPr>
+          <a:xfrm>
+            <a:off x="437881" y="3969380"/>
+            <a:ext cx="8502136" cy="3108543"/>
+          </a:xfrm>
+          <a:prstGeom prst="rect">
+            <a:avLst/>
+          </a:prstGeom>
+          <a:noFill/>
+        </p:spPr>
+        <p:txBody>
+          <a:bodyPr wrap="none" rtlCol="0">
+            <a:spAutoFit/>
+          </a:bodyPr>
+          <a:lstStyle/>
+          <a:p>
+            <a:r>
+              <a:rPr lang="es-ES" sz="2800" b="1" dirty="0" err="1">
+                <a:solidFill>
+                  <a:srgbClr val="002060"/>
+                </a:solidFill>
+              </a:rPr>
+              <a:t>def</a:t>
+            </a:r>
+            <a:r>
+              <a:rPr lang="es-ES" sz="2400" dirty="0"/>
+              <a:t> </a:t>
+            </a:r>
+            <a:r>
+              <a:rPr lang="es-ES" sz="2400" dirty="0" err="1"/>
+              <a:t>setSaludar</a:t>
+            </a:r>
+            <a:r>
+              <a:rPr lang="es-ES" sz="2400" dirty="0"/>
+              <a:t>(nombre, mensaje): </a:t>
+            </a:r>
+          </a:p>
+          <a:p>
+            <a:r>
+              <a:rPr lang="es-ES" sz="2400" dirty="0" smtClean="0"/>
+              <a:t>         </a:t>
+            </a:r>
+            <a:r>
+              <a:rPr lang="es-ES" sz="2400" dirty="0" err="1" smtClean="0"/>
+              <a:t>print</a:t>
+            </a:r>
+            <a:r>
+              <a:rPr lang="es-ES" sz="2400" dirty="0" smtClean="0"/>
+              <a:t> </a:t>
+            </a:r>
+            <a:r>
+              <a:rPr lang="es-ES" sz="2400" dirty="0"/>
+              <a:t>(nombre, mensaje) </a:t>
+            </a:r>
+          </a:p>
+          <a:p>
+            <a:r>
+              <a:rPr lang="es-ES" sz="2400" dirty="0"/>
+              <a:t/>
+            </a:r>
+            <a:br>
+              <a:rPr lang="es-ES" sz="2400" dirty="0"/>
+            </a:br>
+            <a:r>
+              <a:rPr lang="es-ES" sz="2400" dirty="0"/>
+              <a:t>#llamado </a:t>
+            </a:r>
+          </a:p>
+          <a:p>
+            <a:r>
+              <a:rPr lang="es-ES" sz="2000" b="1" dirty="0" err="1" smtClean="0">
+                <a:solidFill>
+                  <a:srgbClr val="00B050"/>
+                </a:solidFill>
+              </a:rPr>
+              <a:t>setSaludar</a:t>
+            </a:r>
+            <a:r>
+              <a:rPr lang="es-ES" sz="2000" b="1" dirty="0" smtClean="0">
+                <a:solidFill>
+                  <a:srgbClr val="00B050"/>
+                </a:solidFill>
+              </a:rPr>
+              <a:t> </a:t>
+            </a:r>
+            <a:r>
+              <a:rPr lang="es-ES" sz="2400" dirty="0"/>
+              <a:t>(mensaje='su Formador los saluda', nombre='</a:t>
+            </a:r>
+            <a:r>
+              <a:rPr lang="es-ES" sz="2400" dirty="0" err="1"/>
+              <a:t>Jhon</a:t>
+            </a:r>
+            <a:r>
+              <a:rPr lang="es-ES" sz="2400" dirty="0"/>
+              <a:t> Jairo') </a:t>
+            </a:r>
+            <a:endParaRPr lang="es-ES" sz="2400" dirty="0" smtClean="0"/>
+          </a:p>
+          <a:p>
+            <a:r>
+              <a:rPr lang="es-ES" sz="2400" dirty="0" smtClean="0"/>
+              <a:t># </a:t>
+            </a:r>
+            <a:r>
+              <a:rPr lang="es-ES" sz="2400" dirty="0"/>
+              <a:t>Imprime: </a:t>
+            </a:r>
+            <a:r>
+              <a:rPr lang="es-ES" sz="2400" dirty="0" err="1"/>
+              <a:t>Jhon</a:t>
+            </a:r>
+            <a:r>
+              <a:rPr lang="es-ES" sz="2400" dirty="0"/>
+              <a:t> Jairo su Formador los saluda</a:t>
+            </a:r>
+          </a:p>
+          <a:p>
+            <a:r>
+              <a:rPr lang="es-ES" sz="2400" dirty="0"/>
+              <a:t/>
+            </a:r>
+            <a:br>
+              <a:rPr lang="es-ES" sz="2400" dirty="0"/>
+            </a:br>
+            <a:endParaRPr lang="es-ES" sz="2400" dirty="0"/>
+          </a:p>
+        </p:txBody>
+      </p:sp>
+      <p:cxnSp>
+        <p:nvCxnSpPr>
+          <p:cNvPr id="9" name="Conector recto de flecha 8"/>
+          <p:cNvCxnSpPr/>
+          <p:nvPr/>
+        </p:nvCxnSpPr>
+        <p:spPr>
+          <a:xfrm flipH="1" flipV="1">
+            <a:off x="3087757" y="4412640"/>
+            <a:ext cx="3419060" cy="1080234"/>
+          </a:xfrm>
+          <a:prstGeom prst="straightConnector1">
+            <a:avLst/>
+          </a:prstGeom>
+          <a:ln w="38100">
+            <a:solidFill>
+              <a:srgbClr val="E71A65"/>
+            </a:solidFill>
+            <a:tailEnd type="triangle"/>
+          </a:ln>
+        </p:spPr>
+        <p:style>
+          <a:lnRef idx="1">
+            <a:schemeClr val="accent1"/>
+          </a:lnRef>
+          <a:fillRef idx="0">
+            <a:schemeClr val="accent1"/>
+          </a:fillRef>
+          <a:effectRef idx="0">
+            <a:schemeClr val="accent1"/>
+          </a:effectRef>
+          <a:fontRef idx="minor">
+            <a:schemeClr val="tx1"/>
+          </a:fontRef>
+        </p:style>
+      </p:cxnSp>
+      <p:cxnSp>
+        <p:nvCxnSpPr>
+          <p:cNvPr id="11" name="Conector recto de flecha 10"/>
+          <p:cNvCxnSpPr/>
+          <p:nvPr/>
+        </p:nvCxnSpPr>
+        <p:spPr>
+          <a:xfrm flipV="1">
+            <a:off x="2364087" y="4412640"/>
+            <a:ext cx="1810348" cy="1117261"/>
+          </a:xfrm>
+          <a:prstGeom prst="straightConnector1">
+            <a:avLst/>
+          </a:prstGeom>
+          <a:ln w="38100">
+            <a:solidFill>
+              <a:srgbClr val="E71A65"/>
+            </a:solidFill>
+            <a:tailEnd type="triangle"/>
+          </a:ln>
+        </p:spPr>
+        <p:style>
+          <a:lnRef idx="1">
+            <a:schemeClr val="accent1"/>
+          </a:lnRef>
+          <a:fillRef idx="0">
+            <a:schemeClr val="accent1"/>
+          </a:fillRef>
+          <a:effectRef idx="0">
+            <a:schemeClr val="accent1"/>
+          </a:effectRef>
+          <a:fontRef idx="minor">
+            <a:schemeClr val="tx1"/>
+          </a:fontRef>
+        </p:style>
+      </p:cxnSp>
+      <p:sp>
+        <p:nvSpPr>
+          <p:cNvPr id="13" name="CuadroTexto 12"/>
+          <p:cNvSpPr txBox="1"/>
+          <p:nvPr/>
+        </p:nvSpPr>
+        <p:spPr>
+          <a:xfrm>
+            <a:off x="2628969" y="674703"/>
+            <a:ext cx="9289774" cy="1569660"/>
+          </a:xfrm>
+          <a:prstGeom prst="rect">
+            <a:avLst/>
+          </a:prstGeom>
+          <a:noFill/>
+        </p:spPr>
+        <p:txBody>
+          <a:bodyPr wrap="square" rtlCol="0">
+            <a:spAutoFit/>
+          </a:bodyPr>
+          <a:lstStyle/>
+          <a:p>
+            <a:pPr lvl="0" eaLnBrk="0" fontAlgn="base" hangingPunct="0">
+              <a:spcBef>
+                <a:spcPct val="0"/>
+              </a:spcBef>
+              <a:spcAft>
+                <a:spcPct val="0"/>
+              </a:spcAft>
+            </a:pPr>
+            <a:r>
+              <a:rPr lang="es-CO" altLang="es-CO" sz="2400" b="1" dirty="0">
+                <a:solidFill>
+                  <a:srgbClr val="FF0000"/>
+                </a:solidFill>
+                <a:latin typeface="Arial" panose="020B0604020202020204" pitchFamily="34" charset="0"/>
+              </a:rPr>
+              <a:t>Parámetros por </a:t>
+            </a:r>
+            <a:r>
+              <a:rPr lang="es-CO" altLang="es-CO" sz="2400" b="1" dirty="0" smtClean="0">
+                <a:solidFill>
+                  <a:srgbClr val="FF0000"/>
+                </a:solidFill>
+                <a:latin typeface="Arial" panose="020B0604020202020204" pitchFamily="34" charset="0"/>
+              </a:rPr>
+              <a:t>omisión</a:t>
+            </a:r>
+            <a:endParaRPr lang="es-CO" altLang="es-CO" sz="2400" b="1" dirty="0">
+              <a:solidFill>
+                <a:srgbClr val="FF0000"/>
+              </a:solidFill>
+              <a:latin typeface="Arial" panose="020B0604020202020204" pitchFamily="34" charset="0"/>
+            </a:endParaRPr>
+          </a:p>
+          <a:p>
+            <a:pPr lvl="0" eaLnBrk="0" fontAlgn="base" hangingPunct="0">
+              <a:spcBef>
+                <a:spcPct val="0"/>
+              </a:spcBef>
+              <a:spcAft>
+                <a:spcPct val="0"/>
+              </a:spcAft>
+            </a:pPr>
+            <a:r>
+              <a:rPr lang="es-CO" altLang="es-CO" dirty="0">
+                <a:latin typeface="Arial" panose="020B0604020202020204" pitchFamily="34" charset="0"/>
+              </a:rPr>
+              <a:t>En Python, también es posible, asignar valores por defecto a los parámetros de </a:t>
+            </a:r>
+            <a:r>
+              <a:rPr lang="es-CO" altLang="es-CO" dirty="0" err="1">
+                <a:latin typeface="Arial" panose="020B0604020202020204" pitchFamily="34" charset="0"/>
+              </a:rPr>
+              <a:t>l</a:t>
+            </a:r>
+            <a:r>
+              <a:rPr lang="es-CO" altLang="es-CO" dirty="0" err="1">
+                <a:latin typeface="Arial Unicode MS" panose="020B0604020202020204" pitchFamily="34" charset="-128"/>
+              </a:rPr>
+              <a:t>'</a:t>
+            </a:r>
+            <a:r>
+              <a:rPr lang="es-CO" altLang="es-CO" dirty="0" err="1">
+                <a:latin typeface="Arial" panose="020B0604020202020204" pitchFamily="34" charset="0"/>
+              </a:rPr>
+              <a:t>as</a:t>
+            </a:r>
+            <a:r>
+              <a:rPr lang="es-CO" altLang="es-CO" dirty="0">
+                <a:latin typeface="Arial" panose="020B0604020202020204" pitchFamily="34" charset="0"/>
+              </a:rPr>
+              <a:t> funciones. Esto significa, que la función podrá ser llamada con menos argumentos de los que espera:</a:t>
+            </a:r>
+          </a:p>
+          <a:p>
+            <a:endParaRPr lang="es-CO" dirty="0"/>
+          </a:p>
+        </p:txBody>
+      </p:sp>
+      <p:sp>
+        <p:nvSpPr>
+          <p:cNvPr id="14" name="Rectángulo redondeado 13"/>
+          <p:cNvSpPr/>
+          <p:nvPr/>
+        </p:nvSpPr>
+        <p:spPr>
+          <a:xfrm>
+            <a:off x="251791" y="1921565"/>
+            <a:ext cx="8865705" cy="1927638"/>
+          </a:xfrm>
+          <a:prstGeom prst="roundRect">
+            <a:avLst/>
+          </a:prstGeom>
+          <a:noFill/>
+          <a:ln w="28575">
+            <a:solidFill>
+              <a:srgbClr val="FF0000"/>
+            </a:solidFill>
+          </a:ln>
+        </p:spPr>
+        <p:style>
+          <a:lnRef idx="2">
+            <a:schemeClr val="accent1">
+              <a:shade val="50000"/>
+            </a:schemeClr>
+          </a:lnRef>
+          <a:fillRef idx="1">
+            <a:schemeClr val="accent1"/>
+          </a:fillRef>
+          <a:effectRef idx="0">
+            <a:schemeClr val="accent1"/>
+          </a:effectRef>
+          <a:fontRef idx="minor">
+            <a:schemeClr val="lt1"/>
+          </a:fontRef>
+        </p:style>
+        <p:txBody>
+          <a:bodyPr rtlCol="0" anchor="ctr"/>
+          <a:lstStyle/>
+          <a:p>
+            <a:pPr algn="ctr"/>
+            <a:endParaRPr lang="es-CO"/>
+          </a:p>
+        </p:txBody>
+      </p:sp>
+      <p:sp>
+        <p:nvSpPr>
+          <p:cNvPr id="15" name="Rectángulo redondeado 14"/>
+          <p:cNvSpPr/>
+          <p:nvPr/>
+        </p:nvSpPr>
+        <p:spPr>
+          <a:xfrm>
+            <a:off x="176371" y="3969380"/>
+            <a:ext cx="9073646" cy="2312150"/>
+          </a:xfrm>
+          <a:prstGeom prst="roundRect">
+            <a:avLst/>
+          </a:prstGeom>
+          <a:noFill/>
+          <a:ln w="28575">
+            <a:solidFill>
+              <a:srgbClr val="FF0000"/>
+            </a:solidFill>
+          </a:ln>
+        </p:spPr>
+        <p:style>
+          <a:lnRef idx="2">
+            <a:schemeClr val="accent1">
+              <a:shade val="50000"/>
+            </a:schemeClr>
+          </a:lnRef>
+          <a:fillRef idx="1">
+            <a:schemeClr val="accent1"/>
+          </a:fillRef>
+          <a:effectRef idx="0">
+            <a:schemeClr val="accent1"/>
+          </a:effectRef>
+          <a:fontRef idx="minor">
+            <a:schemeClr val="lt1"/>
+          </a:fontRef>
+        </p:style>
+        <p:txBody>
+          <a:bodyPr rtlCol="0" anchor="ctr"/>
+          <a:lstStyle/>
+          <a:p>
+            <a:pPr algn="ctr"/>
+            <a:endParaRPr lang="es-CO"/>
+          </a:p>
+        </p:txBody>
+      </p:sp>
+      <p:sp>
+        <p:nvSpPr>
+          <p:cNvPr id="16" name="CuadroTexto 15"/>
+          <p:cNvSpPr txBox="1"/>
+          <p:nvPr/>
+        </p:nvSpPr>
+        <p:spPr>
+          <a:xfrm>
+            <a:off x="7323658" y="3941855"/>
+            <a:ext cx="4375737" cy="1323439"/>
+          </a:xfrm>
+          <a:prstGeom prst="rect">
+            <a:avLst/>
+          </a:prstGeom>
+          <a:noFill/>
+        </p:spPr>
+        <p:txBody>
+          <a:bodyPr wrap="square" rtlCol="0">
+            <a:spAutoFit/>
+          </a:bodyPr>
+          <a:lstStyle/>
+          <a:p>
+            <a:pPr lvl="0" eaLnBrk="0" fontAlgn="base" hangingPunct="0">
+              <a:spcBef>
+                <a:spcPct val="0"/>
+              </a:spcBef>
+              <a:spcAft>
+                <a:spcPct val="0"/>
+              </a:spcAft>
+            </a:pPr>
+            <a:r>
+              <a:rPr lang="es-CO" altLang="es-CO" sz="2400" b="1" dirty="0">
+                <a:solidFill>
+                  <a:srgbClr val="FF0000"/>
+                </a:solidFill>
+                <a:latin typeface="Arial" panose="020B0604020202020204" pitchFamily="34" charset="0"/>
+              </a:rPr>
+              <a:t>Parámetros por </a:t>
+            </a:r>
+            <a:r>
+              <a:rPr lang="es-CO" sz="2400" b="1" dirty="0" err="1">
+                <a:solidFill>
+                  <a:srgbClr val="FF0000"/>
+                </a:solidFill>
+                <a:latin typeface="Arial" panose="020B0604020202020204" pitchFamily="34" charset="0"/>
+              </a:rPr>
+              <a:t>Keywords</a:t>
+            </a:r>
+            <a:r>
+              <a:rPr lang="es-CO" sz="2400" b="1" dirty="0"/>
+              <a:t> </a:t>
+            </a:r>
+            <a:endParaRPr lang="es-CO" altLang="es-CO" sz="2400" b="1" dirty="0">
+              <a:solidFill>
+                <a:srgbClr val="FF0000"/>
+              </a:solidFill>
+              <a:latin typeface="Arial" panose="020B0604020202020204" pitchFamily="34" charset="0"/>
+            </a:endParaRPr>
+          </a:p>
+          <a:p>
+            <a:r>
+              <a:rPr lang="es-CO" dirty="0" smtClean="0"/>
+              <a:t>En Python, también es posible llamar a una función, pasándole los argumentos esperados, como parejas de </a:t>
+            </a:r>
+            <a:r>
+              <a:rPr lang="es-CO" sz="2000" b="1" dirty="0" smtClean="0">
+                <a:solidFill>
+                  <a:srgbClr val="002060"/>
+                </a:solidFill>
+              </a:rPr>
+              <a:t>clave = valor</a:t>
+            </a:r>
+            <a:r>
+              <a:rPr lang="es-CO" dirty="0" smtClean="0"/>
+              <a:t>.</a:t>
+            </a:r>
+            <a:endParaRPr lang="es-CO" dirty="0"/>
+          </a:p>
+        </p:txBody>
+      </p:sp>
+    </p:spTree>
+    <p:extLst>
+      <p:ext uri="{BB962C8B-B14F-4D97-AF65-F5344CB8AC3E}">
+        <p14:creationId xmlns:p14="http://schemas.microsoft.com/office/powerpoint/2010/main" val="3085663438"/>
+      </p:ext>
+    </p:extLst>
+  </p:cSld>
+  <p:clrMapOvr>
+    <a:masterClrMapping/>
+  </p:clrMapOvr>
+  <p:timing>
+    <p:tnLst>
+      <p:par>
+        <p:cTn id="1" dur="indefinite" restart="never" nodeType="tmRoot"/>
+      </p:par>
+    </p:tnLst>
+  </p:timing>
+</p:sld>
+</file>
+
+<file path=ppt/slides/slide11.xml><?xml version="1.0" encoding="utf-8"?>
+<p:sld xmlns:a="http://schemas.openxmlformats.org/drawingml/2006/main" xmlns:r="http://schemas.openxmlformats.org/officeDocument/2006/relationships" xmlns:p="http://schemas.openxmlformats.org/presentationml/2006/main">
+  <p:cSld>
+    <p:spTree>
+      <p:nvGrpSpPr>
+        <p:cNvPr id="1" name=""/>
+        <p:cNvGrpSpPr/>
+        <p:nvPr/>
+      </p:nvGrpSpPr>
+      <p:grpSpPr>
+        <a:xfrm>
+          <a:off x="0" y="0"/>
+          <a:ext cx="0" cy="0"/>
+          <a:chOff x="0" y="0"/>
+          <a:chExt cx="0" cy="0"/>
+        </a:xfrm>
+      </p:grpSpPr>
+      <p:sp>
+        <p:nvSpPr>
+          <p:cNvPr id="3" name="Título 1">
+            <a:extLst>
+              <a:ext uri="{FF2B5EF4-FFF2-40B4-BE49-F238E27FC236}">
+                <a16:creationId xmlns="" xmlns:a16="http://schemas.microsoft.com/office/drawing/2014/main" id="{C74FDE85-A811-49B8-BCA5-144B3BF9178F}"/>
+              </a:ext>
+            </a:extLst>
+          </p:cNvPr>
+          <p:cNvSpPr txBox="1">
+            <a:spLocks/>
+          </p:cNvSpPr>
+          <p:nvPr/>
+        </p:nvSpPr>
+        <p:spPr>
+          <a:xfrm>
+            <a:off x="3103809" y="32863"/>
+            <a:ext cx="6070211" cy="504079"/>
+          </a:xfrm>
+          <a:prstGeom prst="rect">
+            <a:avLst/>
+          </a:prstGeom>
+        </p:spPr>
+        <p:txBody>
+          <a:bodyPr vert="horz" lIns="91440" tIns="45720" rIns="91440" bIns="45720" rtlCol="0" anchor="ctr">
+            <a:normAutofit fontScale="37500" lnSpcReduction="20000"/>
+          </a:bodyPr>
+          <a:lstStyle>
+            <a:lvl1pPr algn="l" defTabSz="914400" rtl="0" eaLnBrk="1" latinLnBrk="0" hangingPunct="1">
+              <a:lnSpc>
+                <a:spcPct val="90000"/>
+              </a:lnSpc>
+              <a:spcBef>
+                <a:spcPct val="0"/>
+              </a:spcBef>
+              <a:buNone/>
+              <a:defRPr sz="4400" kern="1200">
+                <a:solidFill>
+                  <a:schemeClr val="tx1"/>
+                </a:solidFill>
+                <a:latin typeface="+mj-lt"/>
+                <a:ea typeface="+mj-ea"/>
+                <a:cs typeface="+mj-cs"/>
+              </a:defRPr>
+            </a:lvl1pPr>
+          </a:lstStyle>
+          <a:p>
+            <a:r>
+              <a:rPr lang="es-CO" b="1" dirty="0" smtClean="0">
+                <a:solidFill>
+                  <a:schemeClr val="bg1"/>
+                </a:solidFill>
+                <a:latin typeface="Calabri"/>
+              </a:rPr>
+              <a:t>PROGRAMA EN PYTHON CON FUNCIONES O MÉTODOS</a:t>
+            </a:r>
+            <a:endParaRPr lang="es-CO" b="1" dirty="0">
+              <a:solidFill>
+                <a:schemeClr val="bg1"/>
+              </a:solidFill>
+              <a:latin typeface="Calabri"/>
+            </a:endParaRPr>
+          </a:p>
+        </p:txBody>
+      </p:sp>
+      <p:pic>
+        <p:nvPicPr>
+          <p:cNvPr id="12" name="Imagen 11">
+            <a:extLst>
+              <a:ext uri="{FF2B5EF4-FFF2-40B4-BE49-F238E27FC236}">
+                <a16:creationId xmlns="" xmlns:a16="http://schemas.microsoft.com/office/drawing/2014/main" id="{0633DF26-E03C-49B7-8009-B152436760EA}"/>
+              </a:ext>
+            </a:extLst>
+          </p:cNvPr>
+          <p:cNvPicPr>
+            <a:picLocks noChangeAspect="1"/>
+          </p:cNvPicPr>
+          <p:nvPr/>
+        </p:nvPicPr>
+        <p:blipFill>
+          <a:blip r:embed="rId2">
+            <a:extLst>
+              <a:ext uri="{28A0092B-C50C-407E-A947-70E740481C1C}">
+                <a14:useLocalDpi xmlns:a14="http://schemas.microsoft.com/office/drawing/2010/main" val="0"/>
+              </a:ext>
+            </a:extLst>
+          </a:blip>
+          <a:stretch>
+            <a:fillRect/>
+          </a:stretch>
+        </p:blipFill>
+        <p:spPr>
+          <a:xfrm>
+            <a:off x="8780565" y="5089159"/>
+            <a:ext cx="1226795" cy="807431"/>
+          </a:xfrm>
+          <a:prstGeom prst="rect">
+            <a:avLst/>
+          </a:prstGeom>
+        </p:spPr>
+      </p:pic>
+      <p:sp>
+        <p:nvSpPr>
+          <p:cNvPr id="5" name="CuadroTexto 4"/>
+          <p:cNvSpPr txBox="1"/>
+          <p:nvPr/>
+        </p:nvSpPr>
+        <p:spPr>
+          <a:xfrm>
+            <a:off x="1102017" y="3924020"/>
+            <a:ext cx="1769972" cy="646331"/>
+          </a:xfrm>
+          <a:prstGeom prst="rect">
+            <a:avLst/>
+          </a:prstGeom>
+          <a:noFill/>
+        </p:spPr>
+        <p:txBody>
+          <a:bodyPr wrap="none" rtlCol="0">
+            <a:spAutoFit/>
+          </a:bodyPr>
+          <a:lstStyle/>
+          <a:p>
+            <a:r>
+              <a:rPr lang="es-CO" b="1" dirty="0" smtClean="0">
+                <a:solidFill>
+                  <a:srgbClr val="FF0000"/>
+                </a:solidFill>
+              </a:rPr>
+              <a:t>              1</a:t>
+            </a:r>
+          </a:p>
+          <a:p>
+            <a:r>
+              <a:rPr lang="es-CO" b="1" dirty="0" smtClean="0">
+                <a:solidFill>
+                  <a:srgbClr val="FF0000"/>
+                </a:solidFill>
+              </a:rPr>
+              <a:t>CODIGO FUENTE</a:t>
+            </a:r>
+            <a:endParaRPr lang="es-CO" b="1" dirty="0">
+              <a:solidFill>
+                <a:srgbClr val="FF0000"/>
+              </a:solidFill>
+            </a:endParaRPr>
+          </a:p>
+        </p:txBody>
+      </p:sp>
+      <p:sp>
+        <p:nvSpPr>
+          <p:cNvPr id="7" name="CuadroTexto 6"/>
+          <p:cNvSpPr txBox="1"/>
+          <p:nvPr/>
+        </p:nvSpPr>
+        <p:spPr>
+          <a:xfrm>
+            <a:off x="5389768" y="2337568"/>
+            <a:ext cx="2872068" cy="923330"/>
+          </a:xfrm>
+          <a:prstGeom prst="rect">
+            <a:avLst/>
+          </a:prstGeom>
+          <a:noFill/>
+        </p:spPr>
+        <p:txBody>
+          <a:bodyPr wrap="none" rtlCol="0">
+            <a:spAutoFit/>
+          </a:bodyPr>
+          <a:lstStyle/>
+          <a:p>
+            <a:r>
+              <a:rPr lang="es-CO" b="1" dirty="0" smtClean="0">
+                <a:solidFill>
+                  <a:srgbClr val="FF0000"/>
+                </a:solidFill>
+              </a:rPr>
+              <a:t>              2</a:t>
+            </a:r>
+          </a:p>
+          <a:p>
+            <a:r>
+              <a:rPr lang="es-CO" b="1" dirty="0" smtClean="0">
+                <a:solidFill>
+                  <a:srgbClr val="FF0000"/>
+                </a:solidFill>
+              </a:rPr>
+              <a:t>COMPILACIÓN Y</a:t>
+            </a:r>
+          </a:p>
+          <a:p>
+            <a:r>
+              <a:rPr lang="es-CO" b="1" dirty="0" smtClean="0">
+                <a:solidFill>
+                  <a:srgbClr val="FF0000"/>
+                </a:solidFill>
+              </a:rPr>
+              <a:t>EJECUCIÓN DEL PROGRAMA</a:t>
+            </a:r>
+            <a:endParaRPr lang="es-CO" b="1" dirty="0">
+              <a:solidFill>
+                <a:srgbClr val="FF0000"/>
+              </a:solidFill>
+            </a:endParaRPr>
+          </a:p>
+        </p:txBody>
+      </p:sp>
+      <p:sp>
+        <p:nvSpPr>
+          <p:cNvPr id="8" name="CuadroTexto 7"/>
+          <p:cNvSpPr txBox="1"/>
+          <p:nvPr/>
+        </p:nvSpPr>
+        <p:spPr>
+          <a:xfrm>
+            <a:off x="9166934" y="2337568"/>
+            <a:ext cx="2417778" cy="646331"/>
+          </a:xfrm>
+          <a:prstGeom prst="rect">
+            <a:avLst/>
+          </a:prstGeom>
+          <a:noFill/>
+        </p:spPr>
+        <p:txBody>
+          <a:bodyPr wrap="none" rtlCol="0">
+            <a:spAutoFit/>
+          </a:bodyPr>
+          <a:lstStyle/>
+          <a:p>
+            <a:r>
+              <a:rPr lang="es-CO" b="1" dirty="0" smtClean="0">
+                <a:solidFill>
+                  <a:srgbClr val="FF0000"/>
+                </a:solidFill>
+              </a:rPr>
+              <a:t>              3</a:t>
+            </a:r>
+          </a:p>
+          <a:p>
+            <a:r>
+              <a:rPr lang="es-CO" b="1" dirty="0" smtClean="0">
+                <a:solidFill>
+                  <a:srgbClr val="FF0000"/>
+                </a:solidFill>
+              </a:rPr>
+              <a:t>Ejecución del Programa</a:t>
+            </a:r>
+            <a:endParaRPr lang="es-CO" b="1" dirty="0">
+              <a:solidFill>
+                <a:srgbClr val="FF0000"/>
+              </a:solidFill>
+            </a:endParaRPr>
+          </a:p>
+        </p:txBody>
+      </p:sp>
+      <p:sp>
+        <p:nvSpPr>
+          <p:cNvPr id="6" name="Elipse 5"/>
+          <p:cNvSpPr/>
+          <p:nvPr/>
+        </p:nvSpPr>
+        <p:spPr>
+          <a:xfrm>
+            <a:off x="6001554" y="2302489"/>
+            <a:ext cx="489397" cy="370126"/>
+          </a:xfrm>
+          <a:prstGeom prst="ellipse">
+            <a:avLst/>
+          </a:prstGeom>
+          <a:noFill/>
+          <a:ln w="38100"/>
+        </p:spPr>
+        <p:style>
+          <a:lnRef idx="2">
+            <a:schemeClr val="accent1">
+              <a:shade val="50000"/>
+            </a:schemeClr>
+          </a:lnRef>
+          <a:fillRef idx="1">
+            <a:schemeClr val="accent1"/>
+          </a:fillRef>
+          <a:effectRef idx="0">
+            <a:schemeClr val="accent1"/>
+          </a:effectRef>
+          <a:fontRef idx="minor">
+            <a:schemeClr val="lt1"/>
+          </a:fontRef>
+        </p:style>
+        <p:txBody>
+          <a:bodyPr rtlCol="0" anchor="ctr"/>
+          <a:lstStyle/>
+          <a:p>
+            <a:pPr algn="ctr"/>
+            <a:endParaRPr lang="es-CO"/>
+          </a:p>
+        </p:txBody>
+      </p:sp>
+      <p:sp>
+        <p:nvSpPr>
+          <p:cNvPr id="9" name="Elipse 8"/>
+          <p:cNvSpPr/>
+          <p:nvPr/>
+        </p:nvSpPr>
+        <p:spPr>
+          <a:xfrm>
+            <a:off x="1755183" y="3922245"/>
+            <a:ext cx="463640" cy="439076"/>
+          </a:xfrm>
+          <a:prstGeom prst="ellipse">
+            <a:avLst/>
+          </a:prstGeom>
+          <a:noFill/>
+          <a:ln w="28575"/>
+        </p:spPr>
+        <p:style>
+          <a:lnRef idx="2">
+            <a:schemeClr val="accent1">
+              <a:shade val="50000"/>
+            </a:schemeClr>
+          </a:lnRef>
+          <a:fillRef idx="1">
+            <a:schemeClr val="accent1"/>
+          </a:fillRef>
+          <a:effectRef idx="0">
+            <a:schemeClr val="accent1"/>
+          </a:effectRef>
+          <a:fontRef idx="minor">
+            <a:schemeClr val="lt1"/>
+          </a:fontRef>
+        </p:style>
+        <p:txBody>
+          <a:bodyPr rtlCol="0" anchor="ctr"/>
+          <a:lstStyle/>
+          <a:p>
+            <a:pPr algn="ctr"/>
+            <a:endParaRPr lang="es-CO"/>
+          </a:p>
+        </p:txBody>
+      </p:sp>
+      <p:sp>
+        <p:nvSpPr>
+          <p:cNvPr id="11" name="Elipse 10"/>
+          <p:cNvSpPr/>
+          <p:nvPr/>
+        </p:nvSpPr>
+        <p:spPr>
+          <a:xfrm>
+            <a:off x="8548745" y="3483169"/>
+            <a:ext cx="463640" cy="439076"/>
+          </a:xfrm>
+          <a:prstGeom prst="ellipse">
+            <a:avLst/>
+          </a:prstGeom>
+          <a:noFill/>
+          <a:ln w="28575"/>
+        </p:spPr>
+        <p:style>
+          <a:lnRef idx="2">
+            <a:schemeClr val="accent1">
+              <a:shade val="50000"/>
+            </a:schemeClr>
+          </a:lnRef>
+          <a:fillRef idx="1">
+            <a:schemeClr val="accent1"/>
+          </a:fillRef>
+          <a:effectRef idx="0">
+            <a:schemeClr val="accent1"/>
+          </a:effectRef>
+          <a:fontRef idx="minor">
+            <a:schemeClr val="lt1"/>
+          </a:fontRef>
+        </p:style>
+        <p:txBody>
+          <a:bodyPr rtlCol="0" anchor="ctr"/>
+          <a:lstStyle/>
+          <a:p>
+            <a:pPr algn="ctr"/>
+            <a:endParaRPr lang="es-CO"/>
+          </a:p>
+        </p:txBody>
+      </p:sp>
+      <p:sp>
+        <p:nvSpPr>
+          <p:cNvPr id="10" name="CuadroTexto 9"/>
+          <p:cNvSpPr txBox="1"/>
+          <p:nvPr/>
+        </p:nvSpPr>
+        <p:spPr>
+          <a:xfrm>
+            <a:off x="2550016" y="675575"/>
+            <a:ext cx="9504609" cy="2308324"/>
+          </a:xfrm>
+          <a:prstGeom prst="rect">
+            <a:avLst/>
+          </a:prstGeom>
+          <a:noFill/>
+        </p:spPr>
+        <p:txBody>
+          <a:bodyPr wrap="square" rtlCol="0">
+            <a:spAutoFit/>
+          </a:bodyPr>
+          <a:lstStyle/>
+          <a:p>
+            <a:r>
+              <a:rPr lang="es-ES" dirty="0"/>
+              <a:t>Planteamiento de Problema: Desarrollar un programa en Lenguaje Python, que permita hallar el área de cualquier </a:t>
+            </a:r>
+            <a:r>
+              <a:rPr lang="es-ES" dirty="0" smtClean="0"/>
+              <a:t>triángulo, utilizando funciones, para las entradas, procesos y salidas:</a:t>
+            </a:r>
+          </a:p>
+          <a:p>
+            <a:r>
+              <a:rPr lang="es-ES" dirty="0"/>
+              <a:t> </a:t>
+            </a:r>
+            <a:endParaRPr lang="es-CO" dirty="0"/>
+          </a:p>
+          <a:p>
+            <a:r>
+              <a:rPr lang="es-ES" b="1" dirty="0"/>
+              <a:t>ANALISIS    </a:t>
+            </a:r>
+            <a:endParaRPr lang="es-CO" dirty="0"/>
+          </a:p>
+          <a:p>
+            <a:r>
+              <a:rPr lang="es-ES" b="1" dirty="0">
+                <a:solidFill>
+                  <a:srgbClr val="00B050"/>
+                </a:solidFill>
+              </a:rPr>
+              <a:t>ENTRADAS</a:t>
+            </a:r>
+            <a:r>
+              <a:rPr lang="es-ES" dirty="0">
+                <a:solidFill>
+                  <a:srgbClr val="00B050"/>
+                </a:solidFill>
+              </a:rPr>
+              <a:t> </a:t>
+            </a:r>
+            <a:r>
+              <a:rPr lang="es-ES" dirty="0"/>
+              <a:t>:  base, altura</a:t>
+            </a:r>
+            <a:endParaRPr lang="es-CO" dirty="0"/>
+          </a:p>
+          <a:p>
+            <a:r>
+              <a:rPr lang="es-ES" b="1" dirty="0">
+                <a:solidFill>
+                  <a:srgbClr val="FFC000"/>
+                </a:solidFill>
+              </a:rPr>
+              <a:t>PROCESOS</a:t>
+            </a:r>
+            <a:r>
+              <a:rPr lang="es-ES" dirty="0">
+                <a:solidFill>
+                  <a:srgbClr val="FFC000"/>
+                </a:solidFill>
+              </a:rPr>
+              <a:t> </a:t>
+            </a:r>
+            <a:r>
+              <a:rPr lang="es-ES" dirty="0"/>
+              <a:t>:   </a:t>
+            </a:r>
+            <a:r>
+              <a:rPr lang="es-ES" dirty="0" err="1"/>
+              <a:t>area</a:t>
+            </a:r>
+            <a:r>
+              <a:rPr lang="es-ES" dirty="0"/>
+              <a:t>  </a:t>
+            </a:r>
+            <a:r>
+              <a:rPr lang="es-ES" dirty="0">
+                <a:sym typeface="Wingdings" panose="05000000000000000000" pitchFamily="2" charset="2"/>
+              </a:rPr>
+              <a:t></a:t>
+            </a:r>
+            <a:r>
+              <a:rPr lang="es-ES" dirty="0"/>
+              <a:t> base * altura / 2</a:t>
+            </a:r>
+            <a:endParaRPr lang="es-CO" dirty="0"/>
+          </a:p>
+          <a:p>
+            <a:r>
+              <a:rPr lang="es-ES" b="1" dirty="0">
+                <a:solidFill>
+                  <a:srgbClr val="FF0000"/>
+                </a:solidFill>
+              </a:rPr>
+              <a:t>SALIDAS</a:t>
+            </a:r>
+            <a:r>
+              <a:rPr lang="es-ES" dirty="0"/>
+              <a:t>     </a:t>
+            </a:r>
+            <a:r>
+              <a:rPr lang="es-ES" dirty="0" err="1" smtClean="0"/>
+              <a:t>area</a:t>
+            </a:r>
+            <a:endParaRPr lang="es-CO" dirty="0"/>
+          </a:p>
+          <a:p>
+            <a:r>
+              <a:rPr lang="es-ES" dirty="0"/>
+              <a:t>: </a:t>
+            </a:r>
+            <a:endParaRPr lang="es-CO" dirty="0"/>
+          </a:p>
+        </p:txBody>
+      </p:sp>
+      <p:pic>
+        <p:nvPicPr>
+          <p:cNvPr id="4" name="Imagen 3"/>
+          <p:cNvPicPr>
+            <a:picLocks noChangeAspect="1"/>
+          </p:cNvPicPr>
+          <p:nvPr/>
+        </p:nvPicPr>
+        <p:blipFill>
+          <a:blip r:embed="rId3"/>
+          <a:stretch>
+            <a:fillRect/>
+          </a:stretch>
+        </p:blipFill>
+        <p:spPr>
+          <a:xfrm>
+            <a:off x="2640169" y="3218829"/>
+            <a:ext cx="8024564" cy="3325211"/>
+          </a:xfrm>
+          <a:prstGeom prst="rect">
+            <a:avLst/>
+          </a:prstGeom>
+        </p:spPr>
+      </p:pic>
+      <p:sp>
+        <p:nvSpPr>
+          <p:cNvPr id="13" name="Elipse 12"/>
+          <p:cNvSpPr/>
+          <p:nvPr/>
+        </p:nvSpPr>
+        <p:spPr>
+          <a:xfrm>
+            <a:off x="9775540" y="2268014"/>
+            <a:ext cx="463640" cy="439076"/>
+          </a:xfrm>
+          <a:prstGeom prst="ellipse">
+            <a:avLst/>
+          </a:prstGeom>
+          <a:noFill/>
+          <a:ln w="28575"/>
+        </p:spPr>
+        <p:style>
+          <a:lnRef idx="2">
+            <a:schemeClr val="accent1">
+              <a:shade val="50000"/>
+            </a:schemeClr>
+          </a:lnRef>
+          <a:fillRef idx="1">
+            <a:schemeClr val="accent1"/>
+          </a:fillRef>
+          <a:effectRef idx="0">
+            <a:schemeClr val="accent1"/>
+          </a:effectRef>
+          <a:fontRef idx="minor">
+            <a:schemeClr val="lt1"/>
+          </a:fontRef>
+        </p:style>
+        <p:txBody>
+          <a:bodyPr rtlCol="0" anchor="ctr"/>
+          <a:lstStyle/>
+          <a:p>
+            <a:pPr algn="ctr"/>
+            <a:endParaRPr lang="es-CO"/>
+          </a:p>
+        </p:txBody>
+      </p:sp>
+    </p:spTree>
+    <p:extLst>
+      <p:ext uri="{BB962C8B-B14F-4D97-AF65-F5344CB8AC3E}">
+        <p14:creationId xmlns:p14="http://schemas.microsoft.com/office/powerpoint/2010/main" val="1695641282"/>
+      </p:ext>
+    </p:extLst>
+  </p:cSld>
+  <p:clrMapOvr>
+    <a:masterClrMapping/>
+  </p:clrMapOvr>
+  <p:timing>
+    <p:tnLst>
+      <p:par>
+        <p:cTn id="1" dur="indefinite" restart="never" nodeType="tmRoot"/>
+      </p:par>
+    </p:tnLst>
+  </p:timing>
+</p:sld>
+</file>
+
+<file path=ppt/slides/slide12.xml><?xml version="1.0" encoding="utf-8"?>
+<p:sld xmlns:a="http://schemas.openxmlformats.org/drawingml/2006/main" xmlns:r="http://schemas.openxmlformats.org/officeDocument/2006/relationships" xmlns:p="http://schemas.openxmlformats.org/presentationml/2006/main">
+  <p:cSld>
+    <p:spTree>
+      <p:nvGrpSpPr>
+        <p:cNvPr id="1" name=""/>
+        <p:cNvGrpSpPr/>
+        <p:nvPr/>
+      </p:nvGrpSpPr>
+      <p:grpSpPr>
+        <a:xfrm>
+          <a:off x="0" y="0"/>
+          <a:ext cx="0" cy="0"/>
+          <a:chOff x="0" y="0"/>
+          <a:chExt cx="0" cy="0"/>
+        </a:xfrm>
+      </p:grpSpPr>
+      <p:sp>
+        <p:nvSpPr>
+          <p:cNvPr id="3" name="Título 1">
+            <a:extLst>
+              <a:ext uri="{FF2B5EF4-FFF2-40B4-BE49-F238E27FC236}">
+                <a16:creationId xmlns:a16="http://schemas.microsoft.com/office/drawing/2014/main" xmlns="" id="{C74FDE85-A811-49B8-BCA5-144B3BF9178F}"/>
+              </a:ext>
+            </a:extLst>
+          </p:cNvPr>
+          <p:cNvSpPr txBox="1">
+            <a:spLocks/>
+          </p:cNvSpPr>
+          <p:nvPr/>
+        </p:nvSpPr>
+        <p:spPr>
+          <a:xfrm>
             <a:off x="3103807" y="101454"/>
             <a:ext cx="6070211" cy="504079"/>
           </a:xfrm>
@@ -31229,7 +32709,7 @@
           <p:cNvPr id="12" name="Imagen 11">
             <a:extLst>
               <a:ext uri="{FF2B5EF4-FFF2-40B4-BE49-F238E27FC236}">
-                <a16:creationId xmlns="" xmlns:a16="http://schemas.microsoft.com/office/drawing/2014/main" id="{0633DF26-E03C-49B7-8009-B152436760EA}"/>
+                <a16:creationId xmlns:a16="http://schemas.microsoft.com/office/drawing/2014/main" xmlns="" id="{0633DF26-E03C-49B7-8009-B152436760EA}"/>
               </a:ext>
             </a:extLst>
           </p:cNvPr>
@@ -31463,10 +32943,765 @@
       </p:grpSpPr>
       <p:sp>
         <p:nvSpPr>
+          <p:cNvPr id="2" name="Título 1"/>
+          <p:cNvSpPr>
+            <a:spLocks noGrp="1"/>
+          </p:cNvSpPr>
+          <p:nvPr>
+            <p:ph type="title"/>
+          </p:nvPr>
+        </p:nvSpPr>
+        <p:spPr>
+          <a:xfrm>
+            <a:off x="2497540" y="1185514"/>
+            <a:ext cx="9321420" cy="358206"/>
+          </a:xfrm>
+        </p:spPr>
+        <p:txBody>
+          <a:bodyPr>
+            <a:normAutofit fontScale="90000"/>
+          </a:bodyPr>
+          <a:lstStyle/>
+          <a:p>
+            <a:r>
+              <a:rPr lang="es-ES" dirty="0"/>
+              <a:t>#hallar el </a:t>
+            </a:r>
+            <a:r>
+              <a:rPr lang="es-ES" dirty="0" smtClean="0"/>
+              <a:t>área</a:t>
+            </a:r>
+            <a:r>
+              <a:rPr lang="es-ES" dirty="0"/>
+              <a:t> y el </a:t>
+            </a:r>
+            <a:r>
+              <a:rPr lang="es-ES" dirty="0" smtClean="0"/>
+              <a:t>perímetro</a:t>
+            </a:r>
+            <a:r>
+              <a:rPr lang="es-ES" dirty="0"/>
+              <a:t> de un triangulo</a:t>
+            </a:r>
+            <a:br>
+              <a:rPr lang="es-ES" dirty="0"/>
+            </a:br>
+            <a:r>
+              <a:rPr lang="es-ES" dirty="0" smtClean="0"/>
+              <a:t>1. COMPRENDER EL PROBLEMA</a:t>
+            </a:r>
+            <a:endParaRPr lang="es-CO" dirty="0"/>
+          </a:p>
+        </p:txBody>
+      </p:sp>
+      <p:sp>
+        <p:nvSpPr>
+          <p:cNvPr id="4" name="CuadroTexto 3"/>
+          <p:cNvSpPr txBox="1"/>
+          <p:nvPr/>
+        </p:nvSpPr>
+        <p:spPr>
+          <a:xfrm>
+            <a:off x="2866030" y="0"/>
+            <a:ext cx="6837528" cy="830997"/>
+          </a:xfrm>
+          <a:prstGeom prst="rect">
+            <a:avLst/>
+          </a:prstGeom>
+          <a:noFill/>
+        </p:spPr>
+        <p:txBody>
+          <a:bodyPr wrap="square" rtlCol="0">
+            <a:spAutoFit/>
+          </a:bodyPr>
+          <a:lstStyle/>
+          <a:p>
+            <a:pPr algn="ctr"/>
+            <a:r>
+              <a:rPr lang="es-CO" sz="2400" dirty="0" smtClean="0">
+                <a:solidFill>
+                  <a:schemeClr val="bg1"/>
+                </a:solidFill>
+              </a:rPr>
+              <a:t>PLANTAMIENTO DEL PROBLEMA</a:t>
+            </a:r>
+          </a:p>
+          <a:p>
+            <a:pPr algn="ctr"/>
+            <a:r>
+              <a:rPr lang="es-CO" sz="2400" dirty="0" smtClean="0">
+                <a:solidFill>
+                  <a:schemeClr val="bg1"/>
+                </a:solidFill>
+              </a:rPr>
+              <a:t>QUE REQUIERE EL CLIENTE</a:t>
+            </a:r>
+            <a:endParaRPr lang="es-CO" sz="2400" dirty="0">
+              <a:solidFill>
+                <a:schemeClr val="bg1"/>
+              </a:solidFill>
+            </a:endParaRPr>
+          </a:p>
+        </p:txBody>
+      </p:sp>
+      <p:sp>
+        <p:nvSpPr>
+          <p:cNvPr id="6" name="CuadroTexto 5"/>
+          <p:cNvSpPr txBox="1"/>
+          <p:nvPr/>
+        </p:nvSpPr>
+        <p:spPr>
+          <a:xfrm>
+            <a:off x="196755" y="1785251"/>
+            <a:ext cx="1649811" cy="461665"/>
+          </a:xfrm>
+          <a:prstGeom prst="rect">
+            <a:avLst/>
+          </a:prstGeom>
+          <a:noFill/>
+        </p:spPr>
+        <p:txBody>
+          <a:bodyPr wrap="none" rtlCol="0">
+            <a:spAutoFit/>
+          </a:bodyPr>
+          <a:lstStyle/>
+          <a:p>
+            <a:r>
+              <a:rPr lang="es-CO" sz="2400" b="1" dirty="0" smtClean="0"/>
+              <a:t>2. ANALISIS</a:t>
+            </a:r>
+            <a:endParaRPr lang="es-CO" sz="2400" b="1" dirty="0"/>
+          </a:p>
+        </p:txBody>
+      </p:sp>
+      <p:sp>
+        <p:nvSpPr>
+          <p:cNvPr id="7" name="CuadroTexto 6"/>
+          <p:cNvSpPr txBox="1"/>
+          <p:nvPr/>
+        </p:nvSpPr>
+        <p:spPr>
+          <a:xfrm>
+            <a:off x="196755" y="2246916"/>
+            <a:ext cx="6359856" cy="2308324"/>
+          </a:xfrm>
+          <a:prstGeom prst="rect">
+            <a:avLst/>
+          </a:prstGeom>
+          <a:noFill/>
+        </p:spPr>
+        <p:txBody>
+          <a:bodyPr wrap="square" rtlCol="0">
+            <a:spAutoFit/>
+          </a:bodyPr>
+          <a:lstStyle/>
+          <a:p>
+            <a:r>
+              <a:rPr lang="es-CO" sz="2400" b="1" dirty="0" smtClean="0">
+                <a:solidFill>
+                  <a:srgbClr val="00B050"/>
+                </a:solidFill>
+              </a:rPr>
+              <a:t>ENTRADAS : </a:t>
+            </a:r>
+            <a:r>
+              <a:rPr lang="es-CO" sz="2400" b="1" dirty="0" smtClean="0"/>
+              <a:t>base, altura, lado1, lado2</a:t>
+            </a:r>
+            <a:endParaRPr lang="es-CO" sz="2400" b="1" dirty="0" smtClean="0">
+              <a:solidFill>
+                <a:srgbClr val="00B050"/>
+              </a:solidFill>
+            </a:endParaRPr>
+          </a:p>
+          <a:p>
+            <a:endParaRPr lang="es-CO" sz="2400" b="1" dirty="0">
+              <a:solidFill>
+                <a:srgbClr val="FFC000"/>
+              </a:solidFill>
+            </a:endParaRPr>
+          </a:p>
+          <a:p>
+            <a:r>
+              <a:rPr lang="es-CO" sz="2400" b="1" dirty="0" smtClean="0">
+                <a:solidFill>
+                  <a:srgbClr val="FFC000"/>
+                </a:solidFill>
+              </a:rPr>
+              <a:t>PROCESOS : </a:t>
+            </a:r>
+            <a:r>
+              <a:rPr lang="es-CO" sz="2400" b="1" dirty="0" err="1" smtClean="0"/>
+              <a:t>area</a:t>
+            </a:r>
+            <a:r>
+              <a:rPr lang="es-CO" sz="2400" b="1" dirty="0" smtClean="0"/>
+              <a:t> &lt;- base * altura / 2</a:t>
+            </a:r>
+          </a:p>
+          <a:p>
+            <a:r>
+              <a:rPr lang="es-CO" sz="2400" b="1" dirty="0"/>
+              <a:t> </a:t>
+            </a:r>
+            <a:r>
+              <a:rPr lang="es-CO" sz="2400" b="1" dirty="0" smtClean="0"/>
+              <a:t>                      perímetro &lt;- base + lado1 + lado2</a:t>
+            </a:r>
+          </a:p>
+          <a:p>
+            <a:endParaRPr lang="es-CO" sz="2400" b="1" dirty="0"/>
+          </a:p>
+          <a:p>
+            <a:r>
+              <a:rPr lang="es-CO" sz="2400" b="1" dirty="0" smtClean="0">
+                <a:solidFill>
+                  <a:srgbClr val="FF0000"/>
+                </a:solidFill>
+              </a:rPr>
+              <a:t>SALIDAS</a:t>
+            </a:r>
+            <a:r>
+              <a:rPr lang="es-CO" sz="2400" b="1" dirty="0" smtClean="0"/>
+              <a:t> (que me piden)     :  </a:t>
+            </a:r>
+            <a:r>
+              <a:rPr lang="es-CO" sz="2400" b="1" dirty="0" err="1" smtClean="0"/>
+              <a:t>area</a:t>
+            </a:r>
+            <a:r>
+              <a:rPr lang="es-CO" sz="2400" b="1" dirty="0" smtClean="0"/>
+              <a:t>, </a:t>
+            </a:r>
+            <a:r>
+              <a:rPr lang="es-CO" sz="2400" b="1" dirty="0" err="1" smtClean="0"/>
+              <a:t>perimetro</a:t>
+            </a:r>
+            <a:endParaRPr lang="es-CO" sz="2400" b="1" dirty="0"/>
+          </a:p>
+        </p:txBody>
+      </p:sp>
+      <p:pic>
+        <p:nvPicPr>
+          <p:cNvPr id="8" name="Imagen 7"/>
+          <p:cNvPicPr>
+            <a:picLocks noChangeAspect="1"/>
+          </p:cNvPicPr>
+          <p:nvPr/>
+        </p:nvPicPr>
+        <p:blipFill>
+          <a:blip r:embed="rId2"/>
+          <a:stretch>
+            <a:fillRect/>
+          </a:stretch>
+        </p:blipFill>
+        <p:spPr>
+          <a:xfrm>
+            <a:off x="6080077" y="2246916"/>
+            <a:ext cx="5982163" cy="4493643"/>
+          </a:xfrm>
+          <a:prstGeom prst="rect">
+            <a:avLst/>
+          </a:prstGeom>
+        </p:spPr>
+      </p:pic>
+      <p:sp>
+        <p:nvSpPr>
+          <p:cNvPr id="9" name="CuadroTexto 8"/>
+          <p:cNvSpPr txBox="1"/>
+          <p:nvPr/>
+        </p:nvSpPr>
+        <p:spPr>
+          <a:xfrm>
+            <a:off x="196755" y="4555240"/>
+            <a:ext cx="3544688" cy="461665"/>
+          </a:xfrm>
+          <a:prstGeom prst="rect">
+            <a:avLst/>
+          </a:prstGeom>
+          <a:noFill/>
+        </p:spPr>
+        <p:txBody>
+          <a:bodyPr wrap="none" rtlCol="0">
+            <a:spAutoFit/>
+          </a:bodyPr>
+          <a:lstStyle/>
+          <a:p>
+            <a:r>
+              <a:rPr lang="es-CO" sz="2400" b="1" dirty="0" smtClean="0">
+                <a:solidFill>
+                  <a:srgbClr val="7030A0"/>
+                </a:solidFill>
+              </a:rPr>
+              <a:t>3. PRUEBA DE ESCRITORIO</a:t>
+            </a:r>
+            <a:endParaRPr lang="es-CO" sz="2400" b="1" dirty="0">
+              <a:solidFill>
+                <a:srgbClr val="7030A0"/>
+              </a:solidFill>
+            </a:endParaRPr>
+          </a:p>
+        </p:txBody>
+      </p:sp>
+      <p:sp>
+        <p:nvSpPr>
+          <p:cNvPr id="11" name="CuadroTexto 10"/>
+          <p:cNvSpPr txBox="1"/>
+          <p:nvPr/>
+        </p:nvSpPr>
+        <p:spPr>
+          <a:xfrm>
+            <a:off x="196755" y="5117911"/>
+            <a:ext cx="8756176" cy="1384995"/>
+          </a:xfrm>
+          <a:prstGeom prst="rect">
+            <a:avLst/>
+          </a:prstGeom>
+          <a:noFill/>
+        </p:spPr>
+        <p:txBody>
+          <a:bodyPr wrap="square" rtlCol="0">
+            <a:spAutoFit/>
+          </a:bodyPr>
+          <a:lstStyle/>
+          <a:p>
+            <a:r>
+              <a:rPr lang="es-CO" sz="2800" b="1" dirty="0"/>
+              <a:t>base, altura, lado1, </a:t>
+            </a:r>
+            <a:r>
+              <a:rPr lang="es-CO" sz="2800" b="1" dirty="0" smtClean="0"/>
+              <a:t>lado2      </a:t>
+            </a:r>
+            <a:r>
+              <a:rPr lang="es-CO" sz="2800" b="1" dirty="0" err="1" smtClean="0"/>
+              <a:t>area</a:t>
+            </a:r>
+            <a:r>
+              <a:rPr lang="es-CO" sz="2800" b="1" dirty="0" smtClean="0"/>
+              <a:t>                perímetro</a:t>
+            </a:r>
+          </a:p>
+          <a:p>
+            <a:r>
+              <a:rPr lang="es-CO" sz="2800" b="1" dirty="0" smtClean="0"/>
+              <a:t>10        20         30        30        </a:t>
+            </a:r>
+            <a:r>
+              <a:rPr lang="es-CO" sz="2800" b="1" dirty="0" err="1"/>
+              <a:t>area</a:t>
+            </a:r>
+            <a:r>
+              <a:rPr lang="es-CO" sz="2800" b="1" dirty="0"/>
+              <a:t> &lt;- </a:t>
+            </a:r>
+            <a:r>
+              <a:rPr lang="es-CO" sz="2800" b="1" dirty="0" smtClean="0"/>
+              <a:t>10* 20 / </a:t>
+            </a:r>
+            <a:r>
+              <a:rPr lang="es-CO" sz="2800" b="1" dirty="0"/>
+              <a:t>2</a:t>
+            </a:r>
+          </a:p>
+          <a:p>
+            <a:r>
+              <a:rPr lang="es-CO" sz="2800" b="1" dirty="0" smtClean="0"/>
+              <a:t> </a:t>
+            </a:r>
+            <a:endParaRPr lang="es-CO" sz="2800" dirty="0"/>
+          </a:p>
+        </p:txBody>
+      </p:sp>
+    </p:spTree>
+    <p:extLst>
+      <p:ext uri="{BB962C8B-B14F-4D97-AF65-F5344CB8AC3E}">
+        <p14:creationId xmlns:p14="http://schemas.microsoft.com/office/powerpoint/2010/main" val="2000501150"/>
+      </p:ext>
+    </p:extLst>
+  </p:cSld>
+  <p:clrMapOvr>
+    <a:masterClrMapping/>
+  </p:clrMapOvr>
+</p:sld>
+</file>
+
+<file path=ppt/slides/slide3.xml><?xml version="1.0" encoding="utf-8"?>
+<p:sld xmlns:a="http://schemas.openxmlformats.org/drawingml/2006/main" xmlns:r="http://schemas.openxmlformats.org/officeDocument/2006/relationships" xmlns:p="http://schemas.openxmlformats.org/presentationml/2006/main">
+  <p:cSld>
+    <p:spTree>
+      <p:nvGrpSpPr>
+        <p:cNvPr id="1" name=""/>
+        <p:cNvGrpSpPr/>
+        <p:nvPr/>
+      </p:nvGrpSpPr>
+      <p:grpSpPr>
+        <a:xfrm>
+          <a:off x="0" y="0"/>
+          <a:ext cx="0" cy="0"/>
+          <a:chOff x="0" y="0"/>
+          <a:chExt cx="0" cy="0"/>
+        </a:xfrm>
+      </p:grpSpPr>
+      <p:sp>
+        <p:nvSpPr>
+          <p:cNvPr id="2" name="Título 1"/>
+          <p:cNvSpPr>
+            <a:spLocks noGrp="1"/>
+          </p:cNvSpPr>
+          <p:nvPr>
+            <p:ph type="title"/>
+          </p:nvPr>
+        </p:nvSpPr>
+        <p:spPr>
+          <a:xfrm>
+            <a:off x="2497540" y="1185514"/>
+            <a:ext cx="9321420" cy="358206"/>
+          </a:xfrm>
+        </p:spPr>
+        <p:txBody>
+          <a:bodyPr>
+            <a:normAutofit fontScale="90000"/>
+          </a:bodyPr>
+          <a:lstStyle/>
+          <a:p>
+            <a:r>
+              <a:rPr lang="es-ES" dirty="0"/>
+              <a:t>#hallar el </a:t>
+            </a:r>
+            <a:r>
+              <a:rPr lang="es-ES" dirty="0" smtClean="0"/>
+              <a:t>área</a:t>
+            </a:r>
+            <a:r>
+              <a:rPr lang="es-ES" dirty="0"/>
+              <a:t> y el </a:t>
+            </a:r>
+            <a:r>
+              <a:rPr lang="es-ES" dirty="0" smtClean="0"/>
+              <a:t>perímetro</a:t>
+            </a:r>
+            <a:r>
+              <a:rPr lang="es-ES" dirty="0"/>
+              <a:t> de un triangulo</a:t>
+            </a:r>
+            <a:br>
+              <a:rPr lang="es-ES" dirty="0"/>
+            </a:br>
+            <a:r>
+              <a:rPr lang="es-ES" dirty="0" smtClean="0"/>
+              <a:t>1. COMPRENDER EL PROBLEMA</a:t>
+            </a:r>
+            <a:endParaRPr lang="es-CO" dirty="0"/>
+          </a:p>
+        </p:txBody>
+      </p:sp>
+      <p:sp>
+        <p:nvSpPr>
+          <p:cNvPr id="4" name="CuadroTexto 3"/>
+          <p:cNvSpPr txBox="1"/>
+          <p:nvPr/>
+        </p:nvSpPr>
+        <p:spPr>
+          <a:xfrm>
+            <a:off x="2866030" y="0"/>
+            <a:ext cx="6837528" cy="830997"/>
+          </a:xfrm>
+          <a:prstGeom prst="rect">
+            <a:avLst/>
+          </a:prstGeom>
+          <a:noFill/>
+        </p:spPr>
+        <p:txBody>
+          <a:bodyPr wrap="square" rtlCol="0">
+            <a:spAutoFit/>
+          </a:bodyPr>
+          <a:lstStyle/>
+          <a:p>
+            <a:pPr algn="ctr"/>
+            <a:r>
+              <a:rPr lang="es-CO" sz="2400" dirty="0" smtClean="0">
+                <a:solidFill>
+                  <a:schemeClr val="bg1"/>
+                </a:solidFill>
+              </a:rPr>
+              <a:t>PLANTAMIENTO DEL PROBLEMA</a:t>
+            </a:r>
+          </a:p>
+          <a:p>
+            <a:pPr algn="ctr"/>
+            <a:r>
+              <a:rPr lang="es-CO" sz="2400" dirty="0" smtClean="0">
+                <a:solidFill>
+                  <a:schemeClr val="bg1"/>
+                </a:solidFill>
+              </a:rPr>
+              <a:t>QUE REQUIERE EL CLIENTE</a:t>
+            </a:r>
+            <a:endParaRPr lang="es-CO" sz="2400" dirty="0">
+              <a:solidFill>
+                <a:schemeClr val="bg1"/>
+              </a:solidFill>
+            </a:endParaRPr>
+          </a:p>
+        </p:txBody>
+      </p:sp>
+      <p:sp>
+        <p:nvSpPr>
+          <p:cNvPr id="6" name="CuadroTexto 5"/>
+          <p:cNvSpPr txBox="1"/>
+          <p:nvPr/>
+        </p:nvSpPr>
+        <p:spPr>
+          <a:xfrm>
+            <a:off x="196755" y="1785251"/>
+            <a:ext cx="1649811" cy="461665"/>
+          </a:xfrm>
+          <a:prstGeom prst="rect">
+            <a:avLst/>
+          </a:prstGeom>
+          <a:noFill/>
+        </p:spPr>
+        <p:txBody>
+          <a:bodyPr wrap="none" rtlCol="0">
+            <a:spAutoFit/>
+          </a:bodyPr>
+          <a:lstStyle/>
+          <a:p>
+            <a:r>
+              <a:rPr lang="es-CO" sz="2400" b="1" dirty="0" smtClean="0"/>
+              <a:t>2. ANALISIS</a:t>
+            </a:r>
+            <a:endParaRPr lang="es-CO" sz="2400" b="1" dirty="0"/>
+          </a:p>
+        </p:txBody>
+      </p:sp>
+      <p:sp>
+        <p:nvSpPr>
+          <p:cNvPr id="9" name="CuadroTexto 8"/>
+          <p:cNvSpPr txBox="1"/>
+          <p:nvPr/>
+        </p:nvSpPr>
+        <p:spPr>
+          <a:xfrm>
+            <a:off x="196755" y="2529341"/>
+            <a:ext cx="3544688" cy="461665"/>
+          </a:xfrm>
+          <a:prstGeom prst="rect">
+            <a:avLst/>
+          </a:prstGeom>
+          <a:noFill/>
+        </p:spPr>
+        <p:txBody>
+          <a:bodyPr wrap="none" rtlCol="0">
+            <a:spAutoFit/>
+          </a:bodyPr>
+          <a:lstStyle/>
+          <a:p>
+            <a:r>
+              <a:rPr lang="es-CO" sz="2400" b="1" dirty="0" smtClean="0">
+                <a:solidFill>
+                  <a:srgbClr val="7030A0"/>
+                </a:solidFill>
+              </a:rPr>
+              <a:t>3. PRUEBA DE ESCRITORIO</a:t>
+            </a:r>
+            <a:endParaRPr lang="es-CO" sz="2400" b="1" dirty="0">
+              <a:solidFill>
+                <a:srgbClr val="7030A0"/>
+              </a:solidFill>
+            </a:endParaRPr>
+          </a:p>
+        </p:txBody>
+      </p:sp>
+      <p:sp>
+        <p:nvSpPr>
+          <p:cNvPr id="11" name="CuadroTexto 10"/>
+          <p:cNvSpPr txBox="1"/>
+          <p:nvPr/>
+        </p:nvSpPr>
+        <p:spPr>
+          <a:xfrm>
+            <a:off x="196755" y="3273431"/>
+            <a:ext cx="11995245" cy="2308324"/>
+          </a:xfrm>
+          <a:prstGeom prst="rect">
+            <a:avLst/>
+          </a:prstGeom>
+          <a:noFill/>
+        </p:spPr>
+        <p:txBody>
+          <a:bodyPr wrap="square" rtlCol="0">
+            <a:spAutoFit/>
+          </a:bodyPr>
+          <a:lstStyle/>
+          <a:p>
+            <a:r>
+              <a:rPr lang="es-CO" sz="2400" b="1" dirty="0"/>
+              <a:t>base, altura, lado1, </a:t>
+            </a:r>
+            <a:r>
+              <a:rPr lang="es-CO" sz="2400" b="1" dirty="0" smtClean="0"/>
+              <a:t>lado2      </a:t>
+            </a:r>
+            <a:r>
+              <a:rPr lang="es-CO" sz="2400" b="1" dirty="0" err="1" smtClean="0"/>
+              <a:t>area</a:t>
+            </a:r>
+            <a:r>
+              <a:rPr lang="es-CO" sz="2400" b="1" dirty="0" smtClean="0"/>
+              <a:t>                           perímetro</a:t>
+            </a:r>
+          </a:p>
+          <a:p>
+            <a:r>
+              <a:rPr lang="es-CO" sz="2400" b="1" dirty="0" smtClean="0"/>
+              <a:t>10        20         30        30        </a:t>
+            </a:r>
+            <a:r>
+              <a:rPr lang="es-CO" sz="2400" b="1" dirty="0" err="1"/>
+              <a:t>area</a:t>
+            </a:r>
+            <a:r>
+              <a:rPr lang="es-CO" sz="2400" b="1" dirty="0"/>
+              <a:t> &lt;- </a:t>
+            </a:r>
+            <a:r>
+              <a:rPr lang="es-CO" sz="2400" b="1" dirty="0" smtClean="0"/>
+              <a:t>10* 20 / 2    </a:t>
+            </a:r>
+            <a:r>
+              <a:rPr lang="es-CO" sz="2400" b="1" dirty="0" err="1" smtClean="0"/>
+              <a:t>perimetro</a:t>
+            </a:r>
+            <a:r>
+              <a:rPr lang="es-CO" sz="2400" b="1" dirty="0" smtClean="0"/>
+              <a:t> </a:t>
+            </a:r>
+            <a:r>
+              <a:rPr lang="es-CO" sz="2400" b="1" dirty="0"/>
+              <a:t>&lt;- </a:t>
+            </a:r>
+            <a:r>
+              <a:rPr lang="es-CO" sz="2400" b="1" dirty="0" smtClean="0"/>
+              <a:t>10 + 30 + 30</a:t>
+            </a:r>
+          </a:p>
+          <a:p>
+            <a:r>
+              <a:rPr lang="es-CO" sz="2400" b="1" dirty="0" smtClean="0"/>
+              <a:t>                                                   </a:t>
+            </a:r>
+            <a:r>
+              <a:rPr lang="es-CO" sz="2400" b="1" dirty="0" err="1" smtClean="0"/>
+              <a:t>area</a:t>
+            </a:r>
+            <a:r>
+              <a:rPr lang="es-CO" sz="2400" b="1" dirty="0" smtClean="0"/>
+              <a:t> &lt;- 200/2            perímetro &lt;- 40 + 30</a:t>
+            </a:r>
+          </a:p>
+          <a:p>
+            <a:r>
+              <a:rPr lang="es-CO" sz="2400" b="1" dirty="0"/>
+              <a:t> </a:t>
+            </a:r>
+            <a:r>
+              <a:rPr lang="es-CO" sz="2400" b="1" dirty="0" smtClean="0"/>
+              <a:t>                                                  </a:t>
+            </a:r>
+            <a:r>
+              <a:rPr lang="es-CO" sz="2400" b="1" dirty="0" err="1" smtClean="0"/>
+              <a:t>area</a:t>
+            </a:r>
+            <a:r>
+              <a:rPr lang="es-CO" sz="2400" b="1" dirty="0" smtClean="0"/>
+              <a:t> &lt;- 100                perímetro &lt;- 70  </a:t>
+            </a:r>
+          </a:p>
+          <a:p>
+            <a:r>
+              <a:rPr lang="es-CO" sz="2400" b="1" dirty="0"/>
+              <a:t> </a:t>
+            </a:r>
+            <a:r>
+              <a:rPr lang="es-CO" sz="2400" b="1" dirty="0" smtClean="0"/>
+              <a:t>                                                          </a:t>
+            </a:r>
+            <a:r>
+              <a:rPr lang="es-CO" sz="2400" b="1" dirty="0" smtClean="0">
+                <a:solidFill>
+                  <a:srgbClr val="00B050"/>
+                </a:solidFill>
+              </a:rPr>
+              <a:t>OK                                   </a:t>
+            </a:r>
+            <a:r>
+              <a:rPr lang="es-CO" sz="2400" b="1" dirty="0" err="1" smtClean="0">
+                <a:solidFill>
+                  <a:srgbClr val="00B050"/>
+                </a:solidFill>
+              </a:rPr>
+              <a:t>OK</a:t>
+            </a:r>
+            <a:endParaRPr lang="es-CO" sz="2400" b="1" dirty="0">
+              <a:solidFill>
+                <a:srgbClr val="00B050"/>
+              </a:solidFill>
+            </a:endParaRPr>
+          </a:p>
+          <a:p>
+            <a:r>
+              <a:rPr lang="es-CO" sz="2400" b="1" dirty="0" smtClean="0"/>
+              <a:t> </a:t>
+            </a:r>
+            <a:endParaRPr lang="es-CO" sz="2400" dirty="0"/>
+          </a:p>
+        </p:txBody>
+      </p:sp>
+    </p:spTree>
+    <p:extLst>
+      <p:ext uri="{BB962C8B-B14F-4D97-AF65-F5344CB8AC3E}">
+        <p14:creationId xmlns:p14="http://schemas.microsoft.com/office/powerpoint/2010/main" val="189695663"/>
+      </p:ext>
+    </p:extLst>
+  </p:cSld>
+  <p:clrMapOvr>
+    <a:masterClrMapping/>
+  </p:clrMapOvr>
+  <p:timing>
+    <p:tnLst>
+      <p:par>
+        <p:cTn id="1" dur="indefinite" restart="never" nodeType="tmRoot"/>
+      </p:par>
+    </p:tnLst>
+  </p:timing>
+</p:sld>
+</file>
+
+<file path=ppt/slides/slide4.xml><?xml version="1.0" encoding="utf-8"?>
+<p:sld xmlns:a="http://schemas.openxmlformats.org/drawingml/2006/main" xmlns:r="http://schemas.openxmlformats.org/officeDocument/2006/relationships" xmlns:p="http://schemas.openxmlformats.org/presentationml/2006/main">
+  <p:cSld>
+    <p:spTree>
+      <p:nvGrpSpPr>
+        <p:cNvPr id="1" name=""/>
+        <p:cNvGrpSpPr/>
+        <p:nvPr/>
+      </p:nvGrpSpPr>
+      <p:grpSpPr>
+        <a:xfrm>
+          <a:off x="0" y="0"/>
+          <a:ext cx="0" cy="0"/>
+          <a:chOff x="0" y="0"/>
+          <a:chExt cx="0" cy="0"/>
+        </a:xfrm>
+      </p:grpSpPr>
+      <p:sp>
+        <p:nvSpPr>
           <p:cNvPr id="4" name="Título 1">
             <a:extLst>
               <a:ext uri="{FF2B5EF4-FFF2-40B4-BE49-F238E27FC236}">
-                <a16:creationId xmlns:a16="http://schemas.microsoft.com/office/drawing/2014/main" xmlns="" id="{1334CBD3-A99C-41E8-9883-E9DA6A3829FF}"/>
+                <a16:creationId xmlns="" xmlns:a16="http://schemas.microsoft.com/office/drawing/2014/main" id="{1334CBD3-A99C-41E8-9883-E9DA6A3829FF}"/>
               </a:ext>
             </a:extLst>
           </p:cNvPr>
@@ -31545,28 +33780,28 @@
                 <a:gridCol w="611822">
                   <a:extLst>
                     <a:ext uri="{9D8B030D-6E8A-4147-A177-3AD203B41FA5}">
-                      <a16:colId xmlns:a16="http://schemas.microsoft.com/office/drawing/2014/main" xmlns="" val="20000"/>
+                      <a16:colId xmlns="" xmlns:a16="http://schemas.microsoft.com/office/drawing/2014/main" val="20000"/>
                     </a:ext>
                   </a:extLst>
                 </a:gridCol>
                 <a:gridCol w="611822">
                   <a:extLst>
                     <a:ext uri="{9D8B030D-6E8A-4147-A177-3AD203B41FA5}">
-                      <a16:colId xmlns:a16="http://schemas.microsoft.com/office/drawing/2014/main" xmlns="" val="20001"/>
+                      <a16:colId xmlns="" xmlns:a16="http://schemas.microsoft.com/office/drawing/2014/main" val="20001"/>
                     </a:ext>
                   </a:extLst>
                 </a:gridCol>
                 <a:gridCol w="611822">
                   <a:extLst>
                     <a:ext uri="{9D8B030D-6E8A-4147-A177-3AD203B41FA5}">
-                      <a16:colId xmlns:a16="http://schemas.microsoft.com/office/drawing/2014/main" xmlns="" val="20002"/>
+                      <a16:colId xmlns="" xmlns:a16="http://schemas.microsoft.com/office/drawing/2014/main" val="20002"/>
                     </a:ext>
                   </a:extLst>
                 </a:gridCol>
                 <a:gridCol w="611822">
                   <a:extLst>
                     <a:ext uri="{9D8B030D-6E8A-4147-A177-3AD203B41FA5}">
-                      <a16:colId xmlns:a16="http://schemas.microsoft.com/office/drawing/2014/main" xmlns="" val="20003"/>
+                      <a16:colId xmlns="" xmlns:a16="http://schemas.microsoft.com/office/drawing/2014/main" val="20003"/>
                     </a:ext>
                   </a:extLst>
                 </a:gridCol>
@@ -31658,7 +33893,7 @@
                 </a:tc>
                 <a:extLst>
                   <a:ext uri="{0D108BD9-81ED-4DB2-BD59-A6C34878D82A}">
-                    <a16:rowId xmlns:a16="http://schemas.microsoft.com/office/drawing/2014/main" xmlns="" val="10000"/>
+                    <a16:rowId xmlns="" xmlns:a16="http://schemas.microsoft.com/office/drawing/2014/main" val="10000"/>
                   </a:ext>
                 </a:extLst>
               </a:tr>
@@ -31755,7 +33990,7 @@
                 </a:tc>
                 <a:extLst>
                   <a:ext uri="{0D108BD9-81ED-4DB2-BD59-A6C34878D82A}">
-                    <a16:rowId xmlns:a16="http://schemas.microsoft.com/office/drawing/2014/main" xmlns="" val="10001"/>
+                    <a16:rowId xmlns="" xmlns:a16="http://schemas.microsoft.com/office/drawing/2014/main" val="10001"/>
                   </a:ext>
                 </a:extLst>
               </a:tr>
@@ -31821,7 +34056,7 @@
                 </a:tc>
                 <a:extLst>
                   <a:ext uri="{0D108BD9-81ED-4DB2-BD59-A6C34878D82A}">
-                    <a16:rowId xmlns:a16="http://schemas.microsoft.com/office/drawing/2014/main" xmlns="" val="10002"/>
+                    <a16:rowId xmlns="" xmlns:a16="http://schemas.microsoft.com/office/drawing/2014/main" val="10002"/>
                   </a:ext>
                 </a:extLst>
               </a:tr>
@@ -31903,7 +34138,7 @@
                 </a:tc>
                 <a:extLst>
                   <a:ext uri="{0D108BD9-81ED-4DB2-BD59-A6C34878D82A}">
-                    <a16:rowId xmlns:a16="http://schemas.microsoft.com/office/drawing/2014/main" xmlns="" val="10003"/>
+                    <a16:rowId xmlns="" xmlns:a16="http://schemas.microsoft.com/office/drawing/2014/main" val="10003"/>
                   </a:ext>
                 </a:extLst>
               </a:tr>
@@ -31962,7 +34197,9 @@
           <a:prstGeom prst="rect">
             <a:avLst/>
           </a:prstGeom>
-          <a:noFill/>
+          <a:solidFill>
+            <a:srgbClr val="FFFF00"/>
+          </a:solidFill>
         </p:spPr>
         <p:txBody>
           <a:bodyPr wrap="none" rtlCol="0">
@@ -32070,7 +34307,7 @@
                 <a:gridCol w="2680648">
                   <a:extLst>
                     <a:ext uri="{9D8B030D-6E8A-4147-A177-3AD203B41FA5}">
-                      <a16:colId xmlns:a16="http://schemas.microsoft.com/office/drawing/2014/main" xmlns="" val="20000"/>
+                      <a16:colId xmlns="" xmlns:a16="http://schemas.microsoft.com/office/drawing/2014/main" val="20000"/>
                     </a:ext>
                   </a:extLst>
                 </a:gridCol>
@@ -32099,7 +34336,7 @@
                 </a:tc>
                 <a:extLst>
                   <a:ext uri="{0D108BD9-81ED-4DB2-BD59-A6C34878D82A}">
-                    <a16:rowId xmlns:a16="http://schemas.microsoft.com/office/drawing/2014/main" xmlns="" val="10000"/>
+                    <a16:rowId xmlns="" xmlns:a16="http://schemas.microsoft.com/office/drawing/2014/main" val="10000"/>
                   </a:ext>
                 </a:extLst>
               </a:tr>
@@ -32132,7 +34369,7 @@
                 </a:tc>
                 <a:extLst>
                   <a:ext uri="{0D108BD9-81ED-4DB2-BD59-A6C34878D82A}">
-                    <a16:rowId xmlns:a16="http://schemas.microsoft.com/office/drawing/2014/main" xmlns="" val="10001"/>
+                    <a16:rowId xmlns="" xmlns:a16="http://schemas.microsoft.com/office/drawing/2014/main" val="10001"/>
                   </a:ext>
                 </a:extLst>
               </a:tr>
@@ -32240,7 +34477,9 @@
           <a:prstGeom prst="rect">
             <a:avLst/>
           </a:prstGeom>
-          <a:noFill/>
+          <a:solidFill>
+            <a:srgbClr val="FFFF00"/>
+          </a:solidFill>
         </p:spPr>
         <p:txBody>
           <a:bodyPr wrap="square" rtlCol="0">
@@ -32275,7 +34514,9 @@
           <a:prstGeom prst="rect">
             <a:avLst/>
           </a:prstGeom>
-          <a:noFill/>
+          <a:solidFill>
+            <a:srgbClr val="FFFF00"/>
+          </a:solidFill>
         </p:spPr>
         <p:txBody>
           <a:bodyPr wrap="square" rtlCol="0">
@@ -32310,7 +34551,9 @@
           <a:prstGeom prst="rect">
             <a:avLst/>
           </a:prstGeom>
-          <a:noFill/>
+          <a:solidFill>
+            <a:srgbClr val="FFFF00"/>
+          </a:solidFill>
         </p:spPr>
         <p:txBody>
           <a:bodyPr wrap="square" rtlCol="0">
@@ -32683,7 +34926,9 @@
           <a:prstGeom prst="rect">
             <a:avLst/>
           </a:prstGeom>
-          <a:noFill/>
+          <a:solidFill>
+            <a:srgbClr val="FFFF00"/>
+          </a:solidFill>
         </p:spPr>
         <p:txBody>
           <a:bodyPr wrap="square" rtlCol="0">
@@ -32828,7 +35073,9 @@
           <a:prstGeom prst="rect">
             <a:avLst/>
           </a:prstGeom>
-          <a:noFill/>
+          <a:solidFill>
+            <a:srgbClr val="FFFF00"/>
+          </a:solidFill>
         </p:spPr>
         <p:txBody>
           <a:bodyPr wrap="square" rtlCol="0">
@@ -32960,7 +35207,9 @@
           <a:prstGeom prst="rect">
             <a:avLst/>
           </a:prstGeom>
-          <a:noFill/>
+          <a:solidFill>
+            <a:srgbClr val="FFFF00"/>
+          </a:solidFill>
         </p:spPr>
         <p:txBody>
           <a:bodyPr wrap="square" rtlCol="0">
@@ -32999,19 +35248,15 @@
                   <a:srgbClr val="FF0000"/>
                 </a:solidFill>
               </a:rPr>
-              <a:t>1.   </a:t>
-            </a:r>
-            <a:r>
-              <a:rPr lang="es-CO" b="1">
-                <a:solidFill>
-                  <a:srgbClr val="FF0000"/>
-                </a:solidFill>
-              </a:rPr>
-              <a:t>OR </a:t>
-            </a:r>
-            <a:r>
-              <a:rPr lang="es-CO"/>
-              <a:t>disyunción  </a:t>
+              <a:t>1.   OR </a:t>
+            </a:r>
+            <a:r>
+              <a:rPr lang="es-CO" dirty="0"/>
+              <a:t>disyunción </a:t>
+            </a:r>
+            <a:r>
+              <a:rPr lang="es-CO" dirty="0" smtClean="0"/>
+              <a:t>    </a:t>
             </a:r>
             <a:r>
               <a:rPr lang="es-CO" b="1" dirty="0">
@@ -33220,7 +35465,9 @@
           <a:prstGeom prst="rect">
             <a:avLst/>
           </a:prstGeom>
-          <a:noFill/>
+          <a:solidFill>
+            <a:srgbClr val="FFFF00"/>
+          </a:solidFill>
         </p:spPr>
         <p:txBody>
           <a:bodyPr wrap="none" rtlCol="0">
@@ -33273,7 +35520,9 @@
           <a:prstGeom prst="rect">
             <a:avLst/>
           </a:prstGeom>
-          <a:noFill/>
+          <a:solidFill>
+            <a:srgbClr val="FFFF00"/>
+          </a:solidFill>
         </p:spPr>
         <p:txBody>
           <a:bodyPr wrap="none" rtlCol="0">
@@ -33487,7 +35736,7 @@
           <p:cNvPr id="68" name="Imagen 67">
             <a:extLst>
               <a:ext uri="{FF2B5EF4-FFF2-40B4-BE49-F238E27FC236}">
-                <a16:creationId xmlns:a16="http://schemas.microsoft.com/office/drawing/2014/main" xmlns="" id="{66695C5A-80AE-4722-A748-C6714D173D5C}"/>
+                <a16:creationId xmlns="" xmlns:a16="http://schemas.microsoft.com/office/drawing/2014/main" id="{66695C5A-80AE-4722-A748-C6714D173D5C}"/>
               </a:ext>
             </a:extLst>
           </p:cNvPr>
@@ -33517,7 +35766,7 @@
           <p:cNvPr id="69" name="Imagen 68">
             <a:extLst>
               <a:ext uri="{FF2B5EF4-FFF2-40B4-BE49-F238E27FC236}">
-                <a16:creationId xmlns:a16="http://schemas.microsoft.com/office/drawing/2014/main" xmlns="" id="{1C0492D5-9EA5-41F9-9948-A484A221B6D8}"/>
+                <a16:creationId xmlns="" xmlns:a16="http://schemas.microsoft.com/office/drawing/2014/main" id="{1C0492D5-9EA5-41F9-9948-A484A221B6D8}"/>
               </a:ext>
             </a:extLst>
           </p:cNvPr>
@@ -33547,7 +35796,7 @@
           <p:cNvPr id="70" name="Imagen 69">
             <a:extLst>
               <a:ext uri="{FF2B5EF4-FFF2-40B4-BE49-F238E27FC236}">
-                <a16:creationId xmlns:a16="http://schemas.microsoft.com/office/drawing/2014/main" xmlns="" id="{B622C61F-CD69-43B2-A6E0-2F5EC167243D}"/>
+                <a16:creationId xmlns="" xmlns:a16="http://schemas.microsoft.com/office/drawing/2014/main" id="{B622C61F-CD69-43B2-A6E0-2F5EC167243D}"/>
               </a:ext>
             </a:extLst>
           </p:cNvPr>
@@ -33577,7 +35826,7 @@
           <p:cNvPr id="71" name="Imagen 70">
             <a:extLst>
               <a:ext uri="{FF2B5EF4-FFF2-40B4-BE49-F238E27FC236}">
-                <a16:creationId xmlns:a16="http://schemas.microsoft.com/office/drawing/2014/main" xmlns="" id="{7B6C8C6C-A713-40C7-A8C8-05A454E5EE56}"/>
+                <a16:creationId xmlns="" xmlns:a16="http://schemas.microsoft.com/office/drawing/2014/main" id="{7B6C8C6C-A713-40C7-A8C8-05A454E5EE56}"/>
               </a:ext>
             </a:extLst>
           </p:cNvPr>
@@ -33607,7 +35856,7 @@
           <p:cNvPr id="72" name="Imagen 71">
             <a:extLst>
               <a:ext uri="{FF2B5EF4-FFF2-40B4-BE49-F238E27FC236}">
-                <a16:creationId xmlns:a16="http://schemas.microsoft.com/office/drawing/2014/main" xmlns="" id="{EB576E89-B5D3-4105-9A80-2C5189BF3313}"/>
+                <a16:creationId xmlns="" xmlns:a16="http://schemas.microsoft.com/office/drawing/2014/main" id="{EB576E89-B5D3-4105-9A80-2C5189BF3313}"/>
               </a:ext>
             </a:extLst>
           </p:cNvPr>
@@ -33670,7 +35919,9 @@
           <a:prstGeom prst="rect">
             <a:avLst/>
           </a:prstGeom>
-          <a:noFill/>
+          <a:solidFill>
+            <a:srgbClr val="FFFF00"/>
+          </a:solidFill>
         </p:spPr>
         <p:txBody>
           <a:bodyPr wrap="none" rtlCol="0">
@@ -33708,7 +35959,9 @@
           <a:prstGeom prst="rect">
             <a:avLst/>
           </a:prstGeom>
-          <a:noFill/>
+          <a:solidFill>
+            <a:srgbClr val="FFFF00"/>
+          </a:solidFill>
         </p:spPr>
         <p:txBody>
           <a:bodyPr wrap="none" rtlCol="0">
@@ -33746,7 +35999,9 @@
           <a:prstGeom prst="rect">
             <a:avLst/>
           </a:prstGeom>
-          <a:noFill/>
+          <a:solidFill>
+            <a:srgbClr val="FFFF00"/>
+          </a:solidFill>
         </p:spPr>
         <p:txBody>
           <a:bodyPr wrap="none" rtlCol="0">
@@ -34855,13 +37110,13 @@
     </p:tnLst>
     <p:bldLst>
       <p:bldP spid="39" grpId="0"/>
-      <p:bldP spid="40" grpId="0"/>
+      <p:bldP spid="40" grpId="0" animBg="1"/>
       <p:bldP spid="41" grpId="0"/>
       <p:bldP spid="43" grpId="0" animBg="1"/>
       <p:bldP spid="44" grpId="0" animBg="1"/>
-      <p:bldP spid="45" grpId="0"/>
-      <p:bldP spid="46" grpId="0"/>
-      <p:bldP spid="47" grpId="0"/>
+      <p:bldP spid="45" grpId="0" animBg="1"/>
+      <p:bldP spid="46" grpId="0" animBg="1"/>
+      <p:bldP spid="47" grpId="0" animBg="1"/>
       <p:bldP spid="48" grpId="0" animBg="1"/>
       <p:bldP spid="49" grpId="0" animBg="1"/>
       <p:bldP spid="50" grpId="0"/>
@@ -34871,14 +37126,14 @@
       <p:bldP spid="54" grpId="0"/>
       <p:bldP spid="55" grpId="0"/>
       <p:bldP spid="56" grpId="0"/>
-      <p:bldP spid="57" grpId="0"/>
-      <p:bldP spid="58" grpId="0"/>
-      <p:bldP spid="59" grpId="0"/>
+      <p:bldP spid="57" grpId="0" animBg="1"/>
+      <p:bldP spid="58" grpId="0" animBg="1"/>
+      <p:bldP spid="59" grpId="0" animBg="1"/>
       <p:bldP spid="60" grpId="0" animBg="1"/>
       <p:bldP spid="61" grpId="0" animBg="1"/>
       <p:bldP spid="62" grpId="0" animBg="1"/>
-      <p:bldP spid="63" grpId="0"/>
-      <p:bldP spid="64" grpId="0"/>
+      <p:bldP spid="63" grpId="0" animBg="1"/>
+      <p:bldP spid="64" grpId="0" animBg="1"/>
       <p:bldP spid="65" grpId="0" animBg="1"/>
       <p:bldP spid="66" grpId="0" animBg="1"/>
       <p:bldP spid="67" grpId="0" animBg="1"/>
@@ -34887,7 +37142,7 @@
 </p:sld>
 </file>
 
-<file path=ppt/slides/slide3.xml><?xml version="1.0" encoding="utf-8"?>
+<file path=ppt/slides/slide5.xml><?xml version="1.0" encoding="utf-8"?>
 <p:sld xmlns:a="http://schemas.openxmlformats.org/drawingml/2006/main" xmlns:r="http://schemas.openxmlformats.org/officeDocument/2006/relationships" xmlns:p="http://schemas.openxmlformats.org/presentationml/2006/main">
   <p:cSld>
     <p:spTree>
@@ -34909,7 +37164,7 @@
           <p:cNvPr id="4" name="Título 1">
             <a:extLst>
               <a:ext uri="{FF2B5EF4-FFF2-40B4-BE49-F238E27FC236}">
-                <a16:creationId xmlns:a16="http://schemas.microsoft.com/office/drawing/2014/main" xmlns="" id="{1334CBD3-A99C-41E8-9883-E9DA6A3829FF}"/>
+                <a16:creationId xmlns="" xmlns:a16="http://schemas.microsoft.com/office/drawing/2014/main" id="{1334CBD3-A99C-41E8-9883-E9DA6A3829FF}"/>
               </a:ext>
             </a:extLst>
           </p:cNvPr>
@@ -35431,7 +37686,7 @@
 </p:sld>
 </file>
 
-<file path=ppt/slides/slide4.xml><?xml version="1.0" encoding="utf-8"?>
+<file path=ppt/slides/slide6.xml><?xml version="1.0" encoding="utf-8"?>
 <p:sld xmlns:a="http://schemas.openxmlformats.org/drawingml/2006/main" xmlns:r="http://schemas.openxmlformats.org/officeDocument/2006/relationships" xmlns:p="http://schemas.openxmlformats.org/presentationml/2006/main">
   <p:cSld>
     <p:spTree>
@@ -35496,7 +37751,7 @@
           <p:cNvPr id="4" name="Título 1">
             <a:extLst>
               <a:ext uri="{FF2B5EF4-FFF2-40B4-BE49-F238E27FC236}">
-                <a16:creationId xmlns:a16="http://schemas.microsoft.com/office/drawing/2014/main" xmlns="" id="{1334CBD3-A99C-41E8-9883-E9DA6A3829FF}"/>
+                <a16:creationId xmlns="" xmlns:a16="http://schemas.microsoft.com/office/drawing/2014/main" id="{1334CBD3-A99C-41E8-9883-E9DA6A3829FF}"/>
               </a:ext>
             </a:extLst>
           </p:cNvPr>
@@ -36535,7 +38790,7 @@
 </p:sld>
 </file>
 
-<file path=ppt/slides/slide5.xml><?xml version="1.0" encoding="utf-8"?>
+<file path=ppt/slides/slide7.xml><?xml version="1.0" encoding="utf-8"?>
 <p:sld xmlns:a="http://schemas.openxmlformats.org/drawingml/2006/main" xmlns:r="http://schemas.openxmlformats.org/officeDocument/2006/relationships" xmlns:p="http://schemas.openxmlformats.org/presentationml/2006/main">
   <p:cSld>
     <p:spTree>
@@ -36557,7 +38812,7 @@
           <p:cNvPr id="3" name="Título 1">
             <a:extLst>
               <a:ext uri="{FF2B5EF4-FFF2-40B4-BE49-F238E27FC236}">
-                <a16:creationId xmlns:a16="http://schemas.microsoft.com/office/drawing/2014/main" xmlns="" id="{C74FDE85-A811-49B8-BCA5-144B3BF9178F}"/>
+                <a16:creationId xmlns="" xmlns:a16="http://schemas.microsoft.com/office/drawing/2014/main" id="{C74FDE85-A811-49B8-BCA5-144B3BF9178F}"/>
               </a:ext>
             </a:extLst>
           </p:cNvPr>
@@ -36622,7 +38877,7 @@
           <p:cNvPr id="12" name="Imagen 11">
             <a:extLst>
               <a:ext uri="{FF2B5EF4-FFF2-40B4-BE49-F238E27FC236}">
-                <a16:creationId xmlns:a16="http://schemas.microsoft.com/office/drawing/2014/main" xmlns="" id="{0633DF26-E03C-49B7-8009-B152436760EA}"/>
+                <a16:creationId xmlns="" xmlns:a16="http://schemas.microsoft.com/office/drawing/2014/main" id="{0633DF26-E03C-49B7-8009-B152436760EA}"/>
               </a:ext>
             </a:extLst>
           </p:cNvPr>
@@ -36719,7 +38974,7 @@
         </p:nvGraphicFramePr>
         <p:xfrm>
           <a:off x="0" y="1782242"/>
-          <a:ext cx="12192000" cy="4821174"/>
+          <a:ext cx="12192000" cy="4839716"/>
         </p:xfrm>
         <a:graphic>
           <a:graphicData uri="http://schemas.openxmlformats.org/drawingml/2006/table">
@@ -37164,7 +39419,7 @@
 </p:sld>
 </file>
 
-<file path=ppt/slides/slide6.xml><?xml version="1.0" encoding="utf-8"?>
+<file path=ppt/slides/slide8.xml><?xml version="1.0" encoding="utf-8"?>
 <p:sld xmlns:a="http://schemas.openxmlformats.org/drawingml/2006/main" xmlns:r="http://schemas.openxmlformats.org/officeDocument/2006/relationships" xmlns:p="http://schemas.openxmlformats.org/presentationml/2006/main">
   <p:cSld>
     <p:spTree>
@@ -37186,7 +39441,7 @@
           <p:cNvPr id="3" name="Título 1">
             <a:extLst>
               <a:ext uri="{FF2B5EF4-FFF2-40B4-BE49-F238E27FC236}">
-                <a16:creationId xmlns:a16="http://schemas.microsoft.com/office/drawing/2014/main" xmlns="" id="{C74FDE85-A811-49B8-BCA5-144B3BF9178F}"/>
+                <a16:creationId xmlns="" xmlns:a16="http://schemas.microsoft.com/office/drawing/2014/main" id="{C74FDE85-A811-49B8-BCA5-144B3BF9178F}"/>
               </a:ext>
             </a:extLst>
           </p:cNvPr>
@@ -37251,7 +39506,7 @@
           <p:cNvPr id="12" name="Imagen 11">
             <a:extLst>
               <a:ext uri="{FF2B5EF4-FFF2-40B4-BE49-F238E27FC236}">
-                <a16:creationId xmlns:a16="http://schemas.microsoft.com/office/drawing/2014/main" xmlns="" id="{0633DF26-E03C-49B7-8009-B152436760EA}"/>
+                <a16:creationId xmlns="" xmlns:a16="http://schemas.microsoft.com/office/drawing/2014/main" id="{0633DF26-E03C-49B7-8009-B152436760EA}"/>
               </a:ext>
             </a:extLst>
           </p:cNvPr>
@@ -37817,7 +40072,7 @@
 </p:sld>
 </file>
 
-<file path=ppt/slides/slide7.xml><?xml version="1.0" encoding="utf-8"?>
+<file path=ppt/slides/slide9.xml><?xml version="1.0" encoding="utf-8"?>
 <p:sld xmlns:a="http://schemas.openxmlformats.org/drawingml/2006/main" xmlns:r="http://schemas.openxmlformats.org/officeDocument/2006/relationships" xmlns:p="http://schemas.openxmlformats.org/presentationml/2006/main">
   <p:cSld>
     <p:spTree>
@@ -37839,7 +40094,7 @@
           <p:cNvPr id="3" name="Título 1">
             <a:extLst>
               <a:ext uri="{FF2B5EF4-FFF2-40B4-BE49-F238E27FC236}">
-                <a16:creationId xmlns:a16="http://schemas.microsoft.com/office/drawing/2014/main" xmlns="" id="{C74FDE85-A811-49B8-BCA5-144B3BF9178F}"/>
+                <a16:creationId xmlns="" xmlns:a16="http://schemas.microsoft.com/office/drawing/2014/main" id="{C74FDE85-A811-49B8-BCA5-144B3BF9178F}"/>
               </a:ext>
             </a:extLst>
           </p:cNvPr>
@@ -37905,7 +40160,7 @@
           <p:cNvPr id="12" name="Imagen 11">
             <a:extLst>
               <a:ext uri="{FF2B5EF4-FFF2-40B4-BE49-F238E27FC236}">
-                <a16:creationId xmlns:a16="http://schemas.microsoft.com/office/drawing/2014/main" xmlns="" id="{0633DF26-E03C-49B7-8009-B152436760EA}"/>
+                <a16:creationId xmlns="" xmlns:a16="http://schemas.microsoft.com/office/drawing/2014/main" id="{0633DF26-E03C-49B7-8009-B152436760EA}"/>
               </a:ext>
             </a:extLst>
           </p:cNvPr>
@@ -38263,1484 +40518,6 @@
     <p:extLst>
       <p:ext uri="{BB962C8B-B14F-4D97-AF65-F5344CB8AC3E}">
         <p14:creationId xmlns:p14="http://schemas.microsoft.com/office/powerpoint/2010/main" val="4272661536"/>
-      </p:ext>
-    </p:extLst>
-  </p:cSld>
-  <p:clrMapOvr>
-    <a:masterClrMapping/>
-  </p:clrMapOvr>
-  <p:timing>
-    <p:tnLst>
-      <p:par>
-        <p:cTn id="1" dur="indefinite" restart="never" nodeType="tmRoot"/>
-      </p:par>
-    </p:tnLst>
-  </p:timing>
-</p:sld>
-</file>
-
-<file path=ppt/slides/slide8.xml><?xml version="1.0" encoding="utf-8"?>
-<p:sld xmlns:a="http://schemas.openxmlformats.org/drawingml/2006/main" xmlns:r="http://schemas.openxmlformats.org/officeDocument/2006/relationships" xmlns:p="http://schemas.openxmlformats.org/presentationml/2006/main">
-  <p:cSld>
-    <p:spTree>
-      <p:nvGrpSpPr>
-        <p:cNvPr id="1" name=""/>
-        <p:cNvGrpSpPr/>
-        <p:nvPr/>
-      </p:nvGrpSpPr>
-      <p:grpSpPr>
-        <a:xfrm>
-          <a:off x="0" y="0"/>
-          <a:ext cx="0" cy="0"/>
-          <a:chOff x="0" y="0"/>
-          <a:chExt cx="0" cy="0"/>
-        </a:xfrm>
-      </p:grpSpPr>
-      <p:sp>
-        <p:nvSpPr>
-          <p:cNvPr id="3" name="Título 1">
-            <a:extLst>
-              <a:ext uri="{FF2B5EF4-FFF2-40B4-BE49-F238E27FC236}">
-                <a16:creationId xmlns:a16="http://schemas.microsoft.com/office/drawing/2014/main" xmlns="" id="{C74FDE85-A811-49B8-BCA5-144B3BF9178F}"/>
-              </a:ext>
-            </a:extLst>
-          </p:cNvPr>
-          <p:cNvSpPr txBox="1">
-            <a:spLocks/>
-          </p:cNvSpPr>
-          <p:nvPr/>
-        </p:nvSpPr>
-        <p:spPr>
-          <a:xfrm>
-            <a:off x="3453716" y="0"/>
-            <a:ext cx="5462726" cy="674703"/>
-          </a:xfrm>
-          <a:prstGeom prst="rect">
-            <a:avLst/>
-          </a:prstGeom>
-        </p:spPr>
-        <p:txBody>
-          <a:bodyPr vert="horz" lIns="91440" tIns="45720" rIns="91440" bIns="45720" rtlCol="0" anchor="ctr">
-            <a:normAutofit fontScale="60000" lnSpcReduction="20000"/>
-          </a:bodyPr>
-          <a:lstStyle>
-            <a:lvl1pPr algn="l" defTabSz="914400" rtl="0" eaLnBrk="1" latinLnBrk="0" hangingPunct="1">
-              <a:lnSpc>
-                <a:spcPct val="90000"/>
-              </a:lnSpc>
-              <a:spcBef>
-                <a:spcPct val="0"/>
-              </a:spcBef>
-              <a:buNone/>
-              <a:defRPr sz="4400" kern="1200">
-                <a:solidFill>
-                  <a:schemeClr val="tx1"/>
-                </a:solidFill>
-                <a:latin typeface="+mj-lt"/>
-                <a:ea typeface="+mj-ea"/>
-                <a:cs typeface="+mj-cs"/>
-              </a:defRPr>
-            </a:lvl1pPr>
-          </a:lstStyle>
-          <a:p>
-            <a:r>
-              <a:rPr lang="es-CO" b="1" dirty="0" smtClean="0">
-                <a:solidFill>
-                  <a:schemeClr val="bg1"/>
-                </a:solidFill>
-                <a:latin typeface="Calabri"/>
-              </a:rPr>
-              <a:t>VARIABLES – TIPO DATO - DATO</a:t>
-            </a:r>
-            <a:endParaRPr lang="es-CO" b="1" dirty="0">
-              <a:solidFill>
-                <a:schemeClr val="bg1"/>
-              </a:solidFill>
-              <a:latin typeface="Calabri"/>
-            </a:endParaRPr>
-          </a:p>
-        </p:txBody>
-      </p:sp>
-      <p:pic>
-        <p:nvPicPr>
-          <p:cNvPr id="12" name="Imagen 11">
-            <a:extLst>
-              <a:ext uri="{FF2B5EF4-FFF2-40B4-BE49-F238E27FC236}">
-                <a16:creationId xmlns:a16="http://schemas.microsoft.com/office/drawing/2014/main" xmlns="" id="{0633DF26-E03C-49B7-8009-B152436760EA}"/>
-              </a:ext>
-            </a:extLst>
-          </p:cNvPr>
-          <p:cNvPicPr>
-            <a:picLocks noChangeAspect="1"/>
-          </p:cNvPicPr>
-          <p:nvPr/>
-        </p:nvPicPr>
-        <p:blipFill>
-          <a:blip r:embed="rId2">
-            <a:extLst>
-              <a:ext uri="{28A0092B-C50C-407E-A947-70E740481C1C}">
-                <a14:useLocalDpi xmlns:a14="http://schemas.microsoft.com/office/drawing/2010/main" val="0"/>
-              </a:ext>
-            </a:extLst>
-          </a:blip>
-          <a:stretch>
-            <a:fillRect/>
-          </a:stretch>
-        </p:blipFill>
-        <p:spPr>
-          <a:xfrm>
-            <a:off x="8780565" y="5089159"/>
-            <a:ext cx="1226795" cy="807431"/>
-          </a:xfrm>
-          <a:prstGeom prst="rect">
-            <a:avLst/>
-          </a:prstGeom>
-        </p:spPr>
-      </p:pic>
-      <p:sp>
-        <p:nvSpPr>
-          <p:cNvPr id="2" name="CuadroTexto 1"/>
-          <p:cNvSpPr txBox="1"/>
-          <p:nvPr/>
-        </p:nvSpPr>
-        <p:spPr>
-          <a:xfrm>
-            <a:off x="1081826" y="3889420"/>
-            <a:ext cx="171136" cy="523220"/>
-          </a:xfrm>
-          <a:prstGeom prst="rect">
-            <a:avLst/>
-          </a:prstGeom>
-          <a:noFill/>
-        </p:spPr>
-        <p:txBody>
-          <a:bodyPr wrap="square" rtlCol="0">
-            <a:spAutoFit/>
-          </a:bodyPr>
-          <a:lstStyle/>
-          <a:p>
-            <a:endParaRPr lang="es-CO" sz="2800" dirty="0"/>
-          </a:p>
-        </p:txBody>
-      </p:sp>
-      <p:sp>
-        <p:nvSpPr>
-          <p:cNvPr id="4" name="Rectangle 1"/>
-          <p:cNvSpPr>
-            <a:spLocks noChangeArrowheads="1"/>
-          </p:cNvSpPr>
-          <p:nvPr/>
-        </p:nvSpPr>
-        <p:spPr bwMode="auto">
-          <a:xfrm>
-            <a:off x="437881" y="1347093"/>
-            <a:ext cx="11294772" cy="2554545"/>
-          </a:xfrm>
-          <a:prstGeom prst="rect">
-            <a:avLst/>
-          </a:prstGeom>
-          <a:noFill/>
-          <a:ln>
-            <a:noFill/>
-          </a:ln>
-          <a:effectLst/>
-          <a:extLst>
-            <a:ext uri="{909E8E84-426E-40DD-AFC4-6F175D3DCCD1}">
-              <a14:hiddenFill xmlns:a14="http://schemas.microsoft.com/office/drawing/2010/main">
-                <a:solidFill>
-                  <a:schemeClr val="accent1"/>
-                </a:solidFill>
-              </a14:hiddenFill>
-            </a:ext>
-            <a:ext uri="{91240B29-F687-4F45-9708-019B960494DF}">
-              <a14:hiddenLine xmlns:a14="http://schemas.microsoft.com/office/drawing/2010/main" w="9525">
-                <a:solidFill>
-                  <a:schemeClr val="tx1"/>
-                </a:solidFill>
-                <a:miter lim="800000"/>
-                <a:headEnd/>
-                <a:tailEnd/>
-              </a14:hiddenLine>
-            </a:ext>
-            <a:ext uri="{AF507438-7753-43E0-B8FC-AC1667EBCBE1}">
-              <a14:hiddenEffects xmlns:a14="http://schemas.microsoft.com/office/drawing/2010/main">
-                <a:effectLst>
-                  <a:outerShdw dist="35921" dir="2700000" algn="ctr" rotWithShape="0">
-                    <a:schemeClr val="bg2"/>
-                  </a:outerShdw>
-                </a:effectLst>
-              </a14:hiddenEffects>
-            </a:ext>
-          </a:extLst>
-        </p:spPr>
-        <p:txBody>
-          <a:bodyPr vert="horz" wrap="square" lIns="91440" tIns="45720" rIns="91440" bIns="45720" numCol="1" anchor="ctr" anchorCtr="0" compatLnSpc="1">
-            <a:prstTxWarp prst="textNoShape">
-              <a:avLst/>
-            </a:prstTxWarp>
-            <a:spAutoFit/>
-          </a:bodyPr>
-          <a:lstStyle/>
-          <a:p>
-            <a:pPr marL="0" marR="0" lvl="0" indent="0" algn="l" defTabSz="914400" rtl="0" eaLnBrk="0" fontAlgn="base" latinLnBrk="0" hangingPunct="0">
-              <a:lnSpc>
-                <a:spcPct val="100000"/>
-              </a:lnSpc>
-              <a:spcBef>
-                <a:spcPct val="0"/>
-              </a:spcBef>
-              <a:spcAft>
-                <a:spcPct val="0"/>
-              </a:spcAft>
-              <a:buClrTx/>
-              <a:buSzTx/>
-              <a:buFontTx/>
-              <a:buNone/>
-              <a:tabLst/>
-            </a:pPr>
-            <a:endParaRPr kumimoji="0" lang="es-CO" altLang="es-CO" sz="2800" b="0" i="0" u="none" strike="noStrike" cap="none" normalizeH="0" baseline="0" dirty="0" smtClean="0">
-              <a:ln>
-                <a:noFill/>
-              </a:ln>
-              <a:solidFill>
-                <a:schemeClr val="tx1"/>
-              </a:solidFill>
-              <a:effectLst/>
-              <a:latin typeface="Arial" panose="020B0604020202020204" pitchFamily="34" charset="0"/>
-            </a:endParaRPr>
-          </a:p>
-          <a:p>
-            <a:r>
-              <a:rPr lang="es-ES" sz="2800" b="1" dirty="0" err="1">
-                <a:solidFill>
-                  <a:srgbClr val="002060"/>
-                </a:solidFill>
-              </a:rPr>
-              <a:t>def</a:t>
-            </a:r>
-            <a:r>
-              <a:rPr lang="es-ES" sz="2800" dirty="0">
-                <a:solidFill>
-                  <a:srgbClr val="002060"/>
-                </a:solidFill>
-              </a:rPr>
-              <a:t> </a:t>
-            </a:r>
-            <a:r>
-              <a:rPr lang="es-ES" sz="2400" b="1" dirty="0" err="1">
-                <a:solidFill>
-                  <a:srgbClr val="00B050"/>
-                </a:solidFill>
-              </a:rPr>
-              <a:t>setSaludar</a:t>
-            </a:r>
-            <a:r>
-              <a:rPr lang="es-ES" sz="2000" dirty="0"/>
-              <a:t>(nombre, mensaje='su Formador los saluda'): </a:t>
-            </a:r>
-          </a:p>
-          <a:p>
-            <a:r>
-              <a:rPr lang="es-ES" sz="2000" dirty="0" smtClean="0"/>
-              <a:t>          </a:t>
-            </a:r>
-            <a:r>
-              <a:rPr lang="es-ES" sz="2000" dirty="0" err="1" smtClean="0"/>
-              <a:t>print</a:t>
-            </a:r>
-            <a:r>
-              <a:rPr lang="es-ES" sz="2000" dirty="0" smtClean="0"/>
-              <a:t> </a:t>
-            </a:r>
-            <a:r>
-              <a:rPr lang="es-ES" sz="2000" dirty="0"/>
-              <a:t>(nombre, mensaje) </a:t>
-            </a:r>
-          </a:p>
-          <a:p>
-            <a:r>
-              <a:rPr lang="es-ES" sz="2000" dirty="0"/>
-              <a:t/>
-            </a:r>
-            <a:br>
-              <a:rPr lang="es-ES" sz="2000" dirty="0"/>
-            </a:br>
-            <a:r>
-              <a:rPr lang="es-ES" sz="2000" dirty="0"/>
-              <a:t>#llamado </a:t>
-            </a:r>
-            <a:r>
-              <a:rPr lang="es-ES" sz="2000" dirty="0" smtClean="0"/>
-              <a:t> </a:t>
-            </a:r>
-            <a:r>
-              <a:rPr lang="es-CO" sz="2000" b="1" dirty="0" smtClean="0"/>
-              <a:t>como </a:t>
-            </a:r>
-            <a:r>
-              <a:rPr lang="es-CO" sz="2000" b="1" dirty="0"/>
-              <a:t>parámetros</a:t>
-            </a:r>
-          </a:p>
-          <a:p>
-            <a:endParaRPr lang="es-ES" sz="2000" dirty="0"/>
-          </a:p>
-          <a:p>
-            <a:r>
-              <a:rPr lang="es-ES" sz="2400" b="1" dirty="0" err="1">
-                <a:solidFill>
-                  <a:srgbClr val="00B050"/>
-                </a:solidFill>
-              </a:rPr>
-              <a:t>setSaludar</a:t>
-            </a:r>
-            <a:r>
-              <a:rPr lang="es-ES" sz="2000" b="1" dirty="0" smtClean="0">
-                <a:solidFill>
-                  <a:srgbClr val="00B050"/>
-                </a:solidFill>
-              </a:rPr>
-              <a:t> </a:t>
-            </a:r>
-            <a:r>
-              <a:rPr lang="es-ES" sz="2000" dirty="0" smtClean="0"/>
-              <a:t>(</a:t>
-            </a:r>
-            <a:r>
-              <a:rPr lang="es-ES" sz="2000" dirty="0"/>
-              <a:t>'</a:t>
-            </a:r>
-            <a:r>
-              <a:rPr lang="es-ES" sz="2000" dirty="0" err="1"/>
-              <a:t>Jhon</a:t>
-            </a:r>
-            <a:r>
-              <a:rPr lang="es-ES" sz="2000" dirty="0"/>
-              <a:t> Jairo') </a:t>
-            </a:r>
-            <a:r>
-              <a:rPr lang="es-ES" sz="2000" dirty="0" smtClean="0"/>
-              <a:t>       # </a:t>
-            </a:r>
-            <a:r>
-              <a:rPr lang="es-ES" sz="2000" dirty="0"/>
-              <a:t>Imprime: </a:t>
-            </a:r>
-            <a:r>
-              <a:rPr lang="es-ES" sz="2000" dirty="0" err="1"/>
-              <a:t>Jhon</a:t>
-            </a:r>
-            <a:r>
-              <a:rPr lang="es-ES" sz="2000" dirty="0"/>
-              <a:t> Jairo su Formador los saluda</a:t>
-            </a:r>
-          </a:p>
-        </p:txBody>
-      </p:sp>
-      <p:sp>
-        <p:nvSpPr>
-          <p:cNvPr id="5" name="CuadroTexto 4"/>
-          <p:cNvSpPr txBox="1"/>
-          <p:nvPr/>
-        </p:nvSpPr>
-        <p:spPr>
-          <a:xfrm>
-            <a:off x="437881" y="3969380"/>
-            <a:ext cx="8502136" cy="3108543"/>
-          </a:xfrm>
-          <a:prstGeom prst="rect">
-            <a:avLst/>
-          </a:prstGeom>
-          <a:noFill/>
-        </p:spPr>
-        <p:txBody>
-          <a:bodyPr wrap="none" rtlCol="0">
-            <a:spAutoFit/>
-          </a:bodyPr>
-          <a:lstStyle/>
-          <a:p>
-            <a:r>
-              <a:rPr lang="es-ES" sz="2800" b="1" dirty="0" err="1">
-                <a:solidFill>
-                  <a:srgbClr val="002060"/>
-                </a:solidFill>
-              </a:rPr>
-              <a:t>def</a:t>
-            </a:r>
-            <a:r>
-              <a:rPr lang="es-ES" sz="2400" dirty="0"/>
-              <a:t> </a:t>
-            </a:r>
-            <a:r>
-              <a:rPr lang="es-ES" sz="2400" dirty="0" err="1"/>
-              <a:t>setSaludar</a:t>
-            </a:r>
-            <a:r>
-              <a:rPr lang="es-ES" sz="2400" dirty="0"/>
-              <a:t>(nombre, mensaje): </a:t>
-            </a:r>
-          </a:p>
-          <a:p>
-            <a:r>
-              <a:rPr lang="es-ES" sz="2400" dirty="0" smtClean="0"/>
-              <a:t>         </a:t>
-            </a:r>
-            <a:r>
-              <a:rPr lang="es-ES" sz="2400" dirty="0" err="1" smtClean="0"/>
-              <a:t>print</a:t>
-            </a:r>
-            <a:r>
-              <a:rPr lang="es-ES" sz="2400" dirty="0" smtClean="0"/>
-              <a:t> </a:t>
-            </a:r>
-            <a:r>
-              <a:rPr lang="es-ES" sz="2400" dirty="0"/>
-              <a:t>(nombre, mensaje) </a:t>
-            </a:r>
-          </a:p>
-          <a:p>
-            <a:r>
-              <a:rPr lang="es-ES" sz="2400" dirty="0"/>
-              <a:t/>
-            </a:r>
-            <a:br>
-              <a:rPr lang="es-ES" sz="2400" dirty="0"/>
-            </a:br>
-            <a:r>
-              <a:rPr lang="es-ES" sz="2400" dirty="0"/>
-              <a:t>#llamado </a:t>
-            </a:r>
-          </a:p>
-          <a:p>
-            <a:r>
-              <a:rPr lang="es-ES" sz="2000" b="1" dirty="0" err="1" smtClean="0">
-                <a:solidFill>
-                  <a:srgbClr val="00B050"/>
-                </a:solidFill>
-              </a:rPr>
-              <a:t>setSaludar</a:t>
-            </a:r>
-            <a:r>
-              <a:rPr lang="es-ES" sz="2000" b="1" dirty="0" smtClean="0">
-                <a:solidFill>
-                  <a:srgbClr val="00B050"/>
-                </a:solidFill>
-              </a:rPr>
-              <a:t> </a:t>
-            </a:r>
-            <a:r>
-              <a:rPr lang="es-ES" sz="2400" dirty="0"/>
-              <a:t>(mensaje='su Formador los saluda', nombre='</a:t>
-            </a:r>
-            <a:r>
-              <a:rPr lang="es-ES" sz="2400" dirty="0" err="1"/>
-              <a:t>Jhon</a:t>
-            </a:r>
-            <a:r>
-              <a:rPr lang="es-ES" sz="2400" dirty="0"/>
-              <a:t> Jairo') </a:t>
-            </a:r>
-            <a:endParaRPr lang="es-ES" sz="2400" dirty="0" smtClean="0"/>
-          </a:p>
-          <a:p>
-            <a:r>
-              <a:rPr lang="es-ES" sz="2400" dirty="0" smtClean="0"/>
-              <a:t># </a:t>
-            </a:r>
-            <a:r>
-              <a:rPr lang="es-ES" sz="2400" dirty="0"/>
-              <a:t>Imprime: </a:t>
-            </a:r>
-            <a:r>
-              <a:rPr lang="es-ES" sz="2400" dirty="0" err="1"/>
-              <a:t>Jhon</a:t>
-            </a:r>
-            <a:r>
-              <a:rPr lang="es-ES" sz="2400" dirty="0"/>
-              <a:t> Jairo su Formador los saluda</a:t>
-            </a:r>
-          </a:p>
-          <a:p>
-            <a:r>
-              <a:rPr lang="es-ES" sz="2400" dirty="0"/>
-              <a:t/>
-            </a:r>
-            <a:br>
-              <a:rPr lang="es-ES" sz="2400" dirty="0"/>
-            </a:br>
-            <a:endParaRPr lang="es-ES" sz="2400" dirty="0"/>
-          </a:p>
-        </p:txBody>
-      </p:sp>
-      <p:cxnSp>
-        <p:nvCxnSpPr>
-          <p:cNvPr id="9" name="Conector recto de flecha 8"/>
-          <p:cNvCxnSpPr/>
-          <p:nvPr/>
-        </p:nvCxnSpPr>
-        <p:spPr>
-          <a:xfrm flipH="1" flipV="1">
-            <a:off x="3087757" y="4412640"/>
-            <a:ext cx="3419060" cy="1080234"/>
-          </a:xfrm>
-          <a:prstGeom prst="straightConnector1">
-            <a:avLst/>
-          </a:prstGeom>
-          <a:ln w="38100">
-            <a:solidFill>
-              <a:srgbClr val="E71A65"/>
-            </a:solidFill>
-            <a:tailEnd type="triangle"/>
-          </a:ln>
-        </p:spPr>
-        <p:style>
-          <a:lnRef idx="1">
-            <a:schemeClr val="accent1"/>
-          </a:lnRef>
-          <a:fillRef idx="0">
-            <a:schemeClr val="accent1"/>
-          </a:fillRef>
-          <a:effectRef idx="0">
-            <a:schemeClr val="accent1"/>
-          </a:effectRef>
-          <a:fontRef idx="minor">
-            <a:schemeClr val="tx1"/>
-          </a:fontRef>
-        </p:style>
-      </p:cxnSp>
-      <p:cxnSp>
-        <p:nvCxnSpPr>
-          <p:cNvPr id="11" name="Conector recto de flecha 10"/>
-          <p:cNvCxnSpPr/>
-          <p:nvPr/>
-        </p:nvCxnSpPr>
-        <p:spPr>
-          <a:xfrm flipV="1">
-            <a:off x="2364087" y="4412640"/>
-            <a:ext cx="1810348" cy="1117261"/>
-          </a:xfrm>
-          <a:prstGeom prst="straightConnector1">
-            <a:avLst/>
-          </a:prstGeom>
-          <a:ln w="38100">
-            <a:solidFill>
-              <a:srgbClr val="E71A65"/>
-            </a:solidFill>
-            <a:tailEnd type="triangle"/>
-          </a:ln>
-        </p:spPr>
-        <p:style>
-          <a:lnRef idx="1">
-            <a:schemeClr val="accent1"/>
-          </a:lnRef>
-          <a:fillRef idx="0">
-            <a:schemeClr val="accent1"/>
-          </a:fillRef>
-          <a:effectRef idx="0">
-            <a:schemeClr val="accent1"/>
-          </a:effectRef>
-          <a:fontRef idx="minor">
-            <a:schemeClr val="tx1"/>
-          </a:fontRef>
-        </p:style>
-      </p:cxnSp>
-      <p:sp>
-        <p:nvSpPr>
-          <p:cNvPr id="13" name="CuadroTexto 12"/>
-          <p:cNvSpPr txBox="1"/>
-          <p:nvPr/>
-        </p:nvSpPr>
-        <p:spPr>
-          <a:xfrm>
-            <a:off x="2628969" y="674703"/>
-            <a:ext cx="9289774" cy="1569660"/>
-          </a:xfrm>
-          <a:prstGeom prst="rect">
-            <a:avLst/>
-          </a:prstGeom>
-          <a:noFill/>
-        </p:spPr>
-        <p:txBody>
-          <a:bodyPr wrap="square" rtlCol="0">
-            <a:spAutoFit/>
-          </a:bodyPr>
-          <a:lstStyle/>
-          <a:p>
-            <a:pPr lvl="0" eaLnBrk="0" fontAlgn="base" hangingPunct="0">
-              <a:spcBef>
-                <a:spcPct val="0"/>
-              </a:spcBef>
-              <a:spcAft>
-                <a:spcPct val="0"/>
-              </a:spcAft>
-            </a:pPr>
-            <a:r>
-              <a:rPr lang="es-CO" altLang="es-CO" sz="2400" b="1" dirty="0">
-                <a:solidFill>
-                  <a:srgbClr val="FF0000"/>
-                </a:solidFill>
-                <a:latin typeface="Arial" panose="020B0604020202020204" pitchFamily="34" charset="0"/>
-              </a:rPr>
-              <a:t>Parámetros por </a:t>
-            </a:r>
-            <a:r>
-              <a:rPr lang="es-CO" altLang="es-CO" sz="2400" b="1" dirty="0" smtClean="0">
-                <a:solidFill>
-                  <a:srgbClr val="FF0000"/>
-                </a:solidFill>
-                <a:latin typeface="Arial" panose="020B0604020202020204" pitchFamily="34" charset="0"/>
-              </a:rPr>
-              <a:t>omisión</a:t>
-            </a:r>
-            <a:endParaRPr lang="es-CO" altLang="es-CO" sz="2400" b="1" dirty="0">
-              <a:solidFill>
-                <a:srgbClr val="FF0000"/>
-              </a:solidFill>
-              <a:latin typeface="Arial" panose="020B0604020202020204" pitchFamily="34" charset="0"/>
-            </a:endParaRPr>
-          </a:p>
-          <a:p>
-            <a:pPr lvl="0" eaLnBrk="0" fontAlgn="base" hangingPunct="0">
-              <a:spcBef>
-                <a:spcPct val="0"/>
-              </a:spcBef>
-              <a:spcAft>
-                <a:spcPct val="0"/>
-              </a:spcAft>
-            </a:pPr>
-            <a:r>
-              <a:rPr lang="es-CO" altLang="es-CO" dirty="0">
-                <a:latin typeface="Arial" panose="020B0604020202020204" pitchFamily="34" charset="0"/>
-              </a:rPr>
-              <a:t>En Python, también es posible, asignar valores por defecto a los parámetros de </a:t>
-            </a:r>
-            <a:r>
-              <a:rPr lang="es-CO" altLang="es-CO" dirty="0" err="1">
-                <a:latin typeface="Arial" panose="020B0604020202020204" pitchFamily="34" charset="0"/>
-              </a:rPr>
-              <a:t>l</a:t>
-            </a:r>
-            <a:r>
-              <a:rPr lang="es-CO" altLang="es-CO" dirty="0" err="1">
-                <a:latin typeface="Arial Unicode MS" panose="020B0604020202020204" pitchFamily="34" charset="-128"/>
-              </a:rPr>
-              <a:t>'</a:t>
-            </a:r>
-            <a:r>
-              <a:rPr lang="es-CO" altLang="es-CO" dirty="0" err="1">
-                <a:latin typeface="Arial" panose="020B0604020202020204" pitchFamily="34" charset="0"/>
-              </a:rPr>
-              <a:t>as</a:t>
-            </a:r>
-            <a:r>
-              <a:rPr lang="es-CO" altLang="es-CO" dirty="0">
-                <a:latin typeface="Arial" panose="020B0604020202020204" pitchFamily="34" charset="0"/>
-              </a:rPr>
-              <a:t> funciones. Esto significa, que la función podrá ser llamada con menos argumentos de los que espera:</a:t>
-            </a:r>
-          </a:p>
-          <a:p>
-            <a:endParaRPr lang="es-CO" dirty="0"/>
-          </a:p>
-        </p:txBody>
-      </p:sp>
-      <p:sp>
-        <p:nvSpPr>
-          <p:cNvPr id="14" name="Rectángulo redondeado 13"/>
-          <p:cNvSpPr/>
-          <p:nvPr/>
-        </p:nvSpPr>
-        <p:spPr>
-          <a:xfrm>
-            <a:off x="251791" y="1921565"/>
-            <a:ext cx="8865705" cy="1927638"/>
-          </a:xfrm>
-          <a:prstGeom prst="roundRect">
-            <a:avLst/>
-          </a:prstGeom>
-          <a:noFill/>
-          <a:ln w="28575">
-            <a:solidFill>
-              <a:srgbClr val="FF0000"/>
-            </a:solidFill>
-          </a:ln>
-        </p:spPr>
-        <p:style>
-          <a:lnRef idx="2">
-            <a:schemeClr val="accent1">
-              <a:shade val="50000"/>
-            </a:schemeClr>
-          </a:lnRef>
-          <a:fillRef idx="1">
-            <a:schemeClr val="accent1"/>
-          </a:fillRef>
-          <a:effectRef idx="0">
-            <a:schemeClr val="accent1"/>
-          </a:effectRef>
-          <a:fontRef idx="minor">
-            <a:schemeClr val="lt1"/>
-          </a:fontRef>
-        </p:style>
-        <p:txBody>
-          <a:bodyPr rtlCol="0" anchor="ctr"/>
-          <a:lstStyle/>
-          <a:p>
-            <a:pPr algn="ctr"/>
-            <a:endParaRPr lang="es-CO"/>
-          </a:p>
-        </p:txBody>
-      </p:sp>
-      <p:sp>
-        <p:nvSpPr>
-          <p:cNvPr id="15" name="Rectángulo redondeado 14"/>
-          <p:cNvSpPr/>
-          <p:nvPr/>
-        </p:nvSpPr>
-        <p:spPr>
-          <a:xfrm>
-            <a:off x="176371" y="3969380"/>
-            <a:ext cx="9073646" cy="2312150"/>
-          </a:xfrm>
-          <a:prstGeom prst="roundRect">
-            <a:avLst/>
-          </a:prstGeom>
-          <a:noFill/>
-          <a:ln w="28575">
-            <a:solidFill>
-              <a:srgbClr val="FF0000"/>
-            </a:solidFill>
-          </a:ln>
-        </p:spPr>
-        <p:style>
-          <a:lnRef idx="2">
-            <a:schemeClr val="accent1">
-              <a:shade val="50000"/>
-            </a:schemeClr>
-          </a:lnRef>
-          <a:fillRef idx="1">
-            <a:schemeClr val="accent1"/>
-          </a:fillRef>
-          <a:effectRef idx="0">
-            <a:schemeClr val="accent1"/>
-          </a:effectRef>
-          <a:fontRef idx="minor">
-            <a:schemeClr val="lt1"/>
-          </a:fontRef>
-        </p:style>
-        <p:txBody>
-          <a:bodyPr rtlCol="0" anchor="ctr"/>
-          <a:lstStyle/>
-          <a:p>
-            <a:pPr algn="ctr"/>
-            <a:endParaRPr lang="es-CO"/>
-          </a:p>
-        </p:txBody>
-      </p:sp>
-      <p:sp>
-        <p:nvSpPr>
-          <p:cNvPr id="16" name="CuadroTexto 15"/>
-          <p:cNvSpPr txBox="1"/>
-          <p:nvPr/>
-        </p:nvSpPr>
-        <p:spPr>
-          <a:xfrm>
-            <a:off x="7323658" y="3941855"/>
-            <a:ext cx="4375737" cy="1323439"/>
-          </a:xfrm>
-          <a:prstGeom prst="rect">
-            <a:avLst/>
-          </a:prstGeom>
-          <a:noFill/>
-        </p:spPr>
-        <p:txBody>
-          <a:bodyPr wrap="square" rtlCol="0">
-            <a:spAutoFit/>
-          </a:bodyPr>
-          <a:lstStyle/>
-          <a:p>
-            <a:pPr lvl="0" eaLnBrk="0" fontAlgn="base" hangingPunct="0">
-              <a:spcBef>
-                <a:spcPct val="0"/>
-              </a:spcBef>
-              <a:spcAft>
-                <a:spcPct val="0"/>
-              </a:spcAft>
-            </a:pPr>
-            <a:r>
-              <a:rPr lang="es-CO" altLang="es-CO" sz="2400" b="1" dirty="0">
-                <a:solidFill>
-                  <a:srgbClr val="FF0000"/>
-                </a:solidFill>
-                <a:latin typeface="Arial" panose="020B0604020202020204" pitchFamily="34" charset="0"/>
-              </a:rPr>
-              <a:t>Parámetros por </a:t>
-            </a:r>
-            <a:r>
-              <a:rPr lang="es-CO" sz="2400" b="1" dirty="0" err="1">
-                <a:solidFill>
-                  <a:srgbClr val="FF0000"/>
-                </a:solidFill>
-                <a:latin typeface="Arial" panose="020B0604020202020204" pitchFamily="34" charset="0"/>
-              </a:rPr>
-              <a:t>Keywords</a:t>
-            </a:r>
-            <a:r>
-              <a:rPr lang="es-CO" sz="2400" b="1" dirty="0"/>
-              <a:t> </a:t>
-            </a:r>
-            <a:endParaRPr lang="es-CO" altLang="es-CO" sz="2400" b="1" dirty="0">
-              <a:solidFill>
-                <a:srgbClr val="FF0000"/>
-              </a:solidFill>
-              <a:latin typeface="Arial" panose="020B0604020202020204" pitchFamily="34" charset="0"/>
-            </a:endParaRPr>
-          </a:p>
-          <a:p>
-            <a:r>
-              <a:rPr lang="es-CO" dirty="0" smtClean="0"/>
-              <a:t>En Python, también es posible llamar a una función, pasándole los argumentos esperados, como parejas de </a:t>
-            </a:r>
-            <a:r>
-              <a:rPr lang="es-CO" sz="2000" b="1" dirty="0" smtClean="0">
-                <a:solidFill>
-                  <a:srgbClr val="002060"/>
-                </a:solidFill>
-              </a:rPr>
-              <a:t>clave = valor</a:t>
-            </a:r>
-            <a:r>
-              <a:rPr lang="es-CO" dirty="0" smtClean="0"/>
-              <a:t>.</a:t>
-            </a:r>
-            <a:endParaRPr lang="es-CO" dirty="0"/>
-          </a:p>
-        </p:txBody>
-      </p:sp>
-    </p:spTree>
-    <p:extLst>
-      <p:ext uri="{BB962C8B-B14F-4D97-AF65-F5344CB8AC3E}">
-        <p14:creationId xmlns:p14="http://schemas.microsoft.com/office/powerpoint/2010/main" val="3085663438"/>
-      </p:ext>
-    </p:extLst>
-  </p:cSld>
-  <p:clrMapOvr>
-    <a:masterClrMapping/>
-  </p:clrMapOvr>
-  <p:timing>
-    <p:tnLst>
-      <p:par>
-        <p:cTn id="1" dur="indefinite" restart="never" nodeType="tmRoot"/>
-      </p:par>
-    </p:tnLst>
-  </p:timing>
-</p:sld>
-</file>
-
-<file path=ppt/slides/slide9.xml><?xml version="1.0" encoding="utf-8"?>
-<p:sld xmlns:a="http://schemas.openxmlformats.org/drawingml/2006/main" xmlns:r="http://schemas.openxmlformats.org/officeDocument/2006/relationships" xmlns:p="http://schemas.openxmlformats.org/presentationml/2006/main">
-  <p:cSld>
-    <p:spTree>
-      <p:nvGrpSpPr>
-        <p:cNvPr id="1" name=""/>
-        <p:cNvGrpSpPr/>
-        <p:nvPr/>
-      </p:nvGrpSpPr>
-      <p:grpSpPr>
-        <a:xfrm>
-          <a:off x="0" y="0"/>
-          <a:ext cx="0" cy="0"/>
-          <a:chOff x="0" y="0"/>
-          <a:chExt cx="0" cy="0"/>
-        </a:xfrm>
-      </p:grpSpPr>
-      <p:sp>
-        <p:nvSpPr>
-          <p:cNvPr id="3" name="Título 1">
-            <a:extLst>
-              <a:ext uri="{FF2B5EF4-FFF2-40B4-BE49-F238E27FC236}">
-                <a16:creationId xmlns:a16="http://schemas.microsoft.com/office/drawing/2014/main" xmlns="" id="{C74FDE85-A811-49B8-BCA5-144B3BF9178F}"/>
-              </a:ext>
-            </a:extLst>
-          </p:cNvPr>
-          <p:cNvSpPr txBox="1">
-            <a:spLocks/>
-          </p:cNvSpPr>
-          <p:nvPr/>
-        </p:nvSpPr>
-        <p:spPr>
-          <a:xfrm>
-            <a:off x="3103809" y="32863"/>
-            <a:ext cx="6070211" cy="504079"/>
-          </a:xfrm>
-          <a:prstGeom prst="rect">
-            <a:avLst/>
-          </a:prstGeom>
-        </p:spPr>
-        <p:txBody>
-          <a:bodyPr vert="horz" lIns="91440" tIns="45720" rIns="91440" bIns="45720" rtlCol="0" anchor="ctr">
-            <a:normAutofit fontScale="37500" lnSpcReduction="20000"/>
-          </a:bodyPr>
-          <a:lstStyle>
-            <a:lvl1pPr algn="l" defTabSz="914400" rtl="0" eaLnBrk="1" latinLnBrk="0" hangingPunct="1">
-              <a:lnSpc>
-                <a:spcPct val="90000"/>
-              </a:lnSpc>
-              <a:spcBef>
-                <a:spcPct val="0"/>
-              </a:spcBef>
-              <a:buNone/>
-              <a:defRPr sz="4400" kern="1200">
-                <a:solidFill>
-                  <a:schemeClr val="tx1"/>
-                </a:solidFill>
-                <a:latin typeface="+mj-lt"/>
-                <a:ea typeface="+mj-ea"/>
-                <a:cs typeface="+mj-cs"/>
-              </a:defRPr>
-            </a:lvl1pPr>
-          </a:lstStyle>
-          <a:p>
-            <a:r>
-              <a:rPr lang="es-CO" b="1" dirty="0" smtClean="0">
-                <a:solidFill>
-                  <a:schemeClr val="bg1"/>
-                </a:solidFill>
-                <a:latin typeface="Calabri"/>
-              </a:rPr>
-              <a:t>PROGRAMA EN PYTHON CON FUNCIONES O MÉTODOS</a:t>
-            </a:r>
-            <a:endParaRPr lang="es-CO" b="1" dirty="0">
-              <a:solidFill>
-                <a:schemeClr val="bg1"/>
-              </a:solidFill>
-              <a:latin typeface="Calabri"/>
-            </a:endParaRPr>
-          </a:p>
-        </p:txBody>
-      </p:sp>
-      <p:pic>
-        <p:nvPicPr>
-          <p:cNvPr id="12" name="Imagen 11">
-            <a:extLst>
-              <a:ext uri="{FF2B5EF4-FFF2-40B4-BE49-F238E27FC236}">
-                <a16:creationId xmlns:a16="http://schemas.microsoft.com/office/drawing/2014/main" xmlns="" id="{0633DF26-E03C-49B7-8009-B152436760EA}"/>
-              </a:ext>
-            </a:extLst>
-          </p:cNvPr>
-          <p:cNvPicPr>
-            <a:picLocks noChangeAspect="1"/>
-          </p:cNvPicPr>
-          <p:nvPr/>
-        </p:nvPicPr>
-        <p:blipFill>
-          <a:blip r:embed="rId2">
-            <a:extLst>
-              <a:ext uri="{28A0092B-C50C-407E-A947-70E740481C1C}">
-                <a14:useLocalDpi xmlns:a14="http://schemas.microsoft.com/office/drawing/2010/main" val="0"/>
-              </a:ext>
-            </a:extLst>
-          </a:blip>
-          <a:stretch>
-            <a:fillRect/>
-          </a:stretch>
-        </p:blipFill>
-        <p:spPr>
-          <a:xfrm>
-            <a:off x="8780565" y="5089159"/>
-            <a:ext cx="1226795" cy="807431"/>
-          </a:xfrm>
-          <a:prstGeom prst="rect">
-            <a:avLst/>
-          </a:prstGeom>
-        </p:spPr>
-      </p:pic>
-      <p:sp>
-        <p:nvSpPr>
-          <p:cNvPr id="5" name="CuadroTexto 4"/>
-          <p:cNvSpPr txBox="1"/>
-          <p:nvPr/>
-        </p:nvSpPr>
-        <p:spPr>
-          <a:xfrm>
-            <a:off x="1102017" y="3924020"/>
-            <a:ext cx="1769972" cy="646331"/>
-          </a:xfrm>
-          <a:prstGeom prst="rect">
-            <a:avLst/>
-          </a:prstGeom>
-          <a:noFill/>
-        </p:spPr>
-        <p:txBody>
-          <a:bodyPr wrap="none" rtlCol="0">
-            <a:spAutoFit/>
-          </a:bodyPr>
-          <a:lstStyle/>
-          <a:p>
-            <a:r>
-              <a:rPr lang="es-CO" b="1" dirty="0" smtClean="0">
-                <a:solidFill>
-                  <a:srgbClr val="FF0000"/>
-                </a:solidFill>
-              </a:rPr>
-              <a:t>              1</a:t>
-            </a:r>
-          </a:p>
-          <a:p>
-            <a:r>
-              <a:rPr lang="es-CO" b="1" dirty="0" smtClean="0">
-                <a:solidFill>
-                  <a:srgbClr val="FF0000"/>
-                </a:solidFill>
-              </a:rPr>
-              <a:t>CODIGO FUENTE</a:t>
-            </a:r>
-            <a:endParaRPr lang="es-CO" b="1" dirty="0">
-              <a:solidFill>
-                <a:srgbClr val="FF0000"/>
-              </a:solidFill>
-            </a:endParaRPr>
-          </a:p>
-        </p:txBody>
-      </p:sp>
-      <p:sp>
-        <p:nvSpPr>
-          <p:cNvPr id="7" name="CuadroTexto 6"/>
-          <p:cNvSpPr txBox="1"/>
-          <p:nvPr/>
-        </p:nvSpPr>
-        <p:spPr>
-          <a:xfrm>
-            <a:off x="5389768" y="2337568"/>
-            <a:ext cx="2872068" cy="923330"/>
-          </a:xfrm>
-          <a:prstGeom prst="rect">
-            <a:avLst/>
-          </a:prstGeom>
-          <a:noFill/>
-        </p:spPr>
-        <p:txBody>
-          <a:bodyPr wrap="none" rtlCol="0">
-            <a:spAutoFit/>
-          </a:bodyPr>
-          <a:lstStyle/>
-          <a:p>
-            <a:r>
-              <a:rPr lang="es-CO" b="1" dirty="0" smtClean="0">
-                <a:solidFill>
-                  <a:srgbClr val="FF0000"/>
-                </a:solidFill>
-              </a:rPr>
-              <a:t>              2</a:t>
-            </a:r>
-          </a:p>
-          <a:p>
-            <a:r>
-              <a:rPr lang="es-CO" b="1" dirty="0" smtClean="0">
-                <a:solidFill>
-                  <a:srgbClr val="FF0000"/>
-                </a:solidFill>
-              </a:rPr>
-              <a:t>COMPILACIÓN Y</a:t>
-            </a:r>
-          </a:p>
-          <a:p>
-            <a:r>
-              <a:rPr lang="es-CO" b="1" dirty="0" smtClean="0">
-                <a:solidFill>
-                  <a:srgbClr val="FF0000"/>
-                </a:solidFill>
-              </a:rPr>
-              <a:t>EJECUCIÓN DEL PROGRAMA</a:t>
-            </a:r>
-            <a:endParaRPr lang="es-CO" b="1" dirty="0">
-              <a:solidFill>
-                <a:srgbClr val="FF0000"/>
-              </a:solidFill>
-            </a:endParaRPr>
-          </a:p>
-        </p:txBody>
-      </p:sp>
-      <p:sp>
-        <p:nvSpPr>
-          <p:cNvPr id="8" name="CuadroTexto 7"/>
-          <p:cNvSpPr txBox="1"/>
-          <p:nvPr/>
-        </p:nvSpPr>
-        <p:spPr>
-          <a:xfrm>
-            <a:off x="9166934" y="2337568"/>
-            <a:ext cx="2417778" cy="646331"/>
-          </a:xfrm>
-          <a:prstGeom prst="rect">
-            <a:avLst/>
-          </a:prstGeom>
-          <a:noFill/>
-        </p:spPr>
-        <p:txBody>
-          <a:bodyPr wrap="none" rtlCol="0">
-            <a:spAutoFit/>
-          </a:bodyPr>
-          <a:lstStyle/>
-          <a:p>
-            <a:r>
-              <a:rPr lang="es-CO" b="1" dirty="0" smtClean="0">
-                <a:solidFill>
-                  <a:srgbClr val="FF0000"/>
-                </a:solidFill>
-              </a:rPr>
-              <a:t>              3</a:t>
-            </a:r>
-          </a:p>
-          <a:p>
-            <a:r>
-              <a:rPr lang="es-CO" b="1" dirty="0" smtClean="0">
-                <a:solidFill>
-                  <a:srgbClr val="FF0000"/>
-                </a:solidFill>
-              </a:rPr>
-              <a:t>Ejecución del Programa</a:t>
-            </a:r>
-            <a:endParaRPr lang="es-CO" b="1" dirty="0">
-              <a:solidFill>
-                <a:srgbClr val="FF0000"/>
-              </a:solidFill>
-            </a:endParaRPr>
-          </a:p>
-        </p:txBody>
-      </p:sp>
-      <p:sp>
-        <p:nvSpPr>
-          <p:cNvPr id="6" name="Elipse 5"/>
-          <p:cNvSpPr/>
-          <p:nvPr/>
-        </p:nvSpPr>
-        <p:spPr>
-          <a:xfrm>
-            <a:off x="6001554" y="2302489"/>
-            <a:ext cx="489397" cy="370126"/>
-          </a:xfrm>
-          <a:prstGeom prst="ellipse">
-            <a:avLst/>
-          </a:prstGeom>
-          <a:noFill/>
-          <a:ln w="38100"/>
-        </p:spPr>
-        <p:style>
-          <a:lnRef idx="2">
-            <a:schemeClr val="accent1">
-              <a:shade val="50000"/>
-            </a:schemeClr>
-          </a:lnRef>
-          <a:fillRef idx="1">
-            <a:schemeClr val="accent1"/>
-          </a:fillRef>
-          <a:effectRef idx="0">
-            <a:schemeClr val="accent1"/>
-          </a:effectRef>
-          <a:fontRef idx="minor">
-            <a:schemeClr val="lt1"/>
-          </a:fontRef>
-        </p:style>
-        <p:txBody>
-          <a:bodyPr rtlCol="0" anchor="ctr"/>
-          <a:lstStyle/>
-          <a:p>
-            <a:pPr algn="ctr"/>
-            <a:endParaRPr lang="es-CO"/>
-          </a:p>
-        </p:txBody>
-      </p:sp>
-      <p:sp>
-        <p:nvSpPr>
-          <p:cNvPr id="9" name="Elipse 8"/>
-          <p:cNvSpPr/>
-          <p:nvPr/>
-        </p:nvSpPr>
-        <p:spPr>
-          <a:xfrm>
-            <a:off x="1755183" y="3922245"/>
-            <a:ext cx="463640" cy="439076"/>
-          </a:xfrm>
-          <a:prstGeom prst="ellipse">
-            <a:avLst/>
-          </a:prstGeom>
-          <a:noFill/>
-          <a:ln w="28575"/>
-        </p:spPr>
-        <p:style>
-          <a:lnRef idx="2">
-            <a:schemeClr val="accent1">
-              <a:shade val="50000"/>
-            </a:schemeClr>
-          </a:lnRef>
-          <a:fillRef idx="1">
-            <a:schemeClr val="accent1"/>
-          </a:fillRef>
-          <a:effectRef idx="0">
-            <a:schemeClr val="accent1"/>
-          </a:effectRef>
-          <a:fontRef idx="minor">
-            <a:schemeClr val="lt1"/>
-          </a:fontRef>
-        </p:style>
-        <p:txBody>
-          <a:bodyPr rtlCol="0" anchor="ctr"/>
-          <a:lstStyle/>
-          <a:p>
-            <a:pPr algn="ctr"/>
-            <a:endParaRPr lang="es-CO"/>
-          </a:p>
-        </p:txBody>
-      </p:sp>
-      <p:sp>
-        <p:nvSpPr>
-          <p:cNvPr id="11" name="Elipse 10"/>
-          <p:cNvSpPr/>
-          <p:nvPr/>
-        </p:nvSpPr>
-        <p:spPr>
-          <a:xfrm>
-            <a:off x="8548745" y="3483169"/>
-            <a:ext cx="463640" cy="439076"/>
-          </a:xfrm>
-          <a:prstGeom prst="ellipse">
-            <a:avLst/>
-          </a:prstGeom>
-          <a:noFill/>
-          <a:ln w="28575"/>
-        </p:spPr>
-        <p:style>
-          <a:lnRef idx="2">
-            <a:schemeClr val="accent1">
-              <a:shade val="50000"/>
-            </a:schemeClr>
-          </a:lnRef>
-          <a:fillRef idx="1">
-            <a:schemeClr val="accent1"/>
-          </a:fillRef>
-          <a:effectRef idx="0">
-            <a:schemeClr val="accent1"/>
-          </a:effectRef>
-          <a:fontRef idx="minor">
-            <a:schemeClr val="lt1"/>
-          </a:fontRef>
-        </p:style>
-        <p:txBody>
-          <a:bodyPr rtlCol="0" anchor="ctr"/>
-          <a:lstStyle/>
-          <a:p>
-            <a:pPr algn="ctr"/>
-            <a:endParaRPr lang="es-CO"/>
-          </a:p>
-        </p:txBody>
-      </p:sp>
-      <p:sp>
-        <p:nvSpPr>
-          <p:cNvPr id="10" name="CuadroTexto 9"/>
-          <p:cNvSpPr txBox="1"/>
-          <p:nvPr/>
-        </p:nvSpPr>
-        <p:spPr>
-          <a:xfrm>
-            <a:off x="2550016" y="675575"/>
-            <a:ext cx="9504609" cy="2308324"/>
-          </a:xfrm>
-          <a:prstGeom prst="rect">
-            <a:avLst/>
-          </a:prstGeom>
-          <a:noFill/>
-        </p:spPr>
-        <p:txBody>
-          <a:bodyPr wrap="square" rtlCol="0">
-            <a:spAutoFit/>
-          </a:bodyPr>
-          <a:lstStyle/>
-          <a:p>
-            <a:r>
-              <a:rPr lang="es-ES" dirty="0"/>
-              <a:t>Planteamiento de Problema: Desarrollar un programa en Lenguaje Python, que permita hallar el área de cualquier </a:t>
-            </a:r>
-            <a:r>
-              <a:rPr lang="es-ES" dirty="0" smtClean="0"/>
-              <a:t>triángulo, utilizando funciones, para las entradas, procesos y salidas:</a:t>
-            </a:r>
-          </a:p>
-          <a:p>
-            <a:r>
-              <a:rPr lang="es-ES" dirty="0"/>
-              <a:t> </a:t>
-            </a:r>
-            <a:endParaRPr lang="es-CO" dirty="0"/>
-          </a:p>
-          <a:p>
-            <a:r>
-              <a:rPr lang="es-ES" b="1" dirty="0"/>
-              <a:t>ANALISIS    </a:t>
-            </a:r>
-            <a:endParaRPr lang="es-CO" dirty="0"/>
-          </a:p>
-          <a:p>
-            <a:r>
-              <a:rPr lang="es-ES" b="1" dirty="0">
-                <a:solidFill>
-                  <a:srgbClr val="00B050"/>
-                </a:solidFill>
-              </a:rPr>
-              <a:t>ENTRADAS</a:t>
-            </a:r>
-            <a:r>
-              <a:rPr lang="es-ES" dirty="0">
-                <a:solidFill>
-                  <a:srgbClr val="00B050"/>
-                </a:solidFill>
-              </a:rPr>
-              <a:t> </a:t>
-            </a:r>
-            <a:r>
-              <a:rPr lang="es-ES" dirty="0"/>
-              <a:t>:  base, altura</a:t>
-            </a:r>
-            <a:endParaRPr lang="es-CO" dirty="0"/>
-          </a:p>
-          <a:p>
-            <a:r>
-              <a:rPr lang="es-ES" b="1" dirty="0">
-                <a:solidFill>
-                  <a:srgbClr val="FFC000"/>
-                </a:solidFill>
-              </a:rPr>
-              <a:t>PROCESOS</a:t>
-            </a:r>
-            <a:r>
-              <a:rPr lang="es-ES" dirty="0">
-                <a:solidFill>
-                  <a:srgbClr val="FFC000"/>
-                </a:solidFill>
-              </a:rPr>
-              <a:t> </a:t>
-            </a:r>
-            <a:r>
-              <a:rPr lang="es-ES" dirty="0"/>
-              <a:t>:   </a:t>
-            </a:r>
-            <a:r>
-              <a:rPr lang="es-ES" dirty="0" err="1"/>
-              <a:t>area</a:t>
-            </a:r>
-            <a:r>
-              <a:rPr lang="es-ES" dirty="0"/>
-              <a:t>  </a:t>
-            </a:r>
-            <a:r>
-              <a:rPr lang="es-ES" dirty="0">
-                <a:sym typeface="Wingdings" panose="05000000000000000000" pitchFamily="2" charset="2"/>
-              </a:rPr>
-              <a:t></a:t>
-            </a:r>
-            <a:r>
-              <a:rPr lang="es-ES" dirty="0"/>
-              <a:t> base * altura / 2</a:t>
-            </a:r>
-            <a:endParaRPr lang="es-CO" dirty="0"/>
-          </a:p>
-          <a:p>
-            <a:r>
-              <a:rPr lang="es-ES" b="1" dirty="0">
-                <a:solidFill>
-                  <a:srgbClr val="FF0000"/>
-                </a:solidFill>
-              </a:rPr>
-              <a:t>SALIDAS</a:t>
-            </a:r>
-            <a:r>
-              <a:rPr lang="es-ES" dirty="0"/>
-              <a:t>     </a:t>
-            </a:r>
-            <a:r>
-              <a:rPr lang="es-ES" dirty="0" err="1" smtClean="0"/>
-              <a:t>area</a:t>
-            </a:r>
-            <a:endParaRPr lang="es-CO" dirty="0"/>
-          </a:p>
-          <a:p>
-            <a:r>
-              <a:rPr lang="es-ES" dirty="0"/>
-              <a:t>: </a:t>
-            </a:r>
-            <a:endParaRPr lang="es-CO" dirty="0"/>
-          </a:p>
-        </p:txBody>
-      </p:sp>
-      <p:pic>
-        <p:nvPicPr>
-          <p:cNvPr id="4" name="Imagen 3"/>
-          <p:cNvPicPr>
-            <a:picLocks noChangeAspect="1"/>
-          </p:cNvPicPr>
-          <p:nvPr/>
-        </p:nvPicPr>
-        <p:blipFill>
-          <a:blip r:embed="rId3"/>
-          <a:stretch>
-            <a:fillRect/>
-          </a:stretch>
-        </p:blipFill>
-        <p:spPr>
-          <a:xfrm>
-            <a:off x="2640169" y="3218829"/>
-            <a:ext cx="8024564" cy="3325211"/>
-          </a:xfrm>
-          <a:prstGeom prst="rect">
-            <a:avLst/>
-          </a:prstGeom>
-        </p:spPr>
-      </p:pic>
-      <p:sp>
-        <p:nvSpPr>
-          <p:cNvPr id="13" name="Elipse 12"/>
-          <p:cNvSpPr/>
-          <p:nvPr/>
-        </p:nvSpPr>
-        <p:spPr>
-          <a:xfrm>
-            <a:off x="9775540" y="2268014"/>
-            <a:ext cx="463640" cy="439076"/>
-          </a:xfrm>
-          <a:prstGeom prst="ellipse">
-            <a:avLst/>
-          </a:prstGeom>
-          <a:noFill/>
-          <a:ln w="28575"/>
-        </p:spPr>
-        <p:style>
-          <a:lnRef idx="2">
-            <a:schemeClr val="accent1">
-              <a:shade val="50000"/>
-            </a:schemeClr>
-          </a:lnRef>
-          <a:fillRef idx="1">
-            <a:schemeClr val="accent1"/>
-          </a:fillRef>
-          <a:effectRef idx="0">
-            <a:schemeClr val="accent1"/>
-          </a:effectRef>
-          <a:fontRef idx="minor">
-            <a:schemeClr val="lt1"/>
-          </a:fontRef>
-        </p:style>
-        <p:txBody>
-          <a:bodyPr rtlCol="0" anchor="ctr"/>
-          <a:lstStyle/>
-          <a:p>
-            <a:pPr algn="ctr"/>
-            <a:endParaRPr lang="es-CO"/>
-          </a:p>
-        </p:txBody>
-      </p:sp>
-    </p:spTree>
-    <p:extLst>
-      <p:ext uri="{BB962C8B-B14F-4D97-AF65-F5344CB8AC3E}">
-        <p14:creationId xmlns:p14="http://schemas.microsoft.com/office/powerpoint/2010/main" val="1695641282"/>
       </p:ext>
     </p:extLst>
   </p:cSld>
